--- a/Figure/design/Design.pptx
+++ b/Figure/design/Design.pptx
@@ -12,6 +12,8 @@
     <p:sldId id="260" r:id="rId6"/>
     <p:sldId id="261" r:id="rId7"/>
     <p:sldId id="262" r:id="rId8"/>
+    <p:sldId id="263" r:id="rId9"/>
+    <p:sldId id="264" r:id="rId10"/>
   </p:sldIdLst>
   <p:sldSz cx="12192000" cy="6858000"/>
   <p:notesSz cx="6858000" cy="9144000"/>
@@ -277,7 +279,7 @@
           <a:p>
             <a:fld id="{BB6AA20C-F034-4B89-BF6D-AE204F5DD15B}" type="datetimeFigureOut">
               <a:rPr lang="zh-CN" altLang="en-US" smtClean="0"/>
-              <a:t>2020/8/5</a:t>
+              <a:t>2020/8/6</a:t>
             </a:fld>
             <a:endParaRPr lang="zh-CN" altLang="en-US"/>
           </a:p>
@@ -475,7 +477,7 @@
           <a:p>
             <a:fld id="{BB6AA20C-F034-4B89-BF6D-AE204F5DD15B}" type="datetimeFigureOut">
               <a:rPr lang="zh-CN" altLang="en-US" smtClean="0"/>
-              <a:t>2020/8/5</a:t>
+              <a:t>2020/8/6</a:t>
             </a:fld>
             <a:endParaRPr lang="zh-CN" altLang="en-US"/>
           </a:p>
@@ -683,7 +685,7 @@
           <a:p>
             <a:fld id="{BB6AA20C-F034-4B89-BF6D-AE204F5DD15B}" type="datetimeFigureOut">
               <a:rPr lang="zh-CN" altLang="en-US" smtClean="0"/>
-              <a:t>2020/8/5</a:t>
+              <a:t>2020/8/6</a:t>
             </a:fld>
             <a:endParaRPr lang="zh-CN" altLang="en-US"/>
           </a:p>
@@ -881,7 +883,7 @@
           <a:p>
             <a:fld id="{BB6AA20C-F034-4B89-BF6D-AE204F5DD15B}" type="datetimeFigureOut">
               <a:rPr lang="zh-CN" altLang="en-US" smtClean="0"/>
-              <a:t>2020/8/5</a:t>
+              <a:t>2020/8/6</a:t>
             </a:fld>
             <a:endParaRPr lang="zh-CN" altLang="en-US"/>
           </a:p>
@@ -1156,7 +1158,7 @@
           <a:p>
             <a:fld id="{BB6AA20C-F034-4B89-BF6D-AE204F5DD15B}" type="datetimeFigureOut">
               <a:rPr lang="zh-CN" altLang="en-US" smtClean="0"/>
-              <a:t>2020/8/5</a:t>
+              <a:t>2020/8/6</a:t>
             </a:fld>
             <a:endParaRPr lang="zh-CN" altLang="en-US"/>
           </a:p>
@@ -1421,7 +1423,7 @@
           <a:p>
             <a:fld id="{BB6AA20C-F034-4B89-BF6D-AE204F5DD15B}" type="datetimeFigureOut">
               <a:rPr lang="zh-CN" altLang="en-US" smtClean="0"/>
-              <a:t>2020/8/5</a:t>
+              <a:t>2020/8/6</a:t>
             </a:fld>
             <a:endParaRPr lang="zh-CN" altLang="en-US"/>
           </a:p>
@@ -1833,7 +1835,7 @@
           <a:p>
             <a:fld id="{BB6AA20C-F034-4B89-BF6D-AE204F5DD15B}" type="datetimeFigureOut">
               <a:rPr lang="zh-CN" altLang="en-US" smtClean="0"/>
-              <a:t>2020/8/5</a:t>
+              <a:t>2020/8/6</a:t>
             </a:fld>
             <a:endParaRPr lang="zh-CN" altLang="en-US"/>
           </a:p>
@@ -1974,7 +1976,7 @@
           <a:p>
             <a:fld id="{BB6AA20C-F034-4B89-BF6D-AE204F5DD15B}" type="datetimeFigureOut">
               <a:rPr lang="zh-CN" altLang="en-US" smtClean="0"/>
-              <a:t>2020/8/5</a:t>
+              <a:t>2020/8/6</a:t>
             </a:fld>
             <a:endParaRPr lang="zh-CN" altLang="en-US"/>
           </a:p>
@@ -2087,7 +2089,7 @@
           <a:p>
             <a:fld id="{BB6AA20C-F034-4B89-BF6D-AE204F5DD15B}" type="datetimeFigureOut">
               <a:rPr lang="zh-CN" altLang="en-US" smtClean="0"/>
-              <a:t>2020/8/5</a:t>
+              <a:t>2020/8/6</a:t>
             </a:fld>
             <a:endParaRPr lang="zh-CN" altLang="en-US"/>
           </a:p>
@@ -2398,7 +2400,7 @@
           <a:p>
             <a:fld id="{BB6AA20C-F034-4B89-BF6D-AE204F5DD15B}" type="datetimeFigureOut">
               <a:rPr lang="zh-CN" altLang="en-US" smtClean="0"/>
-              <a:t>2020/8/5</a:t>
+              <a:t>2020/8/6</a:t>
             </a:fld>
             <a:endParaRPr lang="zh-CN" altLang="en-US"/>
           </a:p>
@@ -2686,7 +2688,7 @@
           <a:p>
             <a:fld id="{BB6AA20C-F034-4B89-BF6D-AE204F5DD15B}" type="datetimeFigureOut">
               <a:rPr lang="zh-CN" altLang="en-US" smtClean="0"/>
-              <a:t>2020/8/5</a:t>
+              <a:t>2020/8/6</a:t>
             </a:fld>
             <a:endParaRPr lang="zh-CN" altLang="en-US"/>
           </a:p>
@@ -2927,7 +2929,7 @@
           <a:p>
             <a:fld id="{BB6AA20C-F034-4B89-BF6D-AE204F5DD15B}" type="datetimeFigureOut">
               <a:rPr lang="zh-CN" altLang="en-US" smtClean="0"/>
-              <a:t>2020/8/5</a:t>
+              <a:t>2020/8/6</a:t>
             </a:fld>
             <a:endParaRPr lang="zh-CN" altLang="en-US"/>
           </a:p>
@@ -12301,6 +12303,3502 @@
 </p:sld>
 </file>
 
+<file path=ppt/slides/slide8.xml><?xml version="1.0" encoding="utf-8"?>
+<p:sld xmlns:a="http://schemas.openxmlformats.org/drawingml/2006/main" xmlns:r="http://schemas.openxmlformats.org/officeDocument/2006/relationships" xmlns:p="http://schemas.openxmlformats.org/presentationml/2006/main">
+  <p:cSld>
+    <p:spTree>
+      <p:nvGrpSpPr>
+        <p:cNvPr id="1" name=""/>
+        <p:cNvGrpSpPr/>
+        <p:nvPr/>
+      </p:nvGrpSpPr>
+      <p:grpSpPr>
+        <a:xfrm>
+          <a:off x="0" y="0"/>
+          <a:ext cx="0" cy="0"/>
+          <a:chOff x="0" y="0"/>
+          <a:chExt cx="0" cy="0"/>
+        </a:xfrm>
+      </p:grpSpPr>
+      <p:sp>
+        <p:nvSpPr>
+          <p:cNvPr id="5" name="矩形 4">
+            <a:extLst>
+              <a:ext uri="{FF2B5EF4-FFF2-40B4-BE49-F238E27FC236}">
+                <a16:creationId xmlns:a16="http://schemas.microsoft.com/office/drawing/2014/main" id="{ABC0A999-24E3-47A8-ABC0-3438CCF8FE3B}"/>
+              </a:ext>
+            </a:extLst>
+          </p:cNvPr>
+          <p:cNvSpPr/>
+          <p:nvPr/>
+        </p:nvSpPr>
+        <p:spPr>
+          <a:xfrm>
+            <a:off x="997092" y="3444072"/>
+            <a:ext cx="1440000" cy="576000"/>
+          </a:xfrm>
+          <a:prstGeom prst="rect">
+            <a:avLst/>
+          </a:prstGeom>
+          <a:noFill/>
+          <a:ln w="19050" cap="flat" cmpd="sng" algn="ctr">
+            <a:solidFill>
+              <a:srgbClr val="202731">
+                <a:shade val="50000"/>
+              </a:srgbClr>
+            </a:solidFill>
+            <a:prstDash val="solid"/>
+          </a:ln>
+          <a:effectLst/>
+        </p:spPr>
+        <p:txBody>
+          <a:bodyPr rtlCol="0" anchor="ctr"/>
+          <a:lstStyle/>
+          <a:p>
+            <a:pPr marL="0" marR="0" lvl="0" indent="0" algn="ctr" defTabSz="914400" eaLnBrk="1" fontAlgn="auto" latinLnBrk="0" hangingPunct="1">
+              <a:lnSpc>
+                <a:spcPct val="100000"/>
+              </a:lnSpc>
+              <a:spcBef>
+                <a:spcPts val="0"/>
+              </a:spcBef>
+              <a:spcAft>
+                <a:spcPts val="0"/>
+              </a:spcAft>
+              <a:buClrTx/>
+              <a:buSzTx/>
+              <a:buFontTx/>
+              <a:buNone/>
+              <a:tabLst/>
+              <a:defRPr/>
+            </a:pPr>
+            <a:r>
+              <a:rPr lang="en-US" altLang="zh-CN" sz="1600" kern="0" dirty="0">
+                <a:solidFill>
+                  <a:prstClr val="black"/>
+                </a:solidFill>
+                <a:latin typeface="Times New Roman" panose="02020603050405020304" pitchFamily="18" charset="0"/>
+                <a:ea typeface="华文新魏" panose="02010800040101010101" pitchFamily="2" charset="-122"/>
+                <a:cs typeface="Times New Roman" panose="02020603050405020304" pitchFamily="18" charset="0"/>
+              </a:rPr>
+              <a:t>Original audio</a:t>
+            </a:r>
+            <a:endParaRPr kumimoji="0" lang="zh-CN" altLang="en-US" sz="1600" b="0" i="0" u="none" strike="noStrike" kern="0" cap="none" spc="0" normalizeH="0" baseline="0" noProof="0" dirty="0">
+              <a:ln>
+                <a:noFill/>
+              </a:ln>
+              <a:solidFill>
+                <a:prstClr val="black"/>
+              </a:solidFill>
+              <a:effectLst/>
+              <a:uLnTx/>
+              <a:uFillTx/>
+              <a:latin typeface="Times New Roman" panose="02020603050405020304" pitchFamily="18" charset="0"/>
+              <a:ea typeface="华文新魏" panose="02010800040101010101" pitchFamily="2" charset="-122"/>
+              <a:cs typeface="Times New Roman" panose="02020603050405020304" pitchFamily="18" charset="0"/>
+            </a:endParaRPr>
+          </a:p>
+        </p:txBody>
+      </p:sp>
+      <p:grpSp>
+        <p:nvGrpSpPr>
+          <p:cNvPr id="71" name="组合 70">
+            <a:extLst>
+              <a:ext uri="{FF2B5EF4-FFF2-40B4-BE49-F238E27FC236}">
+                <a16:creationId xmlns:a16="http://schemas.microsoft.com/office/drawing/2014/main" id="{D8026827-1989-4AE0-87BA-1CEA7B0EA5BF}"/>
+              </a:ext>
+            </a:extLst>
+          </p:cNvPr>
+          <p:cNvGrpSpPr/>
+          <p:nvPr/>
+        </p:nvGrpSpPr>
+        <p:grpSpPr>
+          <a:xfrm>
+            <a:off x="3570300" y="1607269"/>
+            <a:ext cx="4320000" cy="1304752"/>
+            <a:chOff x="3570300" y="1607269"/>
+            <a:chExt cx="4320000" cy="1304752"/>
+          </a:xfrm>
+        </p:grpSpPr>
+        <p:sp>
+          <p:nvSpPr>
+            <p:cNvPr id="12" name="矩形: 圆角 11">
+              <a:extLst>
+                <a:ext uri="{FF2B5EF4-FFF2-40B4-BE49-F238E27FC236}">
+                  <a16:creationId xmlns:a16="http://schemas.microsoft.com/office/drawing/2014/main" id="{D58161DE-4DF8-4D4B-8884-9E27694F7F39}"/>
+                </a:ext>
+              </a:extLst>
+            </p:cNvPr>
+            <p:cNvSpPr/>
+            <p:nvPr/>
+          </p:nvSpPr>
+          <p:spPr>
+            <a:xfrm>
+              <a:off x="3570300" y="1967220"/>
+              <a:ext cx="4320000" cy="944801"/>
+            </a:xfrm>
+            <a:prstGeom prst="roundRect">
+              <a:avLst/>
+            </a:prstGeom>
+            <a:noFill/>
+            <a:ln w="19050">
+              <a:solidFill>
+                <a:schemeClr val="tx1"/>
+              </a:solidFill>
+              <a:prstDash val="dash"/>
+            </a:ln>
+          </p:spPr>
+          <p:style>
+            <a:lnRef idx="2">
+              <a:schemeClr val="accent1">
+                <a:shade val="50000"/>
+              </a:schemeClr>
+            </a:lnRef>
+            <a:fillRef idx="1">
+              <a:schemeClr val="accent1"/>
+            </a:fillRef>
+            <a:effectRef idx="0">
+              <a:schemeClr val="accent1"/>
+            </a:effectRef>
+            <a:fontRef idx="minor">
+              <a:schemeClr val="lt1"/>
+            </a:fontRef>
+          </p:style>
+          <p:txBody>
+            <a:bodyPr rtlCol="0" anchor="ctr"/>
+            <a:lstStyle/>
+            <a:p>
+              <a:pPr algn="ctr"/>
+              <a:endParaRPr lang="zh-CN" altLang="en-US" dirty="0">
+                <a:solidFill>
+                  <a:schemeClr val="tx1"/>
+                </a:solidFill>
+                <a:latin typeface="Times New Roman" panose="02020603050405020304" pitchFamily="18" charset="0"/>
+                <a:cs typeface="Times New Roman" panose="02020603050405020304" pitchFamily="18" charset="0"/>
+              </a:endParaRPr>
+            </a:p>
+          </p:txBody>
+        </p:sp>
+        <p:sp>
+          <p:nvSpPr>
+            <p:cNvPr id="51" name="矩形 50">
+              <a:extLst>
+                <a:ext uri="{FF2B5EF4-FFF2-40B4-BE49-F238E27FC236}">
+                  <a16:creationId xmlns:a16="http://schemas.microsoft.com/office/drawing/2014/main" id="{862D2EFB-3D46-4752-97E8-A4E385A6102E}"/>
+                </a:ext>
+              </a:extLst>
+            </p:cNvPr>
+            <p:cNvSpPr/>
+            <p:nvPr/>
+          </p:nvSpPr>
+          <p:spPr>
+            <a:xfrm>
+              <a:off x="4775551" y="1607269"/>
+              <a:ext cx="1909497" cy="369332"/>
+            </a:xfrm>
+            <a:prstGeom prst="rect">
+              <a:avLst/>
+            </a:prstGeom>
+          </p:spPr>
+          <p:txBody>
+            <a:bodyPr wrap="none">
+              <a:spAutoFit/>
+            </a:bodyPr>
+            <a:lstStyle/>
+            <a:p>
+              <a:pPr algn="ctr"/>
+              <a:r>
+                <a:rPr lang="en-US" altLang="zh-CN" dirty="0">
+                  <a:latin typeface="Times New Roman" panose="02020603050405020304" pitchFamily="18" charset="0"/>
+                  <a:cs typeface="Times New Roman" panose="02020603050405020304" pitchFamily="18" charset="0"/>
+                </a:rPr>
+                <a:t>Phonemic </a:t>
+              </a:r>
+              <a:r>
+                <a:rPr lang="en-US" altLang="zh-CN" dirty="0">
+                  <a:solidFill>
+                    <a:schemeClr val="tx1"/>
+                  </a:solidFill>
+                  <a:latin typeface="Times New Roman" panose="02020603050405020304" pitchFamily="18" charset="0"/>
+                  <a:cs typeface="Times New Roman" panose="02020603050405020304" pitchFamily="18" charset="0"/>
+                </a:rPr>
+                <a:t>analysis</a:t>
+              </a:r>
+              <a:endParaRPr lang="zh-CN" altLang="en-US" dirty="0">
+                <a:solidFill>
+                  <a:schemeClr val="tx1"/>
+                </a:solidFill>
+                <a:latin typeface="Times New Roman" panose="02020603050405020304" pitchFamily="18" charset="0"/>
+                <a:cs typeface="Times New Roman" panose="02020603050405020304" pitchFamily="18" charset="0"/>
+              </a:endParaRPr>
+            </a:p>
+          </p:txBody>
+        </p:sp>
+        <p:sp>
+          <p:nvSpPr>
+            <p:cNvPr id="18" name="矩形 17">
+              <a:extLst>
+                <a:ext uri="{FF2B5EF4-FFF2-40B4-BE49-F238E27FC236}">
+                  <a16:creationId xmlns:a16="http://schemas.microsoft.com/office/drawing/2014/main" id="{9E70C10E-067B-432A-BE3A-898AAAC5B39B}"/>
+                </a:ext>
+              </a:extLst>
+            </p:cNvPr>
+            <p:cNvSpPr/>
+            <p:nvPr/>
+          </p:nvSpPr>
+          <p:spPr>
+            <a:xfrm>
+              <a:off x="3803508" y="2145739"/>
+              <a:ext cx="1800000" cy="576000"/>
+            </a:xfrm>
+            <a:prstGeom prst="rect">
+              <a:avLst/>
+            </a:prstGeom>
+            <a:solidFill>
+              <a:schemeClr val="bg2">
+                <a:lumMod val="90000"/>
+              </a:schemeClr>
+            </a:solidFill>
+            <a:ln w="19050" cap="flat" cmpd="sng" algn="ctr">
+              <a:solidFill>
+                <a:srgbClr val="202731">
+                  <a:shade val="50000"/>
+                </a:srgbClr>
+              </a:solidFill>
+              <a:prstDash val="solid"/>
+            </a:ln>
+            <a:effectLst/>
+          </p:spPr>
+          <p:txBody>
+            <a:bodyPr rtlCol="0" anchor="ctr"/>
+            <a:lstStyle/>
+            <a:p>
+              <a:pPr lvl="0" algn="ctr">
+                <a:defRPr/>
+              </a:pPr>
+              <a:r>
+                <a:rPr lang="en-US" altLang="zh-CN" sz="1600" kern="0" dirty="0">
+                  <a:solidFill>
+                    <a:prstClr val="black"/>
+                  </a:solidFill>
+                  <a:latin typeface="Times New Roman" panose="02020603050405020304" pitchFamily="18" charset="0"/>
+                  <a:ea typeface="华文新魏" panose="02010800040101010101" pitchFamily="2" charset="-122"/>
+                  <a:cs typeface="Times New Roman" panose="02020603050405020304" pitchFamily="18" charset="0"/>
+                </a:rPr>
+                <a:t>Sound change </a:t>
+              </a:r>
+            </a:p>
+            <a:p>
+              <a:pPr lvl="0" algn="ctr">
+                <a:defRPr/>
+              </a:pPr>
+              <a:r>
+                <a:rPr lang="en-US" altLang="zh-CN" sz="1600" kern="0" dirty="0">
+                  <a:solidFill>
+                    <a:prstClr val="black"/>
+                  </a:solidFill>
+                  <a:latin typeface="Times New Roman" panose="02020603050405020304" pitchFamily="18" charset="0"/>
+                  <a:ea typeface="华文新魏" panose="02010800040101010101" pitchFamily="2" charset="-122"/>
+                  <a:cs typeface="Times New Roman" panose="02020603050405020304" pitchFamily="18" charset="0"/>
+                </a:rPr>
+                <a:t>model</a:t>
+              </a:r>
+              <a:endParaRPr kumimoji="0" lang="zh-CN" altLang="en-US" sz="1600" b="0" i="0" u="none" strike="noStrike" kern="0" cap="none" spc="0" normalizeH="0" baseline="0" noProof="0" dirty="0">
+                <a:ln>
+                  <a:noFill/>
+                </a:ln>
+                <a:solidFill>
+                  <a:prstClr val="black"/>
+                </a:solidFill>
+                <a:effectLst/>
+                <a:uLnTx/>
+                <a:uFillTx/>
+                <a:latin typeface="Times New Roman" panose="02020603050405020304" pitchFamily="18" charset="0"/>
+                <a:ea typeface="华文新魏" panose="02010800040101010101" pitchFamily="2" charset="-122"/>
+                <a:cs typeface="Times New Roman" panose="02020603050405020304" pitchFamily="18" charset="0"/>
+              </a:endParaRPr>
+            </a:p>
+          </p:txBody>
+        </p:sp>
+        <p:sp>
+          <p:nvSpPr>
+            <p:cNvPr id="20" name="矩形 19">
+              <a:extLst>
+                <a:ext uri="{FF2B5EF4-FFF2-40B4-BE49-F238E27FC236}">
+                  <a16:creationId xmlns:a16="http://schemas.microsoft.com/office/drawing/2014/main" id="{F6584F53-E219-4842-98CF-D1ACCC32A670}"/>
+                </a:ext>
+              </a:extLst>
+            </p:cNvPr>
+            <p:cNvSpPr/>
+            <p:nvPr/>
+          </p:nvSpPr>
+          <p:spPr>
+            <a:xfrm>
+              <a:off x="5857092" y="2145739"/>
+              <a:ext cx="1800000" cy="576000"/>
+            </a:xfrm>
+            <a:prstGeom prst="rect">
+              <a:avLst/>
+            </a:prstGeom>
+            <a:solidFill>
+              <a:schemeClr val="bg2">
+                <a:lumMod val="90000"/>
+              </a:schemeClr>
+            </a:solidFill>
+            <a:ln w="19050" cap="flat" cmpd="sng" algn="ctr">
+              <a:solidFill>
+                <a:srgbClr val="202731">
+                  <a:shade val="50000"/>
+                </a:srgbClr>
+              </a:solidFill>
+              <a:prstDash val="solid"/>
+            </a:ln>
+            <a:effectLst/>
+          </p:spPr>
+          <p:txBody>
+            <a:bodyPr rtlCol="0" anchor="ctr"/>
+            <a:lstStyle/>
+            <a:p>
+              <a:pPr marL="0" marR="0" lvl="0" indent="0" algn="ctr" defTabSz="914400" eaLnBrk="1" fontAlgn="auto" latinLnBrk="0" hangingPunct="1">
+                <a:lnSpc>
+                  <a:spcPct val="100000"/>
+                </a:lnSpc>
+                <a:spcBef>
+                  <a:spcPts val="0"/>
+                </a:spcBef>
+                <a:spcAft>
+                  <a:spcPts val="0"/>
+                </a:spcAft>
+                <a:buClrTx/>
+                <a:buSzTx/>
+                <a:buFontTx/>
+                <a:buNone/>
+                <a:tabLst/>
+                <a:defRPr/>
+              </a:pPr>
+              <a:r>
+                <a:rPr lang="en-US" altLang="zh-CN" sz="1600" kern="0" dirty="0">
+                  <a:solidFill>
+                    <a:prstClr val="black"/>
+                  </a:solidFill>
+                  <a:latin typeface="Times New Roman" panose="02020603050405020304" pitchFamily="18" charset="0"/>
+                  <a:ea typeface="华文新魏" panose="02010800040101010101" pitchFamily="2" charset="-122"/>
+                  <a:cs typeface="Times New Roman" panose="02020603050405020304" pitchFamily="18" charset="0"/>
+                </a:rPr>
+                <a:t>Word construction </a:t>
+              </a:r>
+            </a:p>
+            <a:p>
+              <a:pPr marL="0" marR="0" lvl="0" indent="0" algn="ctr" defTabSz="914400" eaLnBrk="1" fontAlgn="auto" latinLnBrk="0" hangingPunct="1">
+                <a:lnSpc>
+                  <a:spcPct val="100000"/>
+                </a:lnSpc>
+                <a:spcBef>
+                  <a:spcPts val="0"/>
+                </a:spcBef>
+                <a:spcAft>
+                  <a:spcPts val="0"/>
+                </a:spcAft>
+                <a:buClrTx/>
+                <a:buSzTx/>
+                <a:buFontTx/>
+                <a:buNone/>
+                <a:tabLst/>
+                <a:defRPr/>
+              </a:pPr>
+              <a:r>
+                <a:rPr lang="en-US" altLang="zh-CN" sz="1600" kern="0" dirty="0">
+                  <a:solidFill>
+                    <a:prstClr val="black"/>
+                  </a:solidFill>
+                  <a:latin typeface="Times New Roman" panose="02020603050405020304" pitchFamily="18" charset="0"/>
+                  <a:ea typeface="华文新魏" panose="02010800040101010101" pitchFamily="2" charset="-122"/>
+                  <a:cs typeface="Times New Roman" panose="02020603050405020304" pitchFamily="18" charset="0"/>
+                </a:rPr>
+                <a:t>model</a:t>
+              </a:r>
+              <a:endParaRPr kumimoji="0" lang="zh-CN" altLang="en-US" sz="1600" b="0" i="0" u="none" strike="noStrike" kern="0" cap="none" spc="0" normalizeH="0" baseline="0" noProof="0" dirty="0">
+                <a:ln>
+                  <a:noFill/>
+                </a:ln>
+                <a:solidFill>
+                  <a:prstClr val="black"/>
+                </a:solidFill>
+                <a:effectLst/>
+                <a:uLnTx/>
+                <a:uFillTx/>
+                <a:latin typeface="Times New Roman" panose="02020603050405020304" pitchFamily="18" charset="0"/>
+                <a:ea typeface="华文新魏" panose="02010800040101010101" pitchFamily="2" charset="-122"/>
+                <a:cs typeface="Times New Roman" panose="02020603050405020304" pitchFamily="18" charset="0"/>
+              </a:endParaRPr>
+            </a:p>
+          </p:txBody>
+        </p:sp>
+      </p:grpSp>
+      <p:sp>
+        <p:nvSpPr>
+          <p:cNvPr id="2" name="文本框 1">
+            <a:extLst>
+              <a:ext uri="{FF2B5EF4-FFF2-40B4-BE49-F238E27FC236}">
+                <a16:creationId xmlns:a16="http://schemas.microsoft.com/office/drawing/2014/main" id="{735C2367-7E93-43F3-96A8-361FDA7A2E54}"/>
+              </a:ext>
+            </a:extLst>
+          </p:cNvPr>
+          <p:cNvSpPr txBox="1"/>
+          <p:nvPr/>
+        </p:nvSpPr>
+        <p:spPr>
+          <a:xfrm>
+            <a:off x="2511890" y="2058726"/>
+            <a:ext cx="1066318" cy="700000"/>
+          </a:xfrm>
+          <a:prstGeom prst="rect">
+            <a:avLst/>
+          </a:prstGeom>
+          <a:noFill/>
+        </p:spPr>
+        <p:txBody>
+          <a:bodyPr wrap="none" rtlCol="0">
+            <a:spAutoFit/>
+          </a:bodyPr>
+          <a:lstStyle/>
+          <a:p>
+            <a:pPr algn="ctr">
+              <a:lnSpc>
+                <a:spcPct val="150000"/>
+              </a:lnSpc>
+            </a:pPr>
+            <a:r>
+              <a:rPr lang="en-US" altLang="zh-CN" sz="1400" dirty="0">
+                <a:latin typeface="Times New Roman" panose="02020603050405020304" pitchFamily="18" charset="0"/>
+                <a:cs typeface="Times New Roman" panose="02020603050405020304" pitchFamily="18" charset="0"/>
+              </a:rPr>
+              <a:t>preliminary </a:t>
+            </a:r>
+          </a:p>
+          <a:p>
+            <a:pPr algn="ctr">
+              <a:lnSpc>
+                <a:spcPct val="150000"/>
+              </a:lnSpc>
+            </a:pPr>
+            <a:r>
+              <a:rPr lang="en-US" altLang="zh-CN" sz="1400" dirty="0">
+                <a:latin typeface="Times New Roman" panose="02020603050405020304" pitchFamily="18" charset="0"/>
+                <a:cs typeface="Times New Roman" panose="02020603050405020304" pitchFamily="18" charset="0"/>
+              </a:rPr>
+              <a:t>result</a:t>
+            </a:r>
+            <a:endParaRPr lang="zh-CN" altLang="en-US" sz="1400" dirty="0">
+              <a:latin typeface="Times New Roman" panose="02020603050405020304" pitchFamily="18" charset="0"/>
+              <a:cs typeface="Times New Roman" panose="02020603050405020304" pitchFamily="18" charset="0"/>
+            </a:endParaRPr>
+          </a:p>
+        </p:txBody>
+      </p:sp>
+      <p:sp>
+        <p:nvSpPr>
+          <p:cNvPr id="22" name="矩形 21">
+            <a:extLst>
+              <a:ext uri="{FF2B5EF4-FFF2-40B4-BE49-F238E27FC236}">
+                <a16:creationId xmlns:a16="http://schemas.microsoft.com/office/drawing/2014/main" id="{378E11B1-145A-4C4D-ABA1-F06E15F5F422}"/>
+              </a:ext>
+            </a:extLst>
+          </p:cNvPr>
+          <p:cNvSpPr/>
+          <p:nvPr/>
+        </p:nvSpPr>
+        <p:spPr>
+          <a:xfrm>
+            <a:off x="997092" y="2163495"/>
+            <a:ext cx="1440000" cy="576000"/>
+          </a:xfrm>
+          <a:prstGeom prst="rect">
+            <a:avLst/>
+          </a:prstGeom>
+          <a:noFill/>
+          <a:ln w="19050" cap="flat" cmpd="sng" algn="ctr">
+            <a:solidFill>
+              <a:srgbClr val="202731">
+                <a:shade val="50000"/>
+              </a:srgbClr>
+            </a:solidFill>
+            <a:prstDash val="solid"/>
+          </a:ln>
+          <a:effectLst/>
+        </p:spPr>
+        <p:txBody>
+          <a:bodyPr rtlCol="0" anchor="ctr"/>
+          <a:lstStyle/>
+          <a:p>
+            <a:pPr marL="0" marR="0" lvl="0" indent="0" algn="ctr" defTabSz="914400" eaLnBrk="1" fontAlgn="auto" latinLnBrk="0" hangingPunct="1">
+              <a:lnSpc>
+                <a:spcPct val="100000"/>
+              </a:lnSpc>
+              <a:spcBef>
+                <a:spcPts val="0"/>
+              </a:spcBef>
+              <a:spcAft>
+                <a:spcPts val="0"/>
+              </a:spcAft>
+              <a:buClrTx/>
+              <a:buSzTx/>
+              <a:buFontTx/>
+              <a:buNone/>
+              <a:tabLst/>
+              <a:defRPr/>
+            </a:pPr>
+            <a:r>
+              <a:rPr lang="en-US" altLang="zh-CN" sz="1600" kern="0" dirty="0">
+                <a:solidFill>
+                  <a:prstClr val="black"/>
+                </a:solidFill>
+                <a:latin typeface="Times New Roman" panose="02020603050405020304" pitchFamily="18" charset="0"/>
+                <a:ea typeface="华文新魏" panose="02010800040101010101" pitchFamily="2" charset="-122"/>
+                <a:cs typeface="Times New Roman" panose="02020603050405020304" pitchFamily="18" charset="0"/>
+              </a:rPr>
+              <a:t>ASR</a:t>
+            </a:r>
+            <a:endParaRPr kumimoji="0" lang="zh-CN" altLang="en-US" sz="1600" b="0" i="0" u="none" strike="noStrike" kern="0" cap="none" spc="0" normalizeH="0" baseline="0" noProof="0" dirty="0">
+              <a:ln>
+                <a:noFill/>
+              </a:ln>
+              <a:solidFill>
+                <a:prstClr val="black"/>
+              </a:solidFill>
+              <a:effectLst/>
+              <a:uLnTx/>
+              <a:uFillTx/>
+              <a:latin typeface="Times New Roman" panose="02020603050405020304" pitchFamily="18" charset="0"/>
+              <a:ea typeface="华文新魏" panose="02010800040101010101" pitchFamily="2" charset="-122"/>
+              <a:cs typeface="Times New Roman" panose="02020603050405020304" pitchFamily="18" charset="0"/>
+            </a:endParaRPr>
+          </a:p>
+        </p:txBody>
+      </p:sp>
+      <p:cxnSp>
+        <p:nvCxnSpPr>
+          <p:cNvPr id="13" name="直接箭头连接符 12">
+            <a:extLst>
+              <a:ext uri="{FF2B5EF4-FFF2-40B4-BE49-F238E27FC236}">
+                <a16:creationId xmlns:a16="http://schemas.microsoft.com/office/drawing/2014/main" id="{D596FECC-2E19-4858-A8F4-CD7A0CBDA0C1}"/>
+              </a:ext>
+            </a:extLst>
+          </p:cNvPr>
+          <p:cNvCxnSpPr>
+            <a:cxnSpLocks/>
+            <a:stCxn id="22" idx="3"/>
+            <a:endCxn id="12" idx="1"/>
+          </p:cNvCxnSpPr>
+          <p:nvPr/>
+        </p:nvCxnSpPr>
+        <p:spPr>
+          <a:xfrm flipV="1">
+            <a:off x="2437092" y="2439621"/>
+            <a:ext cx="1133208" cy="11874"/>
+          </a:xfrm>
+          <a:prstGeom prst="straightConnector1">
+            <a:avLst/>
+          </a:prstGeom>
+          <a:ln w="19050">
+            <a:solidFill>
+              <a:schemeClr val="tx1"/>
+            </a:solidFill>
+            <a:tailEnd type="triangle"/>
+          </a:ln>
+        </p:spPr>
+        <p:style>
+          <a:lnRef idx="1">
+            <a:schemeClr val="accent1"/>
+          </a:lnRef>
+          <a:fillRef idx="0">
+            <a:schemeClr val="accent1"/>
+          </a:fillRef>
+          <a:effectRef idx="0">
+            <a:schemeClr val="accent1"/>
+          </a:effectRef>
+          <a:fontRef idx="minor">
+            <a:schemeClr val="tx1"/>
+          </a:fontRef>
+        </p:style>
+      </p:cxnSp>
+      <p:sp>
+        <p:nvSpPr>
+          <p:cNvPr id="33" name="矩形: 圆角 32">
+            <a:extLst>
+              <a:ext uri="{FF2B5EF4-FFF2-40B4-BE49-F238E27FC236}">
+                <a16:creationId xmlns:a16="http://schemas.microsoft.com/office/drawing/2014/main" id="{82CEC01C-E1A0-4C1C-9B12-2B512BF7C25B}"/>
+              </a:ext>
+            </a:extLst>
+          </p:cNvPr>
+          <p:cNvSpPr/>
+          <p:nvPr/>
+        </p:nvSpPr>
+        <p:spPr>
+          <a:xfrm>
+            <a:off x="4382839" y="3444072"/>
+            <a:ext cx="1296000" cy="576000"/>
+          </a:xfrm>
+          <a:prstGeom prst="roundRect">
+            <a:avLst/>
+          </a:prstGeom>
+          <a:solidFill>
+            <a:schemeClr val="bg2">
+              <a:lumMod val="90000"/>
+            </a:schemeClr>
+          </a:solidFill>
+          <a:ln w="19050">
+            <a:solidFill>
+              <a:schemeClr val="tx1"/>
+            </a:solidFill>
+          </a:ln>
+        </p:spPr>
+        <p:style>
+          <a:lnRef idx="2">
+            <a:schemeClr val="accent1">
+              <a:shade val="50000"/>
+            </a:schemeClr>
+          </a:lnRef>
+          <a:fillRef idx="1">
+            <a:schemeClr val="accent1"/>
+          </a:fillRef>
+          <a:effectRef idx="0">
+            <a:schemeClr val="accent1"/>
+          </a:effectRef>
+          <a:fontRef idx="minor">
+            <a:schemeClr val="lt1"/>
+          </a:fontRef>
+        </p:style>
+        <p:txBody>
+          <a:bodyPr rtlCol="0" anchor="ctr"/>
+          <a:lstStyle/>
+          <a:p>
+            <a:pPr algn="ctr"/>
+            <a:r>
+              <a:rPr lang="en-US" altLang="zh-CN" sz="1600" dirty="0">
+                <a:solidFill>
+                  <a:schemeClr val="tx1"/>
+                </a:solidFill>
+                <a:latin typeface="Times New Roman" panose="02020603050405020304" pitchFamily="18" charset="0"/>
+                <a:cs typeface="Times New Roman" panose="02020603050405020304" pitchFamily="18" charset="0"/>
+              </a:rPr>
+              <a:t>Partial </a:t>
+            </a:r>
+          </a:p>
+          <a:p>
+            <a:pPr algn="ctr"/>
+            <a:r>
+              <a:rPr lang="en-US" altLang="zh-CN" sz="1600" dirty="0">
+                <a:solidFill>
+                  <a:schemeClr val="tx1"/>
+                </a:solidFill>
+                <a:latin typeface="Times New Roman" panose="02020603050405020304" pitchFamily="18" charset="0"/>
+                <a:cs typeface="Times New Roman" panose="02020603050405020304" pitchFamily="18" charset="0"/>
+              </a:rPr>
+              <a:t>TSM</a:t>
+            </a:r>
+            <a:endParaRPr lang="zh-CN" altLang="en-US" sz="1600" dirty="0">
+              <a:solidFill>
+                <a:schemeClr val="tx1"/>
+              </a:solidFill>
+              <a:latin typeface="Times New Roman" panose="02020603050405020304" pitchFamily="18" charset="0"/>
+              <a:cs typeface="Times New Roman" panose="02020603050405020304" pitchFamily="18" charset="0"/>
+            </a:endParaRPr>
+          </a:p>
+        </p:txBody>
+      </p:sp>
+      <p:sp>
+        <p:nvSpPr>
+          <p:cNvPr id="34" name="矩形 33">
+            <a:extLst>
+              <a:ext uri="{FF2B5EF4-FFF2-40B4-BE49-F238E27FC236}">
+                <a16:creationId xmlns:a16="http://schemas.microsoft.com/office/drawing/2014/main" id="{DD2CD78A-E2C6-4843-BBAF-8FDE15617785}"/>
+              </a:ext>
+            </a:extLst>
+          </p:cNvPr>
+          <p:cNvSpPr/>
+          <p:nvPr/>
+        </p:nvSpPr>
+        <p:spPr>
+          <a:xfrm>
+            <a:off x="9062750" y="3444072"/>
+            <a:ext cx="1440000" cy="576000"/>
+          </a:xfrm>
+          <a:prstGeom prst="rect">
+            <a:avLst/>
+          </a:prstGeom>
+          <a:noFill/>
+          <a:ln w="19050" cap="flat" cmpd="sng" algn="ctr">
+            <a:solidFill>
+              <a:srgbClr val="202731">
+                <a:shade val="50000"/>
+              </a:srgbClr>
+            </a:solidFill>
+            <a:prstDash val="solid"/>
+          </a:ln>
+          <a:effectLst/>
+        </p:spPr>
+        <p:txBody>
+          <a:bodyPr rtlCol="0" anchor="ctr"/>
+          <a:lstStyle/>
+          <a:p>
+            <a:pPr marL="0" marR="0" lvl="0" indent="0" algn="ctr" defTabSz="914400" eaLnBrk="1" fontAlgn="auto" latinLnBrk="0" hangingPunct="1">
+              <a:lnSpc>
+                <a:spcPct val="100000"/>
+              </a:lnSpc>
+              <a:spcBef>
+                <a:spcPts val="0"/>
+              </a:spcBef>
+              <a:spcAft>
+                <a:spcPts val="0"/>
+              </a:spcAft>
+              <a:buClrTx/>
+              <a:buSzTx/>
+              <a:buFontTx/>
+              <a:buNone/>
+              <a:tabLst/>
+              <a:defRPr/>
+            </a:pPr>
+            <a:r>
+              <a:rPr lang="en-US" altLang="zh-CN" sz="1600" kern="0" dirty="0">
+                <a:solidFill>
+                  <a:prstClr val="black"/>
+                </a:solidFill>
+                <a:latin typeface="Times New Roman" panose="02020603050405020304" pitchFamily="18" charset="0"/>
+                <a:ea typeface="华文新魏" panose="02010800040101010101" pitchFamily="2" charset="-122"/>
+                <a:cs typeface="Times New Roman" panose="02020603050405020304" pitchFamily="18" charset="0"/>
+              </a:rPr>
+              <a:t>Targeted result</a:t>
+            </a:r>
+            <a:endParaRPr kumimoji="0" lang="zh-CN" altLang="en-US" sz="1600" b="0" i="0" u="none" strike="noStrike" kern="0" cap="none" spc="0" normalizeH="0" baseline="0" noProof="0" dirty="0">
+              <a:ln>
+                <a:noFill/>
+              </a:ln>
+              <a:solidFill>
+                <a:prstClr val="black"/>
+              </a:solidFill>
+              <a:effectLst/>
+              <a:uLnTx/>
+              <a:uFillTx/>
+              <a:latin typeface="Times New Roman" panose="02020603050405020304" pitchFamily="18" charset="0"/>
+              <a:ea typeface="华文新魏" panose="02010800040101010101" pitchFamily="2" charset="-122"/>
+              <a:cs typeface="Times New Roman" panose="02020603050405020304" pitchFamily="18" charset="0"/>
+            </a:endParaRPr>
+          </a:p>
+        </p:txBody>
+      </p:sp>
+      <p:sp>
+        <p:nvSpPr>
+          <p:cNvPr id="39" name="矩形: 圆角 38">
+            <a:extLst>
+              <a:ext uri="{FF2B5EF4-FFF2-40B4-BE49-F238E27FC236}">
+                <a16:creationId xmlns:a16="http://schemas.microsoft.com/office/drawing/2014/main" id="{76E86C9F-8333-4AB2-B0DE-8CC9D7966559}"/>
+              </a:ext>
+            </a:extLst>
+          </p:cNvPr>
+          <p:cNvSpPr/>
+          <p:nvPr/>
+        </p:nvSpPr>
+        <p:spPr>
+          <a:xfrm>
+            <a:off x="2643931" y="3279964"/>
+            <a:ext cx="6100020" cy="1087801"/>
+          </a:xfrm>
+          <a:prstGeom prst="roundRect">
+            <a:avLst/>
+          </a:prstGeom>
+          <a:noFill/>
+          <a:ln w="19050">
+            <a:solidFill>
+              <a:schemeClr val="tx1"/>
+            </a:solidFill>
+            <a:prstDash val="dash"/>
+          </a:ln>
+        </p:spPr>
+        <p:style>
+          <a:lnRef idx="2">
+            <a:schemeClr val="accent1">
+              <a:shade val="50000"/>
+            </a:schemeClr>
+          </a:lnRef>
+          <a:fillRef idx="1">
+            <a:schemeClr val="accent1"/>
+          </a:fillRef>
+          <a:effectRef idx="0">
+            <a:schemeClr val="accent1"/>
+          </a:effectRef>
+          <a:fontRef idx="minor">
+            <a:schemeClr val="lt1"/>
+          </a:fontRef>
+        </p:style>
+        <p:txBody>
+          <a:bodyPr rtlCol="0" anchor="ctr"/>
+          <a:lstStyle/>
+          <a:p>
+            <a:pPr algn="ctr"/>
+            <a:endParaRPr lang="zh-CN" altLang="en-US" dirty="0">
+              <a:solidFill>
+                <a:schemeClr val="tx1"/>
+              </a:solidFill>
+              <a:latin typeface="Times New Roman" panose="02020603050405020304" pitchFamily="18" charset="0"/>
+              <a:cs typeface="Times New Roman" panose="02020603050405020304" pitchFamily="18" charset="0"/>
+            </a:endParaRPr>
+          </a:p>
+        </p:txBody>
+      </p:sp>
+      <p:sp>
+        <p:nvSpPr>
+          <p:cNvPr id="40" name="矩形 39">
+            <a:extLst>
+              <a:ext uri="{FF2B5EF4-FFF2-40B4-BE49-F238E27FC236}">
+                <a16:creationId xmlns:a16="http://schemas.microsoft.com/office/drawing/2014/main" id="{A8E6650A-1B4E-4571-BD0E-F59CE3DA5EF5}"/>
+              </a:ext>
+            </a:extLst>
+          </p:cNvPr>
+          <p:cNvSpPr/>
+          <p:nvPr/>
+        </p:nvSpPr>
+        <p:spPr>
+          <a:xfrm>
+            <a:off x="4305684" y="4367767"/>
+            <a:ext cx="2595647" cy="369332"/>
+          </a:xfrm>
+          <a:prstGeom prst="rect">
+            <a:avLst/>
+          </a:prstGeom>
+        </p:spPr>
+        <p:txBody>
+          <a:bodyPr wrap="none">
+            <a:spAutoFit/>
+          </a:bodyPr>
+          <a:lstStyle/>
+          <a:p>
+            <a:pPr algn="ctr"/>
+            <a:r>
+              <a:rPr lang="en-US" altLang="zh-CN" dirty="0">
+                <a:latin typeface="Times New Roman" panose="02020603050405020304" pitchFamily="18" charset="0"/>
+                <a:cs typeface="Times New Roman" panose="02020603050405020304" pitchFamily="18" charset="0"/>
+              </a:rPr>
+              <a:t>GA-based AEs generation</a:t>
+            </a:r>
+            <a:endParaRPr lang="zh-CN" altLang="en-US" dirty="0">
+              <a:solidFill>
+                <a:schemeClr val="tx1"/>
+              </a:solidFill>
+              <a:latin typeface="Times New Roman" panose="02020603050405020304" pitchFamily="18" charset="0"/>
+              <a:cs typeface="Times New Roman" panose="02020603050405020304" pitchFamily="18" charset="0"/>
+            </a:endParaRPr>
+          </a:p>
+        </p:txBody>
+      </p:sp>
+      <p:cxnSp>
+        <p:nvCxnSpPr>
+          <p:cNvPr id="14" name="连接符: 肘形 13">
+            <a:extLst>
+              <a:ext uri="{FF2B5EF4-FFF2-40B4-BE49-F238E27FC236}">
+                <a16:creationId xmlns:a16="http://schemas.microsoft.com/office/drawing/2014/main" id="{2BB77179-E7B9-419B-9D67-EE20694F0BAF}"/>
+              </a:ext>
+            </a:extLst>
+          </p:cNvPr>
+          <p:cNvCxnSpPr>
+            <a:cxnSpLocks/>
+            <a:stCxn id="34" idx="0"/>
+            <a:endCxn id="12" idx="3"/>
+          </p:cNvCxnSpPr>
+          <p:nvPr/>
+        </p:nvCxnSpPr>
+        <p:spPr>
+          <a:xfrm rot="16200000" flipV="1">
+            <a:off x="8334300" y="1995622"/>
+            <a:ext cx="1004451" cy="1892450"/>
+          </a:xfrm>
+          <a:prstGeom prst="bentConnector2">
+            <a:avLst/>
+          </a:prstGeom>
+          <a:ln w="19050">
+            <a:solidFill>
+              <a:schemeClr val="tx1"/>
+            </a:solidFill>
+            <a:tailEnd type="triangle"/>
+          </a:ln>
+        </p:spPr>
+        <p:style>
+          <a:lnRef idx="1">
+            <a:schemeClr val="accent1"/>
+          </a:lnRef>
+          <a:fillRef idx="0">
+            <a:schemeClr val="accent1"/>
+          </a:fillRef>
+          <a:effectRef idx="0">
+            <a:schemeClr val="accent1"/>
+          </a:effectRef>
+          <a:fontRef idx="minor">
+            <a:schemeClr val="tx1"/>
+          </a:fontRef>
+        </p:style>
+      </p:cxnSp>
+      <p:cxnSp>
+        <p:nvCxnSpPr>
+          <p:cNvPr id="31" name="直接箭头连接符 30">
+            <a:extLst>
+              <a:ext uri="{FF2B5EF4-FFF2-40B4-BE49-F238E27FC236}">
+                <a16:creationId xmlns:a16="http://schemas.microsoft.com/office/drawing/2014/main" id="{7C0988EA-2850-4AC3-B8CB-D774F5CB17A8}"/>
+              </a:ext>
+            </a:extLst>
+          </p:cNvPr>
+          <p:cNvCxnSpPr>
+            <a:cxnSpLocks/>
+            <a:stCxn id="5" idx="0"/>
+            <a:endCxn id="22" idx="2"/>
+          </p:cNvCxnSpPr>
+          <p:nvPr/>
+        </p:nvCxnSpPr>
+        <p:spPr>
+          <a:xfrm flipV="1">
+            <a:off x="1717092" y="2739495"/>
+            <a:ext cx="0" cy="704577"/>
+          </a:xfrm>
+          <a:prstGeom prst="straightConnector1">
+            <a:avLst/>
+          </a:prstGeom>
+          <a:ln w="19050">
+            <a:solidFill>
+              <a:schemeClr val="tx1"/>
+            </a:solidFill>
+            <a:tailEnd type="triangle"/>
+          </a:ln>
+        </p:spPr>
+        <p:style>
+          <a:lnRef idx="1">
+            <a:schemeClr val="accent1"/>
+          </a:lnRef>
+          <a:fillRef idx="0">
+            <a:schemeClr val="accent1"/>
+          </a:fillRef>
+          <a:effectRef idx="0">
+            <a:schemeClr val="accent1"/>
+          </a:effectRef>
+          <a:fontRef idx="minor">
+            <a:schemeClr val="tx1"/>
+          </a:fontRef>
+        </p:style>
+      </p:cxnSp>
+      <p:cxnSp>
+        <p:nvCxnSpPr>
+          <p:cNvPr id="36" name="直接箭头连接符 35">
+            <a:extLst>
+              <a:ext uri="{FF2B5EF4-FFF2-40B4-BE49-F238E27FC236}">
+                <a16:creationId xmlns:a16="http://schemas.microsoft.com/office/drawing/2014/main" id="{122956BF-A7E8-4E8D-BA38-11490AAB9A66}"/>
+              </a:ext>
+            </a:extLst>
+          </p:cNvPr>
+          <p:cNvCxnSpPr>
+            <a:cxnSpLocks/>
+            <a:stCxn id="5" idx="3"/>
+            <a:endCxn id="61" idx="1"/>
+          </p:cNvCxnSpPr>
+          <p:nvPr/>
+        </p:nvCxnSpPr>
+        <p:spPr>
+          <a:xfrm>
+            <a:off x="2437092" y="3732072"/>
+            <a:ext cx="392720" cy="0"/>
+          </a:xfrm>
+          <a:prstGeom prst="straightConnector1">
+            <a:avLst/>
+          </a:prstGeom>
+          <a:ln w="19050">
+            <a:solidFill>
+              <a:schemeClr val="tx1"/>
+            </a:solidFill>
+            <a:tailEnd type="triangle"/>
+          </a:ln>
+        </p:spPr>
+        <p:style>
+          <a:lnRef idx="1">
+            <a:schemeClr val="accent1"/>
+          </a:lnRef>
+          <a:fillRef idx="0">
+            <a:schemeClr val="accent1"/>
+          </a:fillRef>
+          <a:effectRef idx="0">
+            <a:schemeClr val="accent1"/>
+          </a:effectRef>
+          <a:fontRef idx="minor">
+            <a:schemeClr val="tx1"/>
+          </a:fontRef>
+        </p:style>
+      </p:cxnSp>
+      <p:cxnSp>
+        <p:nvCxnSpPr>
+          <p:cNvPr id="54" name="直接箭头连接符 53">
+            <a:extLst>
+              <a:ext uri="{FF2B5EF4-FFF2-40B4-BE49-F238E27FC236}">
+                <a16:creationId xmlns:a16="http://schemas.microsoft.com/office/drawing/2014/main" id="{9244C9CC-5D61-42C5-8D47-8E1D723973B7}"/>
+              </a:ext>
+            </a:extLst>
+          </p:cNvPr>
+          <p:cNvCxnSpPr>
+            <a:cxnSpLocks/>
+            <a:stCxn id="52" idx="3"/>
+            <a:endCxn id="29" idx="1"/>
+          </p:cNvCxnSpPr>
+          <p:nvPr/>
+        </p:nvCxnSpPr>
+        <p:spPr>
+          <a:xfrm>
+            <a:off x="7231866" y="3732072"/>
+            <a:ext cx="523109" cy="0"/>
+          </a:xfrm>
+          <a:prstGeom prst="straightConnector1">
+            <a:avLst/>
+          </a:prstGeom>
+          <a:ln w="19050">
+            <a:solidFill>
+              <a:schemeClr val="tx1"/>
+            </a:solidFill>
+            <a:tailEnd type="triangle"/>
+          </a:ln>
+        </p:spPr>
+        <p:style>
+          <a:lnRef idx="1">
+            <a:schemeClr val="accent1"/>
+          </a:lnRef>
+          <a:fillRef idx="0">
+            <a:schemeClr val="accent1"/>
+          </a:fillRef>
+          <a:effectRef idx="0">
+            <a:schemeClr val="accent1"/>
+          </a:effectRef>
+          <a:fontRef idx="minor">
+            <a:schemeClr val="tx1"/>
+          </a:fontRef>
+        </p:style>
+      </p:cxnSp>
+      <p:sp>
+        <p:nvSpPr>
+          <p:cNvPr id="57" name="文本框 56">
+            <a:extLst>
+              <a:ext uri="{FF2B5EF4-FFF2-40B4-BE49-F238E27FC236}">
+                <a16:creationId xmlns:a16="http://schemas.microsoft.com/office/drawing/2014/main" id="{7BC8A285-DD40-416C-8B50-3AABE0ACCCF2}"/>
+              </a:ext>
+            </a:extLst>
+          </p:cNvPr>
+          <p:cNvSpPr txBox="1"/>
+          <p:nvPr/>
+        </p:nvSpPr>
+        <p:spPr>
+          <a:xfrm>
+            <a:off x="5726216" y="2862233"/>
+            <a:ext cx="1495922" cy="376834"/>
+          </a:xfrm>
+          <a:prstGeom prst="rect">
+            <a:avLst/>
+          </a:prstGeom>
+          <a:noFill/>
+        </p:spPr>
+        <p:txBody>
+          <a:bodyPr wrap="none" rtlCol="0">
+            <a:spAutoFit/>
+          </a:bodyPr>
+          <a:lstStyle/>
+          <a:p>
+            <a:pPr>
+              <a:lnSpc>
+                <a:spcPct val="150000"/>
+              </a:lnSpc>
+            </a:pPr>
+            <a:r>
+              <a:rPr lang="en-US" altLang="zh-CN" sz="1400" dirty="0">
+                <a:latin typeface="Times New Roman" panose="02020603050405020304" pitchFamily="18" charset="0"/>
+                <a:cs typeface="Times New Roman" panose="02020603050405020304" pitchFamily="18" charset="0"/>
+              </a:rPr>
+              <a:t>initial generation </a:t>
+            </a:r>
+            <a:endParaRPr lang="zh-CN" altLang="en-US" sz="1400" dirty="0">
+              <a:latin typeface="Times New Roman" panose="02020603050405020304" pitchFamily="18" charset="0"/>
+              <a:cs typeface="Times New Roman" panose="02020603050405020304" pitchFamily="18" charset="0"/>
+            </a:endParaRPr>
+          </a:p>
+        </p:txBody>
+      </p:sp>
+      <p:sp>
+        <p:nvSpPr>
+          <p:cNvPr id="61" name="矩形: 圆角 60">
+            <a:extLst>
+              <a:ext uri="{FF2B5EF4-FFF2-40B4-BE49-F238E27FC236}">
+                <a16:creationId xmlns:a16="http://schemas.microsoft.com/office/drawing/2014/main" id="{A41F411C-C50D-4730-AE36-231FB8D257C3}"/>
+              </a:ext>
+            </a:extLst>
+          </p:cNvPr>
+          <p:cNvSpPr/>
+          <p:nvPr/>
+        </p:nvSpPr>
+        <p:spPr>
+          <a:xfrm>
+            <a:off x="2829812" y="3444072"/>
+            <a:ext cx="1296000" cy="576000"/>
+          </a:xfrm>
+          <a:prstGeom prst="roundRect">
+            <a:avLst/>
+          </a:prstGeom>
+          <a:solidFill>
+            <a:schemeClr val="bg2">
+              <a:lumMod val="90000"/>
+            </a:schemeClr>
+          </a:solidFill>
+          <a:ln w="19050">
+            <a:solidFill>
+              <a:schemeClr val="tx1"/>
+            </a:solidFill>
+          </a:ln>
+        </p:spPr>
+        <p:style>
+          <a:lnRef idx="2">
+            <a:schemeClr val="accent1">
+              <a:shade val="50000"/>
+            </a:schemeClr>
+          </a:lnRef>
+          <a:fillRef idx="1">
+            <a:schemeClr val="accent1"/>
+          </a:fillRef>
+          <a:effectRef idx="0">
+            <a:schemeClr val="accent1"/>
+          </a:effectRef>
+          <a:fontRef idx="minor">
+            <a:schemeClr val="lt1"/>
+          </a:fontRef>
+        </p:style>
+        <p:txBody>
+          <a:bodyPr rtlCol="0" anchor="ctr"/>
+          <a:lstStyle/>
+          <a:p>
+            <a:pPr algn="ctr"/>
+            <a:r>
+              <a:rPr lang="en-US" altLang="zh-CN" sz="1600" dirty="0">
+                <a:solidFill>
+                  <a:schemeClr val="tx1"/>
+                </a:solidFill>
+                <a:latin typeface="Times New Roman" panose="02020603050405020304" pitchFamily="18" charset="0"/>
+                <a:cs typeface="Times New Roman" panose="02020603050405020304" pitchFamily="18" charset="0"/>
+              </a:rPr>
+              <a:t>Audio segment</a:t>
+            </a:r>
+            <a:endParaRPr lang="zh-CN" altLang="en-US" sz="1600" dirty="0">
+              <a:solidFill>
+                <a:schemeClr val="tx1"/>
+              </a:solidFill>
+              <a:latin typeface="Times New Roman" panose="02020603050405020304" pitchFamily="18" charset="0"/>
+              <a:cs typeface="Times New Roman" panose="02020603050405020304" pitchFamily="18" charset="0"/>
+            </a:endParaRPr>
+          </a:p>
+        </p:txBody>
+      </p:sp>
+      <p:sp>
+        <p:nvSpPr>
+          <p:cNvPr id="52" name="矩形: 圆角 51">
+            <a:extLst>
+              <a:ext uri="{FF2B5EF4-FFF2-40B4-BE49-F238E27FC236}">
+                <a16:creationId xmlns:a16="http://schemas.microsoft.com/office/drawing/2014/main" id="{38F4CEE9-1B06-4AA3-93C4-71C3CDE2B919}"/>
+              </a:ext>
+            </a:extLst>
+          </p:cNvPr>
+          <p:cNvSpPr/>
+          <p:nvPr/>
+        </p:nvSpPr>
+        <p:spPr>
+          <a:xfrm>
+            <a:off x="5935866" y="3444072"/>
+            <a:ext cx="1296000" cy="576000"/>
+          </a:xfrm>
+          <a:prstGeom prst="roundRect">
+            <a:avLst/>
+          </a:prstGeom>
+          <a:solidFill>
+            <a:schemeClr val="bg2">
+              <a:lumMod val="90000"/>
+            </a:schemeClr>
+          </a:solidFill>
+          <a:ln w="19050">
+            <a:solidFill>
+              <a:schemeClr val="tx1"/>
+            </a:solidFill>
+          </a:ln>
+        </p:spPr>
+        <p:style>
+          <a:lnRef idx="2">
+            <a:schemeClr val="accent1">
+              <a:shade val="50000"/>
+            </a:schemeClr>
+          </a:lnRef>
+          <a:fillRef idx="1">
+            <a:schemeClr val="accent1"/>
+          </a:fillRef>
+          <a:effectRef idx="0">
+            <a:schemeClr val="accent1"/>
+          </a:effectRef>
+          <a:fontRef idx="minor">
+            <a:schemeClr val="lt1"/>
+          </a:fontRef>
+        </p:style>
+        <p:txBody>
+          <a:bodyPr rtlCol="0" anchor="ctr"/>
+          <a:lstStyle/>
+          <a:p>
+            <a:pPr algn="ctr"/>
+            <a:r>
+              <a:rPr lang="en-US" altLang="zh-CN" sz="1600" dirty="0">
+                <a:solidFill>
+                  <a:schemeClr val="tx1"/>
+                </a:solidFill>
+                <a:latin typeface="Times New Roman" panose="02020603050405020304" pitchFamily="18" charset="0"/>
+                <a:cs typeface="Times New Roman" panose="02020603050405020304" pitchFamily="18" charset="0"/>
+              </a:rPr>
+              <a:t>GA algorithm</a:t>
+            </a:r>
+            <a:endParaRPr lang="zh-CN" altLang="en-US" sz="1600" dirty="0">
+              <a:solidFill>
+                <a:schemeClr val="tx1"/>
+              </a:solidFill>
+              <a:latin typeface="Times New Roman" panose="02020603050405020304" pitchFamily="18" charset="0"/>
+              <a:cs typeface="Times New Roman" panose="02020603050405020304" pitchFamily="18" charset="0"/>
+            </a:endParaRPr>
+          </a:p>
+        </p:txBody>
+      </p:sp>
+      <p:cxnSp>
+        <p:nvCxnSpPr>
+          <p:cNvPr id="70" name="连接符: 肘形 69">
+            <a:extLst>
+              <a:ext uri="{FF2B5EF4-FFF2-40B4-BE49-F238E27FC236}">
+                <a16:creationId xmlns:a16="http://schemas.microsoft.com/office/drawing/2014/main" id="{785E31FC-2F22-4110-A1D5-8A624B9A545F}"/>
+              </a:ext>
+            </a:extLst>
+          </p:cNvPr>
+          <p:cNvCxnSpPr>
+            <a:cxnSpLocks/>
+            <a:stCxn id="29" idx="2"/>
+            <a:endCxn id="33" idx="2"/>
+          </p:cNvCxnSpPr>
+          <p:nvPr/>
+        </p:nvCxnSpPr>
+        <p:spPr>
+          <a:xfrm rot="5400000">
+            <a:off x="6590907" y="2460004"/>
+            <a:ext cx="12700" cy="3120136"/>
+          </a:xfrm>
+          <a:prstGeom prst="bentConnector3">
+            <a:avLst>
+              <a:gd name="adj1" fmla="val 1800000"/>
+            </a:avLst>
+          </a:prstGeom>
+          <a:ln w="19050">
+            <a:solidFill>
+              <a:schemeClr val="tx1"/>
+            </a:solidFill>
+            <a:tailEnd type="triangle"/>
+          </a:ln>
+        </p:spPr>
+        <p:style>
+          <a:lnRef idx="1">
+            <a:schemeClr val="accent1"/>
+          </a:lnRef>
+          <a:fillRef idx="0">
+            <a:schemeClr val="accent1"/>
+          </a:fillRef>
+          <a:effectRef idx="0">
+            <a:schemeClr val="accent1"/>
+          </a:effectRef>
+          <a:fontRef idx="minor">
+            <a:schemeClr val="tx1"/>
+          </a:fontRef>
+        </p:style>
+      </p:cxnSp>
+      <p:cxnSp>
+        <p:nvCxnSpPr>
+          <p:cNvPr id="73" name="直接箭头连接符 72">
+            <a:extLst>
+              <a:ext uri="{FF2B5EF4-FFF2-40B4-BE49-F238E27FC236}">
+                <a16:creationId xmlns:a16="http://schemas.microsoft.com/office/drawing/2014/main" id="{8020153C-D856-4823-A3EB-9F9569827490}"/>
+              </a:ext>
+            </a:extLst>
+          </p:cNvPr>
+          <p:cNvCxnSpPr>
+            <a:cxnSpLocks/>
+            <a:stCxn id="61" idx="3"/>
+            <a:endCxn id="33" idx="1"/>
+          </p:cNvCxnSpPr>
+          <p:nvPr/>
+        </p:nvCxnSpPr>
+        <p:spPr>
+          <a:xfrm>
+            <a:off x="4125812" y="3732072"/>
+            <a:ext cx="257027" cy="0"/>
+          </a:xfrm>
+          <a:prstGeom prst="straightConnector1">
+            <a:avLst/>
+          </a:prstGeom>
+          <a:ln w="19050">
+            <a:solidFill>
+              <a:schemeClr val="tx1"/>
+            </a:solidFill>
+            <a:tailEnd type="triangle"/>
+          </a:ln>
+        </p:spPr>
+        <p:style>
+          <a:lnRef idx="1">
+            <a:schemeClr val="accent1"/>
+          </a:lnRef>
+          <a:fillRef idx="0">
+            <a:schemeClr val="accent1"/>
+          </a:fillRef>
+          <a:effectRef idx="0">
+            <a:schemeClr val="accent1"/>
+          </a:effectRef>
+          <a:fontRef idx="minor">
+            <a:schemeClr val="tx1"/>
+          </a:fontRef>
+        </p:style>
+      </p:cxnSp>
+      <p:cxnSp>
+        <p:nvCxnSpPr>
+          <p:cNvPr id="77" name="直接箭头连接符 76">
+            <a:extLst>
+              <a:ext uri="{FF2B5EF4-FFF2-40B4-BE49-F238E27FC236}">
+                <a16:creationId xmlns:a16="http://schemas.microsoft.com/office/drawing/2014/main" id="{1C109E4B-1142-41C5-8BD6-993425AC863C}"/>
+              </a:ext>
+            </a:extLst>
+          </p:cNvPr>
+          <p:cNvCxnSpPr>
+            <a:cxnSpLocks/>
+            <a:stCxn id="33" idx="3"/>
+            <a:endCxn id="52" idx="1"/>
+          </p:cNvCxnSpPr>
+          <p:nvPr/>
+        </p:nvCxnSpPr>
+        <p:spPr>
+          <a:xfrm>
+            <a:off x="5678839" y="3732072"/>
+            <a:ext cx="257027" cy="0"/>
+          </a:xfrm>
+          <a:prstGeom prst="straightConnector1">
+            <a:avLst/>
+          </a:prstGeom>
+          <a:ln w="19050">
+            <a:solidFill>
+              <a:schemeClr val="tx1"/>
+            </a:solidFill>
+            <a:tailEnd type="triangle"/>
+          </a:ln>
+        </p:spPr>
+        <p:style>
+          <a:lnRef idx="1">
+            <a:schemeClr val="accent1"/>
+          </a:lnRef>
+          <a:fillRef idx="0">
+            <a:schemeClr val="accent1"/>
+          </a:fillRef>
+          <a:effectRef idx="0">
+            <a:schemeClr val="accent1"/>
+          </a:effectRef>
+          <a:fontRef idx="minor">
+            <a:schemeClr val="tx1"/>
+          </a:fontRef>
+        </p:style>
+      </p:cxnSp>
+      <p:sp>
+        <p:nvSpPr>
+          <p:cNvPr id="99" name="文本框 98">
+            <a:extLst>
+              <a:ext uri="{FF2B5EF4-FFF2-40B4-BE49-F238E27FC236}">
+                <a16:creationId xmlns:a16="http://schemas.microsoft.com/office/drawing/2014/main" id="{92D90D8F-53C7-4FC2-9C05-5E94592178BF}"/>
+              </a:ext>
+            </a:extLst>
+          </p:cNvPr>
+          <p:cNvSpPr txBox="1"/>
+          <p:nvPr/>
+        </p:nvSpPr>
+        <p:spPr>
+          <a:xfrm>
+            <a:off x="8743951" y="3427061"/>
+            <a:ext cx="314510" cy="307777"/>
+          </a:xfrm>
+          <a:prstGeom prst="rect">
+            <a:avLst/>
+          </a:prstGeom>
+          <a:noFill/>
+        </p:spPr>
+        <p:txBody>
+          <a:bodyPr wrap="none" rtlCol="0">
+            <a:spAutoFit/>
+          </a:bodyPr>
+          <a:lstStyle/>
+          <a:p>
+            <a:r>
+              <a:rPr lang="en-US" altLang="zh-CN" sz="1400" dirty="0">
+                <a:latin typeface="Times New Roman" panose="02020603050405020304" pitchFamily="18" charset="0"/>
+                <a:cs typeface="Times New Roman" panose="02020603050405020304" pitchFamily="18" charset="0"/>
+              </a:rPr>
+              <a:t>Y</a:t>
+            </a:r>
+            <a:endParaRPr lang="zh-CN" altLang="en-US" sz="1400" dirty="0">
+              <a:latin typeface="Times New Roman" panose="02020603050405020304" pitchFamily="18" charset="0"/>
+              <a:cs typeface="Times New Roman" panose="02020603050405020304" pitchFamily="18" charset="0"/>
+            </a:endParaRPr>
+          </a:p>
+        </p:txBody>
+      </p:sp>
+      <p:sp>
+        <p:nvSpPr>
+          <p:cNvPr id="100" name="文本框 99">
+            <a:extLst>
+              <a:ext uri="{FF2B5EF4-FFF2-40B4-BE49-F238E27FC236}">
+                <a16:creationId xmlns:a16="http://schemas.microsoft.com/office/drawing/2014/main" id="{23CDEB1E-7093-4990-8E51-4C9F262073F8}"/>
+              </a:ext>
+            </a:extLst>
+          </p:cNvPr>
+          <p:cNvSpPr txBox="1"/>
+          <p:nvPr/>
+        </p:nvSpPr>
+        <p:spPr>
+          <a:xfrm>
+            <a:off x="6461419" y="3984083"/>
+            <a:ext cx="314510" cy="307777"/>
+          </a:xfrm>
+          <a:prstGeom prst="rect">
+            <a:avLst/>
+          </a:prstGeom>
+          <a:noFill/>
+        </p:spPr>
+        <p:txBody>
+          <a:bodyPr wrap="none" rtlCol="0">
+            <a:spAutoFit/>
+          </a:bodyPr>
+          <a:lstStyle/>
+          <a:p>
+            <a:r>
+              <a:rPr lang="en-US" altLang="zh-CN" sz="1400" dirty="0">
+                <a:latin typeface="Times New Roman" panose="02020603050405020304" pitchFamily="18" charset="0"/>
+                <a:cs typeface="Times New Roman" panose="02020603050405020304" pitchFamily="18" charset="0"/>
+              </a:rPr>
+              <a:t>N</a:t>
+            </a:r>
+            <a:endParaRPr lang="zh-CN" altLang="en-US" sz="1400" dirty="0">
+              <a:latin typeface="Times New Roman" panose="02020603050405020304" pitchFamily="18" charset="0"/>
+              <a:cs typeface="Times New Roman" panose="02020603050405020304" pitchFamily="18" charset="0"/>
+            </a:endParaRPr>
+          </a:p>
+        </p:txBody>
+      </p:sp>
+      <p:sp>
+        <p:nvSpPr>
+          <p:cNvPr id="29" name="矩形: 圆角 28">
+            <a:extLst>
+              <a:ext uri="{FF2B5EF4-FFF2-40B4-BE49-F238E27FC236}">
+                <a16:creationId xmlns:a16="http://schemas.microsoft.com/office/drawing/2014/main" id="{3A7BE8C5-7A87-40E0-8705-9D3BA6146F17}"/>
+              </a:ext>
+            </a:extLst>
+          </p:cNvPr>
+          <p:cNvSpPr/>
+          <p:nvPr/>
+        </p:nvSpPr>
+        <p:spPr>
+          <a:xfrm>
+            <a:off x="7754975" y="3444072"/>
+            <a:ext cx="792000" cy="576000"/>
+          </a:xfrm>
+          <a:prstGeom prst="roundRect">
+            <a:avLst>
+              <a:gd name="adj" fmla="val 0"/>
+            </a:avLst>
+          </a:prstGeom>
+          <a:solidFill>
+            <a:schemeClr val="bg1"/>
+          </a:solidFill>
+          <a:ln w="19050">
+            <a:solidFill>
+              <a:schemeClr val="tx1"/>
+            </a:solidFill>
+          </a:ln>
+        </p:spPr>
+        <p:style>
+          <a:lnRef idx="2">
+            <a:schemeClr val="accent1">
+              <a:shade val="50000"/>
+            </a:schemeClr>
+          </a:lnRef>
+          <a:fillRef idx="1">
+            <a:schemeClr val="accent1"/>
+          </a:fillRef>
+          <a:effectRef idx="0">
+            <a:schemeClr val="accent1"/>
+          </a:effectRef>
+          <a:fontRef idx="minor">
+            <a:schemeClr val="lt1"/>
+          </a:fontRef>
+        </p:style>
+        <p:txBody>
+          <a:bodyPr rtlCol="0" anchor="ctr"/>
+          <a:lstStyle/>
+          <a:p>
+            <a:pPr algn="ctr"/>
+            <a:r>
+              <a:rPr lang="en-US" altLang="zh-CN" sz="1600" dirty="0">
+                <a:solidFill>
+                  <a:schemeClr val="tx1"/>
+                </a:solidFill>
+                <a:latin typeface="Times New Roman" panose="02020603050405020304" pitchFamily="18" charset="0"/>
+                <a:cs typeface="Times New Roman" panose="02020603050405020304" pitchFamily="18" charset="0"/>
+              </a:rPr>
+              <a:t>ASR</a:t>
+            </a:r>
+            <a:endParaRPr lang="zh-CN" altLang="en-US" sz="1600" dirty="0">
+              <a:solidFill>
+                <a:schemeClr val="tx1"/>
+              </a:solidFill>
+              <a:latin typeface="Times New Roman" panose="02020603050405020304" pitchFamily="18" charset="0"/>
+              <a:cs typeface="Times New Roman" panose="02020603050405020304" pitchFamily="18" charset="0"/>
+            </a:endParaRPr>
+          </a:p>
+        </p:txBody>
+      </p:sp>
+      <p:cxnSp>
+        <p:nvCxnSpPr>
+          <p:cNvPr id="16" name="直接箭头连接符 15">
+            <a:extLst>
+              <a:ext uri="{FF2B5EF4-FFF2-40B4-BE49-F238E27FC236}">
+                <a16:creationId xmlns:a16="http://schemas.microsoft.com/office/drawing/2014/main" id="{13E4C8BB-F541-457F-9DAE-332C4682191E}"/>
+              </a:ext>
+            </a:extLst>
+          </p:cNvPr>
+          <p:cNvCxnSpPr>
+            <a:stCxn id="29" idx="3"/>
+            <a:endCxn id="34" idx="1"/>
+          </p:cNvCxnSpPr>
+          <p:nvPr/>
+        </p:nvCxnSpPr>
+        <p:spPr>
+          <a:xfrm>
+            <a:off x="8546975" y="3732072"/>
+            <a:ext cx="515775" cy="0"/>
+          </a:xfrm>
+          <a:prstGeom prst="straightConnector1">
+            <a:avLst/>
+          </a:prstGeom>
+          <a:ln w="19050">
+            <a:solidFill>
+              <a:schemeClr val="tx1"/>
+            </a:solidFill>
+            <a:tailEnd type="triangle"/>
+          </a:ln>
+        </p:spPr>
+        <p:style>
+          <a:lnRef idx="1">
+            <a:schemeClr val="accent1"/>
+          </a:lnRef>
+          <a:fillRef idx="0">
+            <a:schemeClr val="accent1"/>
+          </a:fillRef>
+          <a:effectRef idx="0">
+            <a:schemeClr val="accent1"/>
+          </a:effectRef>
+          <a:fontRef idx="minor">
+            <a:schemeClr val="tx1"/>
+          </a:fontRef>
+        </p:style>
+      </p:cxnSp>
+      <p:sp>
+        <p:nvSpPr>
+          <p:cNvPr id="84" name="文本框 83">
+            <a:extLst>
+              <a:ext uri="{FF2B5EF4-FFF2-40B4-BE49-F238E27FC236}">
+                <a16:creationId xmlns:a16="http://schemas.microsoft.com/office/drawing/2014/main" id="{4861AC41-D4F4-4C72-96FF-800EF511C2D6}"/>
+              </a:ext>
+            </a:extLst>
+          </p:cNvPr>
+          <p:cNvSpPr txBox="1"/>
+          <p:nvPr/>
+        </p:nvSpPr>
+        <p:spPr>
+          <a:xfrm>
+            <a:off x="8247020" y="2046731"/>
+            <a:ext cx="1287532" cy="700000"/>
+          </a:xfrm>
+          <a:prstGeom prst="rect">
+            <a:avLst/>
+          </a:prstGeom>
+          <a:noFill/>
+        </p:spPr>
+        <p:txBody>
+          <a:bodyPr wrap="none" rtlCol="0">
+            <a:spAutoFit/>
+          </a:bodyPr>
+          <a:lstStyle/>
+          <a:p>
+            <a:pPr algn="ctr">
+              <a:lnSpc>
+                <a:spcPct val="150000"/>
+              </a:lnSpc>
+            </a:pPr>
+            <a:r>
+              <a:rPr lang="en-US" altLang="zh-CN" sz="1400" dirty="0">
+                <a:latin typeface="Times New Roman" panose="02020603050405020304" pitchFamily="18" charset="0"/>
+                <a:cs typeface="Times New Roman" panose="02020603050405020304" pitchFamily="18" charset="0"/>
+              </a:rPr>
+              <a:t>phoneme</a:t>
+            </a:r>
+          </a:p>
+          <a:p>
+            <a:pPr algn="ctr">
+              <a:lnSpc>
+                <a:spcPct val="150000"/>
+              </a:lnSpc>
+            </a:pPr>
+            <a:r>
+              <a:rPr lang="en-US" altLang="zh-CN" sz="1400" dirty="0">
+                <a:latin typeface="Times New Roman" panose="02020603050405020304" pitchFamily="18" charset="0"/>
+                <a:cs typeface="Times New Roman" panose="02020603050405020304" pitchFamily="18" charset="0"/>
+              </a:rPr>
+              <a:t> decomposition</a:t>
+            </a:r>
+            <a:endParaRPr lang="zh-CN" altLang="en-US" sz="1400" dirty="0">
+              <a:latin typeface="Times New Roman" panose="02020603050405020304" pitchFamily="18" charset="0"/>
+              <a:cs typeface="Times New Roman" panose="02020603050405020304" pitchFamily="18" charset="0"/>
+            </a:endParaRPr>
+          </a:p>
+        </p:txBody>
+      </p:sp>
+      <p:sp>
+        <p:nvSpPr>
+          <p:cNvPr id="85" name="文本框 84">
+            <a:extLst>
+              <a:ext uri="{FF2B5EF4-FFF2-40B4-BE49-F238E27FC236}">
+                <a16:creationId xmlns:a16="http://schemas.microsoft.com/office/drawing/2014/main" id="{F89BC152-BDB1-4E3C-85C2-193226CBEEFE}"/>
+              </a:ext>
+            </a:extLst>
+          </p:cNvPr>
+          <p:cNvSpPr txBox="1"/>
+          <p:nvPr/>
+        </p:nvSpPr>
+        <p:spPr>
+          <a:xfrm>
+            <a:off x="7246398" y="3327250"/>
+            <a:ext cx="494045" cy="376834"/>
+          </a:xfrm>
+          <a:prstGeom prst="rect">
+            <a:avLst/>
+          </a:prstGeom>
+          <a:noFill/>
+        </p:spPr>
+        <p:txBody>
+          <a:bodyPr wrap="none" rtlCol="0">
+            <a:spAutoFit/>
+          </a:bodyPr>
+          <a:lstStyle/>
+          <a:p>
+            <a:pPr algn="ctr">
+              <a:lnSpc>
+                <a:spcPct val="150000"/>
+              </a:lnSpc>
+            </a:pPr>
+            <a:r>
+              <a:rPr lang="en-US" altLang="zh-CN" sz="1400" dirty="0">
+                <a:latin typeface="Times New Roman" panose="02020603050405020304" pitchFamily="18" charset="0"/>
+                <a:cs typeface="Times New Roman" panose="02020603050405020304" pitchFamily="18" charset="0"/>
+              </a:rPr>
+              <a:t>AEs</a:t>
+            </a:r>
+            <a:endParaRPr lang="zh-CN" altLang="en-US" sz="1400" dirty="0">
+              <a:latin typeface="Times New Roman" panose="02020603050405020304" pitchFamily="18" charset="0"/>
+              <a:cs typeface="Times New Roman" panose="02020603050405020304" pitchFamily="18" charset="0"/>
+            </a:endParaRPr>
+          </a:p>
+        </p:txBody>
+      </p:sp>
+      <p:cxnSp>
+        <p:nvCxnSpPr>
+          <p:cNvPr id="81" name="连接符: 肘形 80">
+            <a:extLst>
+              <a:ext uri="{FF2B5EF4-FFF2-40B4-BE49-F238E27FC236}">
+                <a16:creationId xmlns:a16="http://schemas.microsoft.com/office/drawing/2014/main" id="{03D0B7B7-789C-4C95-BCF6-669A9B588633}"/>
+              </a:ext>
+            </a:extLst>
+          </p:cNvPr>
+          <p:cNvCxnSpPr>
+            <a:cxnSpLocks/>
+          </p:cNvCxnSpPr>
+          <p:nvPr/>
+        </p:nvCxnSpPr>
+        <p:spPr>
+          <a:xfrm rot="5400000">
+            <a:off x="4574216" y="2589498"/>
+            <a:ext cx="828000" cy="1476000"/>
+          </a:xfrm>
+          <a:prstGeom prst="bentConnector3">
+            <a:avLst>
+              <a:gd name="adj1" fmla="val 25346"/>
+            </a:avLst>
+          </a:prstGeom>
+          <a:ln w="19050">
+            <a:solidFill>
+              <a:schemeClr val="tx1"/>
+            </a:solidFill>
+            <a:tailEnd type="triangle"/>
+          </a:ln>
+        </p:spPr>
+        <p:style>
+          <a:lnRef idx="1">
+            <a:schemeClr val="accent1"/>
+          </a:lnRef>
+          <a:fillRef idx="0">
+            <a:schemeClr val="accent1"/>
+          </a:fillRef>
+          <a:effectRef idx="0">
+            <a:schemeClr val="accent1"/>
+          </a:effectRef>
+          <a:fontRef idx="minor">
+            <a:schemeClr val="tx1"/>
+          </a:fontRef>
+        </p:style>
+      </p:cxnSp>
+    </p:spTree>
+    <p:extLst>
+      <p:ext uri="{BB962C8B-B14F-4D97-AF65-F5344CB8AC3E}">
+        <p14:creationId xmlns:p14="http://schemas.microsoft.com/office/powerpoint/2010/main" val="3720574572"/>
+      </p:ext>
+    </p:extLst>
+  </p:cSld>
+  <p:clrMapOvr>
+    <a:masterClrMapping/>
+  </p:clrMapOvr>
+</p:sld>
+</file>
+
+<file path=ppt/slides/slide9.xml><?xml version="1.0" encoding="utf-8"?>
+<p:sld xmlns:a="http://schemas.openxmlformats.org/drawingml/2006/main" xmlns:r="http://schemas.openxmlformats.org/officeDocument/2006/relationships" xmlns:p="http://schemas.openxmlformats.org/presentationml/2006/main">
+  <p:cSld>
+    <p:spTree>
+      <p:nvGrpSpPr>
+        <p:cNvPr id="1" name=""/>
+        <p:cNvGrpSpPr/>
+        <p:nvPr/>
+      </p:nvGrpSpPr>
+      <p:grpSpPr>
+        <a:xfrm>
+          <a:off x="0" y="0"/>
+          <a:ext cx="0" cy="0"/>
+          <a:chOff x="0" y="0"/>
+          <a:chExt cx="0" cy="0"/>
+        </a:xfrm>
+      </p:grpSpPr>
+      <p:sp>
+        <p:nvSpPr>
+          <p:cNvPr id="5" name="矩形 4">
+            <a:extLst>
+              <a:ext uri="{FF2B5EF4-FFF2-40B4-BE49-F238E27FC236}">
+                <a16:creationId xmlns:a16="http://schemas.microsoft.com/office/drawing/2014/main" id="{ABC0A999-24E3-47A8-ABC0-3438CCF8FE3B}"/>
+              </a:ext>
+            </a:extLst>
+          </p:cNvPr>
+          <p:cNvSpPr/>
+          <p:nvPr/>
+        </p:nvSpPr>
+        <p:spPr>
+          <a:xfrm>
+            <a:off x="997092" y="3444072"/>
+            <a:ext cx="1440000" cy="576000"/>
+          </a:xfrm>
+          <a:prstGeom prst="rect">
+            <a:avLst/>
+          </a:prstGeom>
+          <a:noFill/>
+          <a:ln w="19050" cap="flat" cmpd="sng" algn="ctr">
+            <a:solidFill>
+              <a:srgbClr val="202731">
+                <a:shade val="50000"/>
+              </a:srgbClr>
+            </a:solidFill>
+            <a:prstDash val="solid"/>
+          </a:ln>
+          <a:effectLst/>
+        </p:spPr>
+        <p:txBody>
+          <a:bodyPr rtlCol="0" anchor="ctr"/>
+          <a:lstStyle/>
+          <a:p>
+            <a:pPr marL="0" marR="0" lvl="0" indent="0" algn="ctr" defTabSz="914400" eaLnBrk="1" fontAlgn="auto" latinLnBrk="0" hangingPunct="1">
+              <a:lnSpc>
+                <a:spcPct val="100000"/>
+              </a:lnSpc>
+              <a:spcBef>
+                <a:spcPts val="0"/>
+              </a:spcBef>
+              <a:spcAft>
+                <a:spcPts val="0"/>
+              </a:spcAft>
+              <a:buClrTx/>
+              <a:buSzTx/>
+              <a:buFontTx/>
+              <a:buNone/>
+              <a:tabLst/>
+              <a:defRPr/>
+            </a:pPr>
+            <a:r>
+              <a:rPr lang="en-US" altLang="zh-CN" sz="1600" kern="0" dirty="0">
+                <a:solidFill>
+                  <a:prstClr val="black"/>
+                </a:solidFill>
+                <a:latin typeface="Times New Roman" panose="02020603050405020304" pitchFamily="18" charset="0"/>
+                <a:ea typeface="华文新魏" panose="02010800040101010101" pitchFamily="2" charset="-122"/>
+                <a:cs typeface="Times New Roman" panose="02020603050405020304" pitchFamily="18" charset="0"/>
+              </a:rPr>
+              <a:t>Original audio</a:t>
+            </a:r>
+            <a:endParaRPr kumimoji="0" lang="zh-CN" altLang="en-US" sz="1600" b="0" i="0" u="none" strike="noStrike" kern="0" cap="none" spc="0" normalizeH="0" baseline="0" noProof="0" dirty="0">
+              <a:ln>
+                <a:noFill/>
+              </a:ln>
+              <a:solidFill>
+                <a:prstClr val="black"/>
+              </a:solidFill>
+              <a:effectLst/>
+              <a:uLnTx/>
+              <a:uFillTx/>
+              <a:latin typeface="Times New Roman" panose="02020603050405020304" pitchFamily="18" charset="0"/>
+              <a:ea typeface="华文新魏" panose="02010800040101010101" pitchFamily="2" charset="-122"/>
+              <a:cs typeface="Times New Roman" panose="02020603050405020304" pitchFamily="18" charset="0"/>
+            </a:endParaRPr>
+          </a:p>
+        </p:txBody>
+      </p:sp>
+      <p:grpSp>
+        <p:nvGrpSpPr>
+          <p:cNvPr id="71" name="组合 70">
+            <a:extLst>
+              <a:ext uri="{FF2B5EF4-FFF2-40B4-BE49-F238E27FC236}">
+                <a16:creationId xmlns:a16="http://schemas.microsoft.com/office/drawing/2014/main" id="{D8026827-1989-4AE0-87BA-1CEA7B0EA5BF}"/>
+              </a:ext>
+            </a:extLst>
+          </p:cNvPr>
+          <p:cNvGrpSpPr/>
+          <p:nvPr/>
+        </p:nvGrpSpPr>
+        <p:grpSpPr>
+          <a:xfrm>
+            <a:off x="3570300" y="1607269"/>
+            <a:ext cx="4320000" cy="1304752"/>
+            <a:chOff x="3570300" y="1607269"/>
+            <a:chExt cx="4320000" cy="1304752"/>
+          </a:xfrm>
+        </p:grpSpPr>
+        <p:sp>
+          <p:nvSpPr>
+            <p:cNvPr id="12" name="矩形: 圆角 11">
+              <a:extLst>
+                <a:ext uri="{FF2B5EF4-FFF2-40B4-BE49-F238E27FC236}">
+                  <a16:creationId xmlns:a16="http://schemas.microsoft.com/office/drawing/2014/main" id="{D58161DE-4DF8-4D4B-8884-9E27694F7F39}"/>
+                </a:ext>
+              </a:extLst>
+            </p:cNvPr>
+            <p:cNvSpPr/>
+            <p:nvPr/>
+          </p:nvSpPr>
+          <p:spPr>
+            <a:xfrm>
+              <a:off x="3570300" y="1967220"/>
+              <a:ext cx="4320000" cy="944801"/>
+            </a:xfrm>
+            <a:prstGeom prst="roundRect">
+              <a:avLst/>
+            </a:prstGeom>
+            <a:noFill/>
+            <a:ln w="19050">
+              <a:solidFill>
+                <a:schemeClr val="tx1"/>
+              </a:solidFill>
+              <a:prstDash val="dash"/>
+            </a:ln>
+          </p:spPr>
+          <p:style>
+            <a:lnRef idx="2">
+              <a:schemeClr val="accent1">
+                <a:shade val="50000"/>
+              </a:schemeClr>
+            </a:lnRef>
+            <a:fillRef idx="1">
+              <a:schemeClr val="accent1"/>
+            </a:fillRef>
+            <a:effectRef idx="0">
+              <a:schemeClr val="accent1"/>
+            </a:effectRef>
+            <a:fontRef idx="minor">
+              <a:schemeClr val="lt1"/>
+            </a:fontRef>
+          </p:style>
+          <p:txBody>
+            <a:bodyPr rtlCol="0" anchor="ctr"/>
+            <a:lstStyle/>
+            <a:p>
+              <a:pPr algn="ctr"/>
+              <a:endParaRPr lang="zh-CN" altLang="en-US" dirty="0">
+                <a:solidFill>
+                  <a:schemeClr val="tx1"/>
+                </a:solidFill>
+                <a:latin typeface="Times New Roman" panose="02020603050405020304" pitchFamily="18" charset="0"/>
+                <a:cs typeface="Times New Roman" panose="02020603050405020304" pitchFamily="18" charset="0"/>
+              </a:endParaRPr>
+            </a:p>
+          </p:txBody>
+        </p:sp>
+        <p:sp>
+          <p:nvSpPr>
+            <p:cNvPr id="51" name="矩形 50">
+              <a:extLst>
+                <a:ext uri="{FF2B5EF4-FFF2-40B4-BE49-F238E27FC236}">
+                  <a16:creationId xmlns:a16="http://schemas.microsoft.com/office/drawing/2014/main" id="{862D2EFB-3D46-4752-97E8-A4E385A6102E}"/>
+                </a:ext>
+              </a:extLst>
+            </p:cNvPr>
+            <p:cNvSpPr/>
+            <p:nvPr/>
+          </p:nvSpPr>
+          <p:spPr>
+            <a:xfrm>
+              <a:off x="4285032" y="1607269"/>
+              <a:ext cx="2890536" cy="369332"/>
+            </a:xfrm>
+            <a:prstGeom prst="rect">
+              <a:avLst/>
+            </a:prstGeom>
+          </p:spPr>
+          <p:txBody>
+            <a:bodyPr wrap="none">
+              <a:spAutoFit/>
+            </a:bodyPr>
+            <a:lstStyle/>
+            <a:p>
+              <a:pPr algn="ctr"/>
+              <a:r>
+                <a:rPr lang="en-US" altLang="zh-CN" dirty="0">
+                  <a:latin typeface="Times New Roman" panose="02020603050405020304" pitchFamily="18" charset="0"/>
+                  <a:cs typeface="Times New Roman" panose="02020603050405020304" pitchFamily="18" charset="0"/>
+                </a:rPr>
+                <a:t>Phonemic feasibility </a:t>
+              </a:r>
+              <a:r>
+                <a:rPr lang="en-US" altLang="zh-CN" dirty="0">
+                  <a:solidFill>
+                    <a:schemeClr val="tx1"/>
+                  </a:solidFill>
+                  <a:latin typeface="Times New Roman" panose="02020603050405020304" pitchFamily="18" charset="0"/>
+                  <a:cs typeface="Times New Roman" panose="02020603050405020304" pitchFamily="18" charset="0"/>
+                </a:rPr>
+                <a:t>analysis</a:t>
+              </a:r>
+              <a:endParaRPr lang="zh-CN" altLang="en-US" dirty="0">
+                <a:solidFill>
+                  <a:schemeClr val="tx1"/>
+                </a:solidFill>
+                <a:latin typeface="Times New Roman" panose="02020603050405020304" pitchFamily="18" charset="0"/>
+                <a:cs typeface="Times New Roman" panose="02020603050405020304" pitchFamily="18" charset="0"/>
+              </a:endParaRPr>
+            </a:p>
+          </p:txBody>
+        </p:sp>
+        <p:sp>
+          <p:nvSpPr>
+            <p:cNvPr id="18" name="矩形 17">
+              <a:extLst>
+                <a:ext uri="{FF2B5EF4-FFF2-40B4-BE49-F238E27FC236}">
+                  <a16:creationId xmlns:a16="http://schemas.microsoft.com/office/drawing/2014/main" id="{9E70C10E-067B-432A-BE3A-898AAAC5B39B}"/>
+                </a:ext>
+              </a:extLst>
+            </p:cNvPr>
+            <p:cNvSpPr/>
+            <p:nvPr/>
+          </p:nvSpPr>
+          <p:spPr>
+            <a:xfrm>
+              <a:off x="3803508" y="2145739"/>
+              <a:ext cx="1800000" cy="576000"/>
+            </a:xfrm>
+            <a:prstGeom prst="rect">
+              <a:avLst/>
+            </a:prstGeom>
+            <a:solidFill>
+              <a:schemeClr val="bg2">
+                <a:lumMod val="90000"/>
+              </a:schemeClr>
+            </a:solidFill>
+            <a:ln w="19050" cap="flat" cmpd="sng" algn="ctr">
+              <a:solidFill>
+                <a:srgbClr val="202731">
+                  <a:shade val="50000"/>
+                </a:srgbClr>
+              </a:solidFill>
+              <a:prstDash val="solid"/>
+            </a:ln>
+            <a:effectLst/>
+          </p:spPr>
+          <p:txBody>
+            <a:bodyPr rtlCol="0" anchor="ctr"/>
+            <a:lstStyle/>
+            <a:p>
+              <a:pPr lvl="0" algn="ctr">
+                <a:defRPr/>
+              </a:pPr>
+              <a:r>
+                <a:rPr lang="en-US" altLang="zh-CN" sz="1600" kern="0" dirty="0">
+                  <a:solidFill>
+                    <a:prstClr val="black"/>
+                  </a:solidFill>
+                  <a:latin typeface="Times New Roman" panose="02020603050405020304" pitchFamily="18" charset="0"/>
+                  <a:ea typeface="华文新魏" panose="02010800040101010101" pitchFamily="2" charset="-122"/>
+                  <a:cs typeface="Times New Roman" panose="02020603050405020304" pitchFamily="18" charset="0"/>
+                </a:rPr>
+                <a:t>Sound change </a:t>
+              </a:r>
+            </a:p>
+            <a:p>
+              <a:pPr lvl="0" algn="ctr">
+                <a:defRPr/>
+              </a:pPr>
+              <a:r>
+                <a:rPr lang="en-US" altLang="zh-CN" sz="1600" kern="0" dirty="0">
+                  <a:solidFill>
+                    <a:prstClr val="black"/>
+                  </a:solidFill>
+                  <a:latin typeface="Times New Roman" panose="02020603050405020304" pitchFamily="18" charset="0"/>
+                  <a:ea typeface="华文新魏" panose="02010800040101010101" pitchFamily="2" charset="-122"/>
+                  <a:cs typeface="Times New Roman" panose="02020603050405020304" pitchFamily="18" charset="0"/>
+                </a:rPr>
+                <a:t>model</a:t>
+              </a:r>
+              <a:endParaRPr kumimoji="0" lang="zh-CN" altLang="en-US" sz="1600" b="0" i="0" u="none" strike="noStrike" kern="0" cap="none" spc="0" normalizeH="0" baseline="0" noProof="0" dirty="0">
+                <a:ln>
+                  <a:noFill/>
+                </a:ln>
+                <a:solidFill>
+                  <a:prstClr val="black"/>
+                </a:solidFill>
+                <a:effectLst/>
+                <a:uLnTx/>
+                <a:uFillTx/>
+                <a:latin typeface="Times New Roman" panose="02020603050405020304" pitchFamily="18" charset="0"/>
+                <a:ea typeface="华文新魏" panose="02010800040101010101" pitchFamily="2" charset="-122"/>
+                <a:cs typeface="Times New Roman" panose="02020603050405020304" pitchFamily="18" charset="0"/>
+              </a:endParaRPr>
+            </a:p>
+          </p:txBody>
+        </p:sp>
+        <p:sp>
+          <p:nvSpPr>
+            <p:cNvPr id="20" name="矩形 19">
+              <a:extLst>
+                <a:ext uri="{FF2B5EF4-FFF2-40B4-BE49-F238E27FC236}">
+                  <a16:creationId xmlns:a16="http://schemas.microsoft.com/office/drawing/2014/main" id="{F6584F53-E219-4842-98CF-D1ACCC32A670}"/>
+                </a:ext>
+              </a:extLst>
+            </p:cNvPr>
+            <p:cNvSpPr/>
+            <p:nvPr/>
+          </p:nvSpPr>
+          <p:spPr>
+            <a:xfrm>
+              <a:off x="5857092" y="2145739"/>
+              <a:ext cx="1800000" cy="576000"/>
+            </a:xfrm>
+            <a:prstGeom prst="rect">
+              <a:avLst/>
+            </a:prstGeom>
+            <a:solidFill>
+              <a:schemeClr val="bg2">
+                <a:lumMod val="90000"/>
+              </a:schemeClr>
+            </a:solidFill>
+            <a:ln w="19050" cap="flat" cmpd="sng" algn="ctr">
+              <a:solidFill>
+                <a:srgbClr val="202731">
+                  <a:shade val="50000"/>
+                </a:srgbClr>
+              </a:solidFill>
+              <a:prstDash val="solid"/>
+            </a:ln>
+            <a:effectLst/>
+          </p:spPr>
+          <p:txBody>
+            <a:bodyPr rtlCol="0" anchor="ctr"/>
+            <a:lstStyle/>
+            <a:p>
+              <a:pPr marL="0" marR="0" lvl="0" indent="0" algn="ctr" defTabSz="914400" eaLnBrk="1" fontAlgn="auto" latinLnBrk="0" hangingPunct="1">
+                <a:lnSpc>
+                  <a:spcPct val="100000"/>
+                </a:lnSpc>
+                <a:spcBef>
+                  <a:spcPts val="0"/>
+                </a:spcBef>
+                <a:spcAft>
+                  <a:spcPts val="0"/>
+                </a:spcAft>
+                <a:buClrTx/>
+                <a:buSzTx/>
+                <a:buFontTx/>
+                <a:buNone/>
+                <a:tabLst/>
+                <a:defRPr/>
+              </a:pPr>
+              <a:r>
+                <a:rPr lang="en-US" altLang="zh-CN" sz="1600" kern="0" dirty="0">
+                  <a:solidFill>
+                    <a:prstClr val="black"/>
+                  </a:solidFill>
+                  <a:latin typeface="Times New Roman" panose="02020603050405020304" pitchFamily="18" charset="0"/>
+                  <a:ea typeface="华文新魏" panose="02010800040101010101" pitchFamily="2" charset="-122"/>
+                  <a:cs typeface="Times New Roman" panose="02020603050405020304" pitchFamily="18" charset="0"/>
+                </a:rPr>
+                <a:t>Word construction </a:t>
+              </a:r>
+            </a:p>
+            <a:p>
+              <a:pPr marL="0" marR="0" lvl="0" indent="0" algn="ctr" defTabSz="914400" eaLnBrk="1" fontAlgn="auto" latinLnBrk="0" hangingPunct="1">
+                <a:lnSpc>
+                  <a:spcPct val="100000"/>
+                </a:lnSpc>
+                <a:spcBef>
+                  <a:spcPts val="0"/>
+                </a:spcBef>
+                <a:spcAft>
+                  <a:spcPts val="0"/>
+                </a:spcAft>
+                <a:buClrTx/>
+                <a:buSzTx/>
+                <a:buFontTx/>
+                <a:buNone/>
+                <a:tabLst/>
+                <a:defRPr/>
+              </a:pPr>
+              <a:r>
+                <a:rPr lang="en-US" altLang="zh-CN" sz="1600" kern="0" dirty="0">
+                  <a:solidFill>
+                    <a:prstClr val="black"/>
+                  </a:solidFill>
+                  <a:latin typeface="Times New Roman" panose="02020603050405020304" pitchFamily="18" charset="0"/>
+                  <a:ea typeface="华文新魏" panose="02010800040101010101" pitchFamily="2" charset="-122"/>
+                  <a:cs typeface="Times New Roman" panose="02020603050405020304" pitchFamily="18" charset="0"/>
+                </a:rPr>
+                <a:t>model</a:t>
+              </a:r>
+              <a:endParaRPr kumimoji="0" lang="zh-CN" altLang="en-US" sz="1600" b="0" i="0" u="none" strike="noStrike" kern="0" cap="none" spc="0" normalizeH="0" baseline="0" noProof="0" dirty="0">
+                <a:ln>
+                  <a:noFill/>
+                </a:ln>
+                <a:solidFill>
+                  <a:prstClr val="black"/>
+                </a:solidFill>
+                <a:effectLst/>
+                <a:uLnTx/>
+                <a:uFillTx/>
+                <a:latin typeface="Times New Roman" panose="02020603050405020304" pitchFamily="18" charset="0"/>
+                <a:ea typeface="华文新魏" panose="02010800040101010101" pitchFamily="2" charset="-122"/>
+                <a:cs typeface="Times New Roman" panose="02020603050405020304" pitchFamily="18" charset="0"/>
+              </a:endParaRPr>
+            </a:p>
+          </p:txBody>
+        </p:sp>
+      </p:grpSp>
+      <p:sp>
+        <p:nvSpPr>
+          <p:cNvPr id="22" name="矩形 21">
+            <a:extLst>
+              <a:ext uri="{FF2B5EF4-FFF2-40B4-BE49-F238E27FC236}">
+                <a16:creationId xmlns:a16="http://schemas.microsoft.com/office/drawing/2014/main" id="{378E11B1-145A-4C4D-ABA1-F06E15F5F422}"/>
+              </a:ext>
+            </a:extLst>
+          </p:cNvPr>
+          <p:cNvSpPr/>
+          <p:nvPr/>
+        </p:nvSpPr>
+        <p:spPr>
+          <a:xfrm>
+            <a:off x="997092" y="2589681"/>
+            <a:ext cx="1440000" cy="432000"/>
+          </a:xfrm>
+          <a:prstGeom prst="rect">
+            <a:avLst/>
+          </a:prstGeom>
+          <a:noFill/>
+          <a:ln w="19050" cap="flat" cmpd="sng" algn="ctr">
+            <a:solidFill>
+              <a:srgbClr val="202731">
+                <a:shade val="50000"/>
+              </a:srgbClr>
+            </a:solidFill>
+            <a:prstDash val="solid"/>
+          </a:ln>
+          <a:effectLst/>
+        </p:spPr>
+        <p:txBody>
+          <a:bodyPr rtlCol="0" anchor="ctr"/>
+          <a:lstStyle/>
+          <a:p>
+            <a:pPr marL="0" marR="0" lvl="0" indent="0" algn="ctr" defTabSz="914400" eaLnBrk="1" fontAlgn="auto" latinLnBrk="0" hangingPunct="1">
+              <a:lnSpc>
+                <a:spcPct val="100000"/>
+              </a:lnSpc>
+              <a:spcBef>
+                <a:spcPts val="0"/>
+              </a:spcBef>
+              <a:spcAft>
+                <a:spcPts val="0"/>
+              </a:spcAft>
+              <a:buClrTx/>
+              <a:buSzTx/>
+              <a:buFontTx/>
+              <a:buNone/>
+              <a:tabLst/>
+              <a:defRPr/>
+            </a:pPr>
+            <a:r>
+              <a:rPr lang="en-US" altLang="zh-CN" sz="1600" kern="0" dirty="0">
+                <a:solidFill>
+                  <a:prstClr val="black"/>
+                </a:solidFill>
+                <a:latin typeface="Times New Roman" panose="02020603050405020304" pitchFamily="18" charset="0"/>
+                <a:ea typeface="华文新魏" panose="02010800040101010101" pitchFamily="2" charset="-122"/>
+                <a:cs typeface="Times New Roman" panose="02020603050405020304" pitchFamily="18" charset="0"/>
+              </a:rPr>
+              <a:t>ASR</a:t>
+            </a:r>
+            <a:endParaRPr kumimoji="0" lang="zh-CN" altLang="en-US" sz="1600" b="0" i="0" u="none" strike="noStrike" kern="0" cap="none" spc="0" normalizeH="0" baseline="0" noProof="0" dirty="0">
+              <a:ln>
+                <a:noFill/>
+              </a:ln>
+              <a:solidFill>
+                <a:prstClr val="black"/>
+              </a:solidFill>
+              <a:effectLst/>
+              <a:uLnTx/>
+              <a:uFillTx/>
+              <a:latin typeface="Times New Roman" panose="02020603050405020304" pitchFamily="18" charset="0"/>
+              <a:ea typeface="华文新魏" panose="02010800040101010101" pitchFamily="2" charset="-122"/>
+              <a:cs typeface="Times New Roman" panose="02020603050405020304" pitchFamily="18" charset="0"/>
+            </a:endParaRPr>
+          </a:p>
+        </p:txBody>
+      </p:sp>
+      <p:sp>
+        <p:nvSpPr>
+          <p:cNvPr id="33" name="矩形: 圆角 32">
+            <a:extLst>
+              <a:ext uri="{FF2B5EF4-FFF2-40B4-BE49-F238E27FC236}">
+                <a16:creationId xmlns:a16="http://schemas.microsoft.com/office/drawing/2014/main" id="{82CEC01C-E1A0-4C1C-9B12-2B512BF7C25B}"/>
+              </a:ext>
+            </a:extLst>
+          </p:cNvPr>
+          <p:cNvSpPr/>
+          <p:nvPr/>
+        </p:nvSpPr>
+        <p:spPr>
+          <a:xfrm>
+            <a:off x="4382839" y="3444072"/>
+            <a:ext cx="1296000" cy="576000"/>
+          </a:xfrm>
+          <a:prstGeom prst="roundRect">
+            <a:avLst/>
+          </a:prstGeom>
+          <a:solidFill>
+            <a:schemeClr val="bg2">
+              <a:lumMod val="90000"/>
+            </a:schemeClr>
+          </a:solidFill>
+          <a:ln w="19050">
+            <a:solidFill>
+              <a:schemeClr val="tx1"/>
+            </a:solidFill>
+          </a:ln>
+        </p:spPr>
+        <p:style>
+          <a:lnRef idx="2">
+            <a:schemeClr val="accent1">
+              <a:shade val="50000"/>
+            </a:schemeClr>
+          </a:lnRef>
+          <a:fillRef idx="1">
+            <a:schemeClr val="accent1"/>
+          </a:fillRef>
+          <a:effectRef idx="0">
+            <a:schemeClr val="accent1"/>
+          </a:effectRef>
+          <a:fontRef idx="minor">
+            <a:schemeClr val="lt1"/>
+          </a:fontRef>
+        </p:style>
+        <p:txBody>
+          <a:bodyPr rtlCol="0" anchor="ctr"/>
+          <a:lstStyle/>
+          <a:p>
+            <a:pPr algn="ctr"/>
+            <a:r>
+              <a:rPr lang="en-US" altLang="zh-CN" sz="1600" dirty="0">
+                <a:solidFill>
+                  <a:schemeClr val="tx1"/>
+                </a:solidFill>
+                <a:latin typeface="Times New Roman" panose="02020603050405020304" pitchFamily="18" charset="0"/>
+                <a:cs typeface="Times New Roman" panose="02020603050405020304" pitchFamily="18" charset="0"/>
+              </a:rPr>
+              <a:t>Partial </a:t>
+            </a:r>
+          </a:p>
+          <a:p>
+            <a:pPr algn="ctr"/>
+            <a:r>
+              <a:rPr lang="en-US" altLang="zh-CN" sz="1600" dirty="0">
+                <a:solidFill>
+                  <a:schemeClr val="tx1"/>
+                </a:solidFill>
+                <a:latin typeface="Times New Roman" panose="02020603050405020304" pitchFamily="18" charset="0"/>
+                <a:cs typeface="Times New Roman" panose="02020603050405020304" pitchFamily="18" charset="0"/>
+              </a:rPr>
+              <a:t>TSM</a:t>
+            </a:r>
+            <a:endParaRPr lang="zh-CN" altLang="en-US" sz="1600" dirty="0">
+              <a:solidFill>
+                <a:schemeClr val="tx1"/>
+              </a:solidFill>
+              <a:latin typeface="Times New Roman" panose="02020603050405020304" pitchFamily="18" charset="0"/>
+              <a:cs typeface="Times New Roman" panose="02020603050405020304" pitchFamily="18" charset="0"/>
+            </a:endParaRPr>
+          </a:p>
+        </p:txBody>
+      </p:sp>
+      <p:sp>
+        <p:nvSpPr>
+          <p:cNvPr id="34" name="矩形 33">
+            <a:extLst>
+              <a:ext uri="{FF2B5EF4-FFF2-40B4-BE49-F238E27FC236}">
+                <a16:creationId xmlns:a16="http://schemas.microsoft.com/office/drawing/2014/main" id="{DD2CD78A-E2C6-4843-BBAF-8FDE15617785}"/>
+              </a:ext>
+            </a:extLst>
+          </p:cNvPr>
+          <p:cNvSpPr/>
+          <p:nvPr/>
+        </p:nvSpPr>
+        <p:spPr>
+          <a:xfrm>
+            <a:off x="9062750" y="3444072"/>
+            <a:ext cx="1440000" cy="576000"/>
+          </a:xfrm>
+          <a:prstGeom prst="rect">
+            <a:avLst/>
+          </a:prstGeom>
+          <a:noFill/>
+          <a:ln w="19050" cap="flat" cmpd="sng" algn="ctr">
+            <a:solidFill>
+              <a:srgbClr val="202731">
+                <a:shade val="50000"/>
+              </a:srgbClr>
+            </a:solidFill>
+            <a:prstDash val="solid"/>
+          </a:ln>
+          <a:effectLst/>
+        </p:spPr>
+        <p:txBody>
+          <a:bodyPr rtlCol="0" anchor="ctr"/>
+          <a:lstStyle/>
+          <a:p>
+            <a:pPr marL="0" marR="0" lvl="0" indent="0" algn="ctr" defTabSz="914400" eaLnBrk="1" fontAlgn="auto" latinLnBrk="0" hangingPunct="1">
+              <a:lnSpc>
+                <a:spcPct val="100000"/>
+              </a:lnSpc>
+              <a:spcBef>
+                <a:spcPts val="0"/>
+              </a:spcBef>
+              <a:spcAft>
+                <a:spcPts val="0"/>
+              </a:spcAft>
+              <a:buClrTx/>
+              <a:buSzTx/>
+              <a:buFontTx/>
+              <a:buNone/>
+              <a:tabLst/>
+              <a:defRPr/>
+            </a:pPr>
+            <a:r>
+              <a:rPr lang="en-US" altLang="zh-CN" sz="1600" kern="0" dirty="0">
+                <a:solidFill>
+                  <a:prstClr val="black"/>
+                </a:solidFill>
+                <a:latin typeface="Times New Roman" panose="02020603050405020304" pitchFamily="18" charset="0"/>
+                <a:ea typeface="华文新魏" panose="02010800040101010101" pitchFamily="2" charset="-122"/>
+                <a:cs typeface="Times New Roman" panose="02020603050405020304" pitchFamily="18" charset="0"/>
+              </a:rPr>
+              <a:t>Targeted result</a:t>
+            </a:r>
+            <a:endParaRPr kumimoji="0" lang="zh-CN" altLang="en-US" sz="1600" b="0" i="0" u="none" strike="noStrike" kern="0" cap="none" spc="0" normalizeH="0" baseline="0" noProof="0" dirty="0">
+              <a:ln>
+                <a:noFill/>
+              </a:ln>
+              <a:solidFill>
+                <a:prstClr val="black"/>
+              </a:solidFill>
+              <a:effectLst/>
+              <a:uLnTx/>
+              <a:uFillTx/>
+              <a:latin typeface="Times New Roman" panose="02020603050405020304" pitchFamily="18" charset="0"/>
+              <a:ea typeface="华文新魏" panose="02010800040101010101" pitchFamily="2" charset="-122"/>
+              <a:cs typeface="Times New Roman" panose="02020603050405020304" pitchFamily="18" charset="0"/>
+            </a:endParaRPr>
+          </a:p>
+        </p:txBody>
+      </p:sp>
+      <p:sp>
+        <p:nvSpPr>
+          <p:cNvPr id="39" name="矩形: 圆角 38">
+            <a:extLst>
+              <a:ext uri="{FF2B5EF4-FFF2-40B4-BE49-F238E27FC236}">
+                <a16:creationId xmlns:a16="http://schemas.microsoft.com/office/drawing/2014/main" id="{76E86C9F-8333-4AB2-B0DE-8CC9D7966559}"/>
+              </a:ext>
+            </a:extLst>
+          </p:cNvPr>
+          <p:cNvSpPr/>
+          <p:nvPr/>
+        </p:nvSpPr>
+        <p:spPr>
+          <a:xfrm>
+            <a:off x="2643931" y="3279964"/>
+            <a:ext cx="6100020" cy="1087801"/>
+          </a:xfrm>
+          <a:prstGeom prst="roundRect">
+            <a:avLst/>
+          </a:prstGeom>
+          <a:noFill/>
+          <a:ln w="19050">
+            <a:solidFill>
+              <a:schemeClr val="tx1"/>
+            </a:solidFill>
+            <a:prstDash val="dash"/>
+          </a:ln>
+        </p:spPr>
+        <p:style>
+          <a:lnRef idx="2">
+            <a:schemeClr val="accent1">
+              <a:shade val="50000"/>
+            </a:schemeClr>
+          </a:lnRef>
+          <a:fillRef idx="1">
+            <a:schemeClr val="accent1"/>
+          </a:fillRef>
+          <a:effectRef idx="0">
+            <a:schemeClr val="accent1"/>
+          </a:effectRef>
+          <a:fontRef idx="minor">
+            <a:schemeClr val="lt1"/>
+          </a:fontRef>
+        </p:style>
+        <p:txBody>
+          <a:bodyPr rtlCol="0" anchor="ctr"/>
+          <a:lstStyle/>
+          <a:p>
+            <a:pPr algn="ctr"/>
+            <a:endParaRPr lang="zh-CN" altLang="en-US" dirty="0">
+              <a:solidFill>
+                <a:schemeClr val="tx1"/>
+              </a:solidFill>
+              <a:latin typeface="Times New Roman" panose="02020603050405020304" pitchFamily="18" charset="0"/>
+              <a:cs typeface="Times New Roman" panose="02020603050405020304" pitchFamily="18" charset="0"/>
+            </a:endParaRPr>
+          </a:p>
+        </p:txBody>
+      </p:sp>
+      <p:sp>
+        <p:nvSpPr>
+          <p:cNvPr id="40" name="矩形 39">
+            <a:extLst>
+              <a:ext uri="{FF2B5EF4-FFF2-40B4-BE49-F238E27FC236}">
+                <a16:creationId xmlns:a16="http://schemas.microsoft.com/office/drawing/2014/main" id="{A8E6650A-1B4E-4571-BD0E-F59CE3DA5EF5}"/>
+              </a:ext>
+            </a:extLst>
+          </p:cNvPr>
+          <p:cNvSpPr/>
+          <p:nvPr/>
+        </p:nvSpPr>
+        <p:spPr>
+          <a:xfrm>
+            <a:off x="4305684" y="4367767"/>
+            <a:ext cx="2595647" cy="369332"/>
+          </a:xfrm>
+          <a:prstGeom prst="rect">
+            <a:avLst/>
+          </a:prstGeom>
+        </p:spPr>
+        <p:txBody>
+          <a:bodyPr wrap="none">
+            <a:spAutoFit/>
+          </a:bodyPr>
+          <a:lstStyle/>
+          <a:p>
+            <a:pPr algn="ctr"/>
+            <a:r>
+              <a:rPr lang="en-US" altLang="zh-CN" dirty="0">
+                <a:latin typeface="Times New Roman" panose="02020603050405020304" pitchFamily="18" charset="0"/>
+                <a:cs typeface="Times New Roman" panose="02020603050405020304" pitchFamily="18" charset="0"/>
+              </a:rPr>
+              <a:t>GA-based AEs generation</a:t>
+            </a:r>
+            <a:endParaRPr lang="zh-CN" altLang="en-US" dirty="0">
+              <a:solidFill>
+                <a:schemeClr val="tx1"/>
+              </a:solidFill>
+              <a:latin typeface="Times New Roman" panose="02020603050405020304" pitchFamily="18" charset="0"/>
+              <a:cs typeface="Times New Roman" panose="02020603050405020304" pitchFamily="18" charset="0"/>
+            </a:endParaRPr>
+          </a:p>
+        </p:txBody>
+      </p:sp>
+      <p:cxnSp>
+        <p:nvCxnSpPr>
+          <p:cNvPr id="31" name="直接箭头连接符 30">
+            <a:extLst>
+              <a:ext uri="{FF2B5EF4-FFF2-40B4-BE49-F238E27FC236}">
+                <a16:creationId xmlns:a16="http://schemas.microsoft.com/office/drawing/2014/main" id="{7C0988EA-2850-4AC3-B8CB-D774F5CB17A8}"/>
+              </a:ext>
+            </a:extLst>
+          </p:cNvPr>
+          <p:cNvCxnSpPr>
+            <a:cxnSpLocks/>
+            <a:stCxn id="5" idx="0"/>
+            <a:endCxn id="22" idx="2"/>
+          </p:cNvCxnSpPr>
+          <p:nvPr/>
+        </p:nvCxnSpPr>
+        <p:spPr>
+          <a:xfrm flipV="1">
+            <a:off x="1717092" y="3021681"/>
+            <a:ext cx="0" cy="422391"/>
+          </a:xfrm>
+          <a:prstGeom prst="straightConnector1">
+            <a:avLst/>
+          </a:prstGeom>
+          <a:ln w="19050">
+            <a:solidFill>
+              <a:schemeClr val="tx1"/>
+            </a:solidFill>
+            <a:tailEnd type="triangle"/>
+          </a:ln>
+        </p:spPr>
+        <p:style>
+          <a:lnRef idx="1">
+            <a:schemeClr val="accent1"/>
+          </a:lnRef>
+          <a:fillRef idx="0">
+            <a:schemeClr val="accent1"/>
+          </a:fillRef>
+          <a:effectRef idx="0">
+            <a:schemeClr val="accent1"/>
+          </a:effectRef>
+          <a:fontRef idx="minor">
+            <a:schemeClr val="tx1"/>
+          </a:fontRef>
+        </p:style>
+      </p:cxnSp>
+      <p:cxnSp>
+        <p:nvCxnSpPr>
+          <p:cNvPr id="36" name="直接箭头连接符 35">
+            <a:extLst>
+              <a:ext uri="{FF2B5EF4-FFF2-40B4-BE49-F238E27FC236}">
+                <a16:creationId xmlns:a16="http://schemas.microsoft.com/office/drawing/2014/main" id="{122956BF-A7E8-4E8D-BA38-11490AAB9A66}"/>
+              </a:ext>
+            </a:extLst>
+          </p:cNvPr>
+          <p:cNvCxnSpPr>
+            <a:cxnSpLocks/>
+            <a:stCxn id="5" idx="3"/>
+            <a:endCxn id="61" idx="1"/>
+          </p:cNvCxnSpPr>
+          <p:nvPr/>
+        </p:nvCxnSpPr>
+        <p:spPr>
+          <a:xfrm>
+            <a:off x="2437092" y="3732072"/>
+            <a:ext cx="392720" cy="0"/>
+          </a:xfrm>
+          <a:prstGeom prst="straightConnector1">
+            <a:avLst/>
+          </a:prstGeom>
+          <a:ln w="19050">
+            <a:solidFill>
+              <a:schemeClr val="tx1"/>
+            </a:solidFill>
+            <a:tailEnd type="triangle"/>
+          </a:ln>
+        </p:spPr>
+        <p:style>
+          <a:lnRef idx="1">
+            <a:schemeClr val="accent1"/>
+          </a:lnRef>
+          <a:fillRef idx="0">
+            <a:schemeClr val="accent1"/>
+          </a:fillRef>
+          <a:effectRef idx="0">
+            <a:schemeClr val="accent1"/>
+          </a:effectRef>
+          <a:fontRef idx="minor">
+            <a:schemeClr val="tx1"/>
+          </a:fontRef>
+        </p:style>
+      </p:cxnSp>
+      <p:cxnSp>
+        <p:nvCxnSpPr>
+          <p:cNvPr id="54" name="直接箭头连接符 53">
+            <a:extLst>
+              <a:ext uri="{FF2B5EF4-FFF2-40B4-BE49-F238E27FC236}">
+                <a16:creationId xmlns:a16="http://schemas.microsoft.com/office/drawing/2014/main" id="{9244C9CC-5D61-42C5-8D47-8E1D723973B7}"/>
+              </a:ext>
+            </a:extLst>
+          </p:cNvPr>
+          <p:cNvCxnSpPr>
+            <a:cxnSpLocks/>
+            <a:stCxn id="52" idx="3"/>
+            <a:endCxn id="29" idx="1"/>
+          </p:cNvCxnSpPr>
+          <p:nvPr/>
+        </p:nvCxnSpPr>
+        <p:spPr>
+          <a:xfrm>
+            <a:off x="7231866" y="3732072"/>
+            <a:ext cx="523109" cy="0"/>
+          </a:xfrm>
+          <a:prstGeom prst="straightConnector1">
+            <a:avLst/>
+          </a:prstGeom>
+          <a:ln w="19050">
+            <a:solidFill>
+              <a:schemeClr val="tx1"/>
+            </a:solidFill>
+            <a:tailEnd type="triangle"/>
+          </a:ln>
+        </p:spPr>
+        <p:style>
+          <a:lnRef idx="1">
+            <a:schemeClr val="accent1"/>
+          </a:lnRef>
+          <a:fillRef idx="0">
+            <a:schemeClr val="accent1"/>
+          </a:fillRef>
+          <a:effectRef idx="0">
+            <a:schemeClr val="accent1"/>
+          </a:effectRef>
+          <a:fontRef idx="minor">
+            <a:schemeClr val="tx1"/>
+          </a:fontRef>
+        </p:style>
+      </p:cxnSp>
+      <p:sp>
+        <p:nvSpPr>
+          <p:cNvPr id="57" name="文本框 56">
+            <a:extLst>
+              <a:ext uri="{FF2B5EF4-FFF2-40B4-BE49-F238E27FC236}">
+                <a16:creationId xmlns:a16="http://schemas.microsoft.com/office/drawing/2014/main" id="{7BC8A285-DD40-416C-8B50-3AABE0ACCCF2}"/>
+              </a:ext>
+            </a:extLst>
+          </p:cNvPr>
+          <p:cNvSpPr txBox="1"/>
+          <p:nvPr/>
+        </p:nvSpPr>
+        <p:spPr>
+          <a:xfrm>
+            <a:off x="5726216" y="2862233"/>
+            <a:ext cx="1495922" cy="376834"/>
+          </a:xfrm>
+          <a:prstGeom prst="rect">
+            <a:avLst/>
+          </a:prstGeom>
+          <a:noFill/>
+        </p:spPr>
+        <p:txBody>
+          <a:bodyPr wrap="none" rtlCol="0">
+            <a:spAutoFit/>
+          </a:bodyPr>
+          <a:lstStyle/>
+          <a:p>
+            <a:pPr>
+              <a:lnSpc>
+                <a:spcPct val="150000"/>
+              </a:lnSpc>
+            </a:pPr>
+            <a:r>
+              <a:rPr lang="en-US" altLang="zh-CN" sz="1400" dirty="0">
+                <a:latin typeface="Times New Roman" panose="02020603050405020304" pitchFamily="18" charset="0"/>
+                <a:cs typeface="Times New Roman" panose="02020603050405020304" pitchFamily="18" charset="0"/>
+              </a:rPr>
+              <a:t>initial generation </a:t>
+            </a:r>
+            <a:endParaRPr lang="zh-CN" altLang="en-US" sz="1400" dirty="0">
+              <a:latin typeface="Times New Roman" panose="02020603050405020304" pitchFamily="18" charset="0"/>
+              <a:cs typeface="Times New Roman" panose="02020603050405020304" pitchFamily="18" charset="0"/>
+            </a:endParaRPr>
+          </a:p>
+        </p:txBody>
+      </p:sp>
+      <p:sp>
+        <p:nvSpPr>
+          <p:cNvPr id="61" name="矩形: 圆角 60">
+            <a:extLst>
+              <a:ext uri="{FF2B5EF4-FFF2-40B4-BE49-F238E27FC236}">
+                <a16:creationId xmlns:a16="http://schemas.microsoft.com/office/drawing/2014/main" id="{A41F411C-C50D-4730-AE36-231FB8D257C3}"/>
+              </a:ext>
+            </a:extLst>
+          </p:cNvPr>
+          <p:cNvSpPr/>
+          <p:nvPr/>
+        </p:nvSpPr>
+        <p:spPr>
+          <a:xfrm>
+            <a:off x="2829812" y="3444072"/>
+            <a:ext cx="1296000" cy="576000"/>
+          </a:xfrm>
+          <a:prstGeom prst="roundRect">
+            <a:avLst/>
+          </a:prstGeom>
+          <a:solidFill>
+            <a:schemeClr val="bg2">
+              <a:lumMod val="90000"/>
+            </a:schemeClr>
+          </a:solidFill>
+          <a:ln w="19050">
+            <a:solidFill>
+              <a:schemeClr val="tx1"/>
+            </a:solidFill>
+          </a:ln>
+        </p:spPr>
+        <p:style>
+          <a:lnRef idx="2">
+            <a:schemeClr val="accent1">
+              <a:shade val="50000"/>
+            </a:schemeClr>
+          </a:lnRef>
+          <a:fillRef idx="1">
+            <a:schemeClr val="accent1"/>
+          </a:fillRef>
+          <a:effectRef idx="0">
+            <a:schemeClr val="accent1"/>
+          </a:effectRef>
+          <a:fontRef idx="minor">
+            <a:schemeClr val="lt1"/>
+          </a:fontRef>
+        </p:style>
+        <p:txBody>
+          <a:bodyPr rtlCol="0" anchor="ctr"/>
+          <a:lstStyle/>
+          <a:p>
+            <a:pPr algn="ctr"/>
+            <a:r>
+              <a:rPr lang="en-US" altLang="zh-CN" sz="1600" dirty="0">
+                <a:solidFill>
+                  <a:schemeClr val="tx1"/>
+                </a:solidFill>
+                <a:latin typeface="Times New Roman" panose="02020603050405020304" pitchFamily="18" charset="0"/>
+                <a:cs typeface="Times New Roman" panose="02020603050405020304" pitchFamily="18" charset="0"/>
+              </a:rPr>
+              <a:t>Audio segment</a:t>
+            </a:r>
+            <a:endParaRPr lang="zh-CN" altLang="en-US" sz="1600" dirty="0">
+              <a:solidFill>
+                <a:schemeClr val="tx1"/>
+              </a:solidFill>
+              <a:latin typeface="Times New Roman" panose="02020603050405020304" pitchFamily="18" charset="0"/>
+              <a:cs typeface="Times New Roman" panose="02020603050405020304" pitchFamily="18" charset="0"/>
+            </a:endParaRPr>
+          </a:p>
+        </p:txBody>
+      </p:sp>
+      <p:sp>
+        <p:nvSpPr>
+          <p:cNvPr id="52" name="矩形: 圆角 51">
+            <a:extLst>
+              <a:ext uri="{FF2B5EF4-FFF2-40B4-BE49-F238E27FC236}">
+                <a16:creationId xmlns:a16="http://schemas.microsoft.com/office/drawing/2014/main" id="{38F4CEE9-1B06-4AA3-93C4-71C3CDE2B919}"/>
+              </a:ext>
+            </a:extLst>
+          </p:cNvPr>
+          <p:cNvSpPr/>
+          <p:nvPr/>
+        </p:nvSpPr>
+        <p:spPr>
+          <a:xfrm>
+            <a:off x="5935866" y="3444072"/>
+            <a:ext cx="1296000" cy="576000"/>
+          </a:xfrm>
+          <a:prstGeom prst="roundRect">
+            <a:avLst/>
+          </a:prstGeom>
+          <a:solidFill>
+            <a:schemeClr val="bg2">
+              <a:lumMod val="90000"/>
+            </a:schemeClr>
+          </a:solidFill>
+          <a:ln w="19050">
+            <a:solidFill>
+              <a:schemeClr val="tx1"/>
+            </a:solidFill>
+          </a:ln>
+        </p:spPr>
+        <p:style>
+          <a:lnRef idx="2">
+            <a:schemeClr val="accent1">
+              <a:shade val="50000"/>
+            </a:schemeClr>
+          </a:lnRef>
+          <a:fillRef idx="1">
+            <a:schemeClr val="accent1"/>
+          </a:fillRef>
+          <a:effectRef idx="0">
+            <a:schemeClr val="accent1"/>
+          </a:effectRef>
+          <a:fontRef idx="minor">
+            <a:schemeClr val="lt1"/>
+          </a:fontRef>
+        </p:style>
+        <p:txBody>
+          <a:bodyPr rtlCol="0" anchor="ctr"/>
+          <a:lstStyle/>
+          <a:p>
+            <a:pPr algn="ctr"/>
+            <a:r>
+              <a:rPr lang="en-US" altLang="zh-CN" sz="1600" dirty="0">
+                <a:solidFill>
+                  <a:schemeClr val="tx1"/>
+                </a:solidFill>
+                <a:latin typeface="Times New Roman" panose="02020603050405020304" pitchFamily="18" charset="0"/>
+                <a:cs typeface="Times New Roman" panose="02020603050405020304" pitchFamily="18" charset="0"/>
+              </a:rPr>
+              <a:t>GA algorithm</a:t>
+            </a:r>
+            <a:endParaRPr lang="zh-CN" altLang="en-US" sz="1600" dirty="0">
+              <a:solidFill>
+                <a:schemeClr val="tx1"/>
+              </a:solidFill>
+              <a:latin typeface="Times New Roman" panose="02020603050405020304" pitchFamily="18" charset="0"/>
+              <a:cs typeface="Times New Roman" panose="02020603050405020304" pitchFamily="18" charset="0"/>
+            </a:endParaRPr>
+          </a:p>
+        </p:txBody>
+      </p:sp>
+      <p:cxnSp>
+        <p:nvCxnSpPr>
+          <p:cNvPr id="70" name="连接符: 肘形 69">
+            <a:extLst>
+              <a:ext uri="{FF2B5EF4-FFF2-40B4-BE49-F238E27FC236}">
+                <a16:creationId xmlns:a16="http://schemas.microsoft.com/office/drawing/2014/main" id="{785E31FC-2F22-4110-A1D5-8A624B9A545F}"/>
+              </a:ext>
+            </a:extLst>
+          </p:cNvPr>
+          <p:cNvCxnSpPr>
+            <a:cxnSpLocks/>
+            <a:stCxn id="29" idx="2"/>
+            <a:endCxn id="33" idx="2"/>
+          </p:cNvCxnSpPr>
+          <p:nvPr/>
+        </p:nvCxnSpPr>
+        <p:spPr>
+          <a:xfrm rot="5400000">
+            <a:off x="6590907" y="2460004"/>
+            <a:ext cx="12700" cy="3120136"/>
+          </a:xfrm>
+          <a:prstGeom prst="bentConnector3">
+            <a:avLst>
+              <a:gd name="adj1" fmla="val 1800000"/>
+            </a:avLst>
+          </a:prstGeom>
+          <a:ln w="19050">
+            <a:solidFill>
+              <a:schemeClr val="tx1"/>
+            </a:solidFill>
+            <a:tailEnd type="triangle"/>
+          </a:ln>
+        </p:spPr>
+        <p:style>
+          <a:lnRef idx="1">
+            <a:schemeClr val="accent1"/>
+          </a:lnRef>
+          <a:fillRef idx="0">
+            <a:schemeClr val="accent1"/>
+          </a:fillRef>
+          <a:effectRef idx="0">
+            <a:schemeClr val="accent1"/>
+          </a:effectRef>
+          <a:fontRef idx="minor">
+            <a:schemeClr val="tx1"/>
+          </a:fontRef>
+        </p:style>
+      </p:cxnSp>
+      <p:cxnSp>
+        <p:nvCxnSpPr>
+          <p:cNvPr id="73" name="直接箭头连接符 72">
+            <a:extLst>
+              <a:ext uri="{FF2B5EF4-FFF2-40B4-BE49-F238E27FC236}">
+                <a16:creationId xmlns:a16="http://schemas.microsoft.com/office/drawing/2014/main" id="{8020153C-D856-4823-A3EB-9F9569827490}"/>
+              </a:ext>
+            </a:extLst>
+          </p:cNvPr>
+          <p:cNvCxnSpPr>
+            <a:cxnSpLocks/>
+            <a:stCxn id="61" idx="3"/>
+            <a:endCxn id="33" idx="1"/>
+          </p:cNvCxnSpPr>
+          <p:nvPr/>
+        </p:nvCxnSpPr>
+        <p:spPr>
+          <a:xfrm>
+            <a:off x="4125812" y="3732072"/>
+            <a:ext cx="257027" cy="0"/>
+          </a:xfrm>
+          <a:prstGeom prst="straightConnector1">
+            <a:avLst/>
+          </a:prstGeom>
+          <a:ln w="19050">
+            <a:solidFill>
+              <a:schemeClr val="tx1"/>
+            </a:solidFill>
+            <a:tailEnd type="triangle"/>
+          </a:ln>
+        </p:spPr>
+        <p:style>
+          <a:lnRef idx="1">
+            <a:schemeClr val="accent1"/>
+          </a:lnRef>
+          <a:fillRef idx="0">
+            <a:schemeClr val="accent1"/>
+          </a:fillRef>
+          <a:effectRef idx="0">
+            <a:schemeClr val="accent1"/>
+          </a:effectRef>
+          <a:fontRef idx="minor">
+            <a:schemeClr val="tx1"/>
+          </a:fontRef>
+        </p:style>
+      </p:cxnSp>
+      <p:cxnSp>
+        <p:nvCxnSpPr>
+          <p:cNvPr id="77" name="直接箭头连接符 76">
+            <a:extLst>
+              <a:ext uri="{FF2B5EF4-FFF2-40B4-BE49-F238E27FC236}">
+                <a16:creationId xmlns:a16="http://schemas.microsoft.com/office/drawing/2014/main" id="{1C109E4B-1142-41C5-8BD6-993425AC863C}"/>
+              </a:ext>
+            </a:extLst>
+          </p:cNvPr>
+          <p:cNvCxnSpPr>
+            <a:cxnSpLocks/>
+            <a:stCxn id="33" idx="3"/>
+            <a:endCxn id="52" idx="1"/>
+          </p:cNvCxnSpPr>
+          <p:nvPr/>
+        </p:nvCxnSpPr>
+        <p:spPr>
+          <a:xfrm>
+            <a:off x="5678839" y="3732072"/>
+            <a:ext cx="257027" cy="0"/>
+          </a:xfrm>
+          <a:prstGeom prst="straightConnector1">
+            <a:avLst/>
+          </a:prstGeom>
+          <a:ln w="19050">
+            <a:solidFill>
+              <a:schemeClr val="tx1"/>
+            </a:solidFill>
+            <a:tailEnd type="triangle"/>
+          </a:ln>
+        </p:spPr>
+        <p:style>
+          <a:lnRef idx="1">
+            <a:schemeClr val="accent1"/>
+          </a:lnRef>
+          <a:fillRef idx="0">
+            <a:schemeClr val="accent1"/>
+          </a:fillRef>
+          <a:effectRef idx="0">
+            <a:schemeClr val="accent1"/>
+          </a:effectRef>
+          <a:fontRef idx="minor">
+            <a:schemeClr val="tx1"/>
+          </a:fontRef>
+        </p:style>
+      </p:cxnSp>
+      <p:sp>
+        <p:nvSpPr>
+          <p:cNvPr id="99" name="文本框 98">
+            <a:extLst>
+              <a:ext uri="{FF2B5EF4-FFF2-40B4-BE49-F238E27FC236}">
+                <a16:creationId xmlns:a16="http://schemas.microsoft.com/office/drawing/2014/main" id="{92D90D8F-53C7-4FC2-9C05-5E94592178BF}"/>
+              </a:ext>
+            </a:extLst>
+          </p:cNvPr>
+          <p:cNvSpPr txBox="1"/>
+          <p:nvPr/>
+        </p:nvSpPr>
+        <p:spPr>
+          <a:xfrm>
+            <a:off x="8743951" y="3427061"/>
+            <a:ext cx="314510" cy="307777"/>
+          </a:xfrm>
+          <a:prstGeom prst="rect">
+            <a:avLst/>
+          </a:prstGeom>
+          <a:noFill/>
+        </p:spPr>
+        <p:txBody>
+          <a:bodyPr wrap="none" rtlCol="0">
+            <a:spAutoFit/>
+          </a:bodyPr>
+          <a:lstStyle/>
+          <a:p>
+            <a:r>
+              <a:rPr lang="en-US" altLang="zh-CN" sz="1400" dirty="0">
+                <a:latin typeface="Times New Roman" panose="02020603050405020304" pitchFamily="18" charset="0"/>
+                <a:cs typeface="Times New Roman" panose="02020603050405020304" pitchFamily="18" charset="0"/>
+              </a:rPr>
+              <a:t>Y</a:t>
+            </a:r>
+            <a:endParaRPr lang="zh-CN" altLang="en-US" sz="1400" dirty="0">
+              <a:latin typeface="Times New Roman" panose="02020603050405020304" pitchFamily="18" charset="0"/>
+              <a:cs typeface="Times New Roman" panose="02020603050405020304" pitchFamily="18" charset="0"/>
+            </a:endParaRPr>
+          </a:p>
+        </p:txBody>
+      </p:sp>
+      <p:sp>
+        <p:nvSpPr>
+          <p:cNvPr id="100" name="文本框 99">
+            <a:extLst>
+              <a:ext uri="{FF2B5EF4-FFF2-40B4-BE49-F238E27FC236}">
+                <a16:creationId xmlns:a16="http://schemas.microsoft.com/office/drawing/2014/main" id="{23CDEB1E-7093-4990-8E51-4C9F262073F8}"/>
+              </a:ext>
+            </a:extLst>
+          </p:cNvPr>
+          <p:cNvSpPr txBox="1"/>
+          <p:nvPr/>
+        </p:nvSpPr>
+        <p:spPr>
+          <a:xfrm>
+            <a:off x="6461419" y="3984083"/>
+            <a:ext cx="314510" cy="307777"/>
+          </a:xfrm>
+          <a:prstGeom prst="rect">
+            <a:avLst/>
+          </a:prstGeom>
+          <a:noFill/>
+        </p:spPr>
+        <p:txBody>
+          <a:bodyPr wrap="none" rtlCol="0">
+            <a:spAutoFit/>
+          </a:bodyPr>
+          <a:lstStyle/>
+          <a:p>
+            <a:r>
+              <a:rPr lang="en-US" altLang="zh-CN" sz="1400" dirty="0">
+                <a:latin typeface="Times New Roman" panose="02020603050405020304" pitchFamily="18" charset="0"/>
+                <a:cs typeface="Times New Roman" panose="02020603050405020304" pitchFamily="18" charset="0"/>
+              </a:rPr>
+              <a:t>N</a:t>
+            </a:r>
+            <a:endParaRPr lang="zh-CN" altLang="en-US" sz="1400" dirty="0">
+              <a:latin typeface="Times New Roman" panose="02020603050405020304" pitchFamily="18" charset="0"/>
+              <a:cs typeface="Times New Roman" panose="02020603050405020304" pitchFamily="18" charset="0"/>
+            </a:endParaRPr>
+          </a:p>
+        </p:txBody>
+      </p:sp>
+      <p:sp>
+        <p:nvSpPr>
+          <p:cNvPr id="29" name="矩形: 圆角 28">
+            <a:extLst>
+              <a:ext uri="{FF2B5EF4-FFF2-40B4-BE49-F238E27FC236}">
+                <a16:creationId xmlns:a16="http://schemas.microsoft.com/office/drawing/2014/main" id="{3A7BE8C5-7A87-40E0-8705-9D3BA6146F17}"/>
+              </a:ext>
+            </a:extLst>
+          </p:cNvPr>
+          <p:cNvSpPr/>
+          <p:nvPr/>
+        </p:nvSpPr>
+        <p:spPr>
+          <a:xfrm>
+            <a:off x="7754975" y="3444072"/>
+            <a:ext cx="792000" cy="576000"/>
+          </a:xfrm>
+          <a:prstGeom prst="roundRect">
+            <a:avLst>
+              <a:gd name="adj" fmla="val 0"/>
+            </a:avLst>
+          </a:prstGeom>
+          <a:solidFill>
+            <a:schemeClr val="bg1"/>
+          </a:solidFill>
+          <a:ln w="19050">
+            <a:solidFill>
+              <a:schemeClr val="tx1"/>
+            </a:solidFill>
+          </a:ln>
+        </p:spPr>
+        <p:style>
+          <a:lnRef idx="2">
+            <a:schemeClr val="accent1">
+              <a:shade val="50000"/>
+            </a:schemeClr>
+          </a:lnRef>
+          <a:fillRef idx="1">
+            <a:schemeClr val="accent1"/>
+          </a:fillRef>
+          <a:effectRef idx="0">
+            <a:schemeClr val="accent1"/>
+          </a:effectRef>
+          <a:fontRef idx="minor">
+            <a:schemeClr val="lt1"/>
+          </a:fontRef>
+        </p:style>
+        <p:txBody>
+          <a:bodyPr rtlCol="0" anchor="ctr"/>
+          <a:lstStyle/>
+          <a:p>
+            <a:pPr algn="ctr"/>
+            <a:r>
+              <a:rPr lang="en-US" altLang="zh-CN" sz="1600" dirty="0">
+                <a:solidFill>
+                  <a:schemeClr val="tx1"/>
+                </a:solidFill>
+                <a:latin typeface="Times New Roman" panose="02020603050405020304" pitchFamily="18" charset="0"/>
+                <a:cs typeface="Times New Roman" panose="02020603050405020304" pitchFamily="18" charset="0"/>
+              </a:rPr>
+              <a:t>ASR</a:t>
+            </a:r>
+            <a:endParaRPr lang="zh-CN" altLang="en-US" sz="1600" dirty="0">
+              <a:solidFill>
+                <a:schemeClr val="tx1"/>
+              </a:solidFill>
+              <a:latin typeface="Times New Roman" panose="02020603050405020304" pitchFamily="18" charset="0"/>
+              <a:cs typeface="Times New Roman" panose="02020603050405020304" pitchFamily="18" charset="0"/>
+            </a:endParaRPr>
+          </a:p>
+        </p:txBody>
+      </p:sp>
+      <p:cxnSp>
+        <p:nvCxnSpPr>
+          <p:cNvPr id="16" name="直接箭头连接符 15">
+            <a:extLst>
+              <a:ext uri="{FF2B5EF4-FFF2-40B4-BE49-F238E27FC236}">
+                <a16:creationId xmlns:a16="http://schemas.microsoft.com/office/drawing/2014/main" id="{13E4C8BB-F541-457F-9DAE-332C4682191E}"/>
+              </a:ext>
+            </a:extLst>
+          </p:cNvPr>
+          <p:cNvCxnSpPr>
+            <a:stCxn id="29" idx="3"/>
+            <a:endCxn id="34" idx="1"/>
+          </p:cNvCxnSpPr>
+          <p:nvPr/>
+        </p:nvCxnSpPr>
+        <p:spPr>
+          <a:xfrm>
+            <a:off x="8546975" y="3732072"/>
+            <a:ext cx="515775" cy="0"/>
+          </a:xfrm>
+          <a:prstGeom prst="straightConnector1">
+            <a:avLst/>
+          </a:prstGeom>
+          <a:ln w="19050">
+            <a:solidFill>
+              <a:schemeClr val="tx1"/>
+            </a:solidFill>
+            <a:tailEnd type="triangle"/>
+          </a:ln>
+        </p:spPr>
+        <p:style>
+          <a:lnRef idx="1">
+            <a:schemeClr val="accent1"/>
+          </a:lnRef>
+          <a:fillRef idx="0">
+            <a:schemeClr val="accent1"/>
+          </a:fillRef>
+          <a:effectRef idx="0">
+            <a:schemeClr val="accent1"/>
+          </a:effectRef>
+          <a:fontRef idx="minor">
+            <a:schemeClr val="tx1"/>
+          </a:fontRef>
+        </p:style>
+      </p:cxnSp>
+      <p:sp>
+        <p:nvSpPr>
+          <p:cNvPr id="85" name="文本框 84">
+            <a:extLst>
+              <a:ext uri="{FF2B5EF4-FFF2-40B4-BE49-F238E27FC236}">
+                <a16:creationId xmlns:a16="http://schemas.microsoft.com/office/drawing/2014/main" id="{F89BC152-BDB1-4E3C-85C2-193226CBEEFE}"/>
+              </a:ext>
+            </a:extLst>
+          </p:cNvPr>
+          <p:cNvSpPr txBox="1"/>
+          <p:nvPr/>
+        </p:nvSpPr>
+        <p:spPr>
+          <a:xfrm>
+            <a:off x="7246398" y="3327250"/>
+            <a:ext cx="494045" cy="376834"/>
+          </a:xfrm>
+          <a:prstGeom prst="rect">
+            <a:avLst/>
+          </a:prstGeom>
+          <a:noFill/>
+        </p:spPr>
+        <p:txBody>
+          <a:bodyPr wrap="none" rtlCol="0">
+            <a:spAutoFit/>
+          </a:bodyPr>
+          <a:lstStyle/>
+          <a:p>
+            <a:pPr algn="ctr">
+              <a:lnSpc>
+                <a:spcPct val="150000"/>
+              </a:lnSpc>
+            </a:pPr>
+            <a:r>
+              <a:rPr lang="en-US" altLang="zh-CN" sz="1400" dirty="0">
+                <a:latin typeface="Times New Roman" panose="02020603050405020304" pitchFamily="18" charset="0"/>
+                <a:cs typeface="Times New Roman" panose="02020603050405020304" pitchFamily="18" charset="0"/>
+              </a:rPr>
+              <a:t>AEs</a:t>
+            </a:r>
+            <a:endParaRPr lang="zh-CN" altLang="en-US" sz="1400" dirty="0">
+              <a:latin typeface="Times New Roman" panose="02020603050405020304" pitchFamily="18" charset="0"/>
+              <a:cs typeface="Times New Roman" panose="02020603050405020304" pitchFamily="18" charset="0"/>
+            </a:endParaRPr>
+          </a:p>
+        </p:txBody>
+      </p:sp>
+      <p:cxnSp>
+        <p:nvCxnSpPr>
+          <p:cNvPr id="81" name="连接符: 肘形 80">
+            <a:extLst>
+              <a:ext uri="{FF2B5EF4-FFF2-40B4-BE49-F238E27FC236}">
+                <a16:creationId xmlns:a16="http://schemas.microsoft.com/office/drawing/2014/main" id="{03D0B7B7-789C-4C95-BCF6-669A9B588633}"/>
+              </a:ext>
+            </a:extLst>
+          </p:cNvPr>
+          <p:cNvCxnSpPr>
+            <a:cxnSpLocks/>
+          </p:cNvCxnSpPr>
+          <p:nvPr/>
+        </p:nvCxnSpPr>
+        <p:spPr>
+          <a:xfrm rot="5400000">
+            <a:off x="4574216" y="2589498"/>
+            <a:ext cx="828000" cy="1476000"/>
+          </a:xfrm>
+          <a:prstGeom prst="bentConnector3">
+            <a:avLst>
+              <a:gd name="adj1" fmla="val 25346"/>
+            </a:avLst>
+          </a:prstGeom>
+          <a:ln w="19050">
+            <a:solidFill>
+              <a:schemeClr val="tx1"/>
+            </a:solidFill>
+            <a:tailEnd type="triangle"/>
+          </a:ln>
+        </p:spPr>
+        <p:style>
+          <a:lnRef idx="1">
+            <a:schemeClr val="accent1"/>
+          </a:lnRef>
+          <a:fillRef idx="0">
+            <a:schemeClr val="accent1"/>
+          </a:fillRef>
+          <a:effectRef idx="0">
+            <a:schemeClr val="accent1"/>
+          </a:effectRef>
+          <a:fontRef idx="minor">
+            <a:schemeClr val="tx1"/>
+          </a:fontRef>
+        </p:style>
+      </p:cxnSp>
+      <p:sp>
+        <p:nvSpPr>
+          <p:cNvPr id="32" name="矩形 31">
+            <a:extLst>
+              <a:ext uri="{FF2B5EF4-FFF2-40B4-BE49-F238E27FC236}">
+                <a16:creationId xmlns:a16="http://schemas.microsoft.com/office/drawing/2014/main" id="{7019F16C-1611-4B2C-A601-9ECF7A3CDE99}"/>
+              </a:ext>
+            </a:extLst>
+          </p:cNvPr>
+          <p:cNvSpPr/>
+          <p:nvPr/>
+        </p:nvSpPr>
+        <p:spPr>
+          <a:xfrm>
+            <a:off x="997092" y="1941681"/>
+            <a:ext cx="1440000" cy="432000"/>
+          </a:xfrm>
+          <a:prstGeom prst="rect">
+            <a:avLst/>
+          </a:prstGeom>
+          <a:noFill/>
+          <a:ln w="19050" cap="flat" cmpd="sng" algn="ctr">
+            <a:solidFill>
+              <a:srgbClr val="202731">
+                <a:shade val="50000"/>
+              </a:srgbClr>
+            </a:solidFill>
+            <a:prstDash val="solid"/>
+          </a:ln>
+          <a:effectLst/>
+        </p:spPr>
+        <p:txBody>
+          <a:bodyPr rtlCol="0" anchor="ctr"/>
+          <a:lstStyle/>
+          <a:p>
+            <a:pPr marL="0" marR="0" lvl="0" indent="0" algn="ctr" defTabSz="914400" eaLnBrk="1" fontAlgn="auto" latinLnBrk="0" hangingPunct="1">
+              <a:lnSpc>
+                <a:spcPct val="100000"/>
+              </a:lnSpc>
+              <a:spcBef>
+                <a:spcPts val="0"/>
+              </a:spcBef>
+              <a:spcAft>
+                <a:spcPts val="0"/>
+              </a:spcAft>
+              <a:buClrTx/>
+              <a:buSzTx/>
+              <a:buFontTx/>
+              <a:buNone/>
+              <a:tabLst/>
+              <a:defRPr/>
+            </a:pPr>
+            <a:r>
+              <a:rPr lang="en-US" altLang="zh-CN" sz="1600" kern="0" dirty="0">
+                <a:solidFill>
+                  <a:prstClr val="black"/>
+                </a:solidFill>
+                <a:latin typeface="Times New Roman" panose="02020603050405020304" pitchFamily="18" charset="0"/>
+                <a:ea typeface="华文新魏" panose="02010800040101010101" pitchFamily="2" charset="-122"/>
+                <a:cs typeface="Times New Roman" panose="02020603050405020304" pitchFamily="18" charset="0"/>
+              </a:rPr>
+              <a:t>Targeted result</a:t>
+            </a:r>
+            <a:endParaRPr kumimoji="0" lang="zh-CN" altLang="en-US" sz="1600" b="0" i="0" u="none" strike="noStrike" kern="0" cap="none" spc="0" normalizeH="0" baseline="0" noProof="0" dirty="0">
+              <a:ln>
+                <a:noFill/>
+              </a:ln>
+              <a:solidFill>
+                <a:prstClr val="black"/>
+              </a:solidFill>
+              <a:effectLst/>
+              <a:uLnTx/>
+              <a:uFillTx/>
+              <a:latin typeface="Times New Roman" panose="02020603050405020304" pitchFamily="18" charset="0"/>
+              <a:ea typeface="华文新魏" panose="02010800040101010101" pitchFamily="2" charset="-122"/>
+              <a:cs typeface="Times New Roman" panose="02020603050405020304" pitchFamily="18" charset="0"/>
+            </a:endParaRPr>
+          </a:p>
+        </p:txBody>
+      </p:sp>
+      <p:cxnSp>
+        <p:nvCxnSpPr>
+          <p:cNvPr id="9" name="直接箭头连接符 8">
+            <a:extLst>
+              <a:ext uri="{FF2B5EF4-FFF2-40B4-BE49-F238E27FC236}">
+                <a16:creationId xmlns:a16="http://schemas.microsoft.com/office/drawing/2014/main" id="{0525AFBB-CDC3-4C1A-BE84-770285B1D6F9}"/>
+              </a:ext>
+            </a:extLst>
+          </p:cNvPr>
+          <p:cNvCxnSpPr>
+            <a:cxnSpLocks/>
+          </p:cNvCxnSpPr>
+          <p:nvPr/>
+        </p:nvCxnSpPr>
+        <p:spPr>
+          <a:xfrm>
+            <a:off x="2437092" y="2746731"/>
+            <a:ext cx="1133208" cy="0"/>
+          </a:xfrm>
+          <a:prstGeom prst="straightConnector1">
+            <a:avLst/>
+          </a:prstGeom>
+          <a:ln w="19050">
+            <a:solidFill>
+              <a:schemeClr val="tx1"/>
+            </a:solidFill>
+            <a:tailEnd type="triangle"/>
+          </a:ln>
+        </p:spPr>
+        <p:style>
+          <a:lnRef idx="1">
+            <a:schemeClr val="accent1"/>
+          </a:lnRef>
+          <a:fillRef idx="0">
+            <a:schemeClr val="accent1"/>
+          </a:fillRef>
+          <a:effectRef idx="0">
+            <a:schemeClr val="accent1"/>
+          </a:effectRef>
+          <a:fontRef idx="minor">
+            <a:schemeClr val="tx1"/>
+          </a:fontRef>
+        </p:style>
+      </p:cxnSp>
+      <p:cxnSp>
+        <p:nvCxnSpPr>
+          <p:cNvPr id="41" name="直接箭头连接符 40">
+            <a:extLst>
+              <a:ext uri="{FF2B5EF4-FFF2-40B4-BE49-F238E27FC236}">
+                <a16:creationId xmlns:a16="http://schemas.microsoft.com/office/drawing/2014/main" id="{7993708B-D1A2-4484-874D-53B98EBC537E}"/>
+              </a:ext>
+            </a:extLst>
+          </p:cNvPr>
+          <p:cNvCxnSpPr>
+            <a:cxnSpLocks/>
+          </p:cNvCxnSpPr>
+          <p:nvPr/>
+        </p:nvCxnSpPr>
+        <p:spPr>
+          <a:xfrm>
+            <a:off x="2437092" y="2201127"/>
+            <a:ext cx="1133208" cy="0"/>
+          </a:xfrm>
+          <a:prstGeom prst="straightConnector1">
+            <a:avLst/>
+          </a:prstGeom>
+          <a:ln w="19050">
+            <a:solidFill>
+              <a:schemeClr val="tx1"/>
+            </a:solidFill>
+            <a:tailEnd type="triangle"/>
+          </a:ln>
+        </p:spPr>
+        <p:style>
+          <a:lnRef idx="1">
+            <a:schemeClr val="accent1"/>
+          </a:lnRef>
+          <a:fillRef idx="0">
+            <a:schemeClr val="accent1"/>
+          </a:fillRef>
+          <a:effectRef idx="0">
+            <a:schemeClr val="accent1"/>
+          </a:effectRef>
+          <a:fontRef idx="minor">
+            <a:schemeClr val="tx1"/>
+          </a:fontRef>
+        </p:style>
+      </p:cxnSp>
+    </p:spTree>
+    <p:extLst>
+      <p:ext uri="{BB962C8B-B14F-4D97-AF65-F5344CB8AC3E}">
+        <p14:creationId xmlns:p14="http://schemas.microsoft.com/office/powerpoint/2010/main" val="881158706"/>
+      </p:ext>
+    </p:extLst>
+  </p:cSld>
+  <p:clrMapOvr>
+    <a:masterClrMapping/>
+  </p:clrMapOvr>
+</p:sld>
+</file>
+
 <file path=ppt/theme/theme1.xml><?xml version="1.0" encoding="utf-8"?>
 <a:theme xmlns:a="http://schemas.openxmlformats.org/drawingml/2006/main" name="Office 主题​​">
   <a:themeElements>

--- a/Figure/design/Design.pptx
+++ b/Figure/design/Design.pptx
@@ -14,6 +14,8 @@
     <p:sldId id="262" r:id="rId8"/>
     <p:sldId id="263" r:id="rId9"/>
     <p:sldId id="264" r:id="rId10"/>
+    <p:sldId id="265" r:id="rId11"/>
+    <p:sldId id="266" r:id="rId12"/>
   </p:sldIdLst>
   <p:sldSz cx="12192000" cy="6858000"/>
   <p:notesSz cx="6858000" cy="9144000"/>
@@ -279,7 +281,7 @@
           <a:p>
             <a:fld id="{BB6AA20C-F034-4B89-BF6D-AE204F5DD15B}" type="datetimeFigureOut">
               <a:rPr lang="zh-CN" altLang="en-US" smtClean="0"/>
-              <a:t>2020/8/6</a:t>
+              <a:t>2020/8/11</a:t>
             </a:fld>
             <a:endParaRPr lang="zh-CN" altLang="en-US"/>
           </a:p>
@@ -477,7 +479,7 @@
           <a:p>
             <a:fld id="{BB6AA20C-F034-4B89-BF6D-AE204F5DD15B}" type="datetimeFigureOut">
               <a:rPr lang="zh-CN" altLang="en-US" smtClean="0"/>
-              <a:t>2020/8/6</a:t>
+              <a:t>2020/8/11</a:t>
             </a:fld>
             <a:endParaRPr lang="zh-CN" altLang="en-US"/>
           </a:p>
@@ -685,7 +687,7 @@
           <a:p>
             <a:fld id="{BB6AA20C-F034-4B89-BF6D-AE204F5DD15B}" type="datetimeFigureOut">
               <a:rPr lang="zh-CN" altLang="en-US" smtClean="0"/>
-              <a:t>2020/8/6</a:t>
+              <a:t>2020/8/11</a:t>
             </a:fld>
             <a:endParaRPr lang="zh-CN" altLang="en-US"/>
           </a:p>
@@ -883,7 +885,7 @@
           <a:p>
             <a:fld id="{BB6AA20C-F034-4B89-BF6D-AE204F5DD15B}" type="datetimeFigureOut">
               <a:rPr lang="zh-CN" altLang="en-US" smtClean="0"/>
-              <a:t>2020/8/6</a:t>
+              <a:t>2020/8/11</a:t>
             </a:fld>
             <a:endParaRPr lang="zh-CN" altLang="en-US"/>
           </a:p>
@@ -1158,7 +1160,7 @@
           <a:p>
             <a:fld id="{BB6AA20C-F034-4B89-BF6D-AE204F5DD15B}" type="datetimeFigureOut">
               <a:rPr lang="zh-CN" altLang="en-US" smtClean="0"/>
-              <a:t>2020/8/6</a:t>
+              <a:t>2020/8/11</a:t>
             </a:fld>
             <a:endParaRPr lang="zh-CN" altLang="en-US"/>
           </a:p>
@@ -1423,7 +1425,7 @@
           <a:p>
             <a:fld id="{BB6AA20C-F034-4B89-BF6D-AE204F5DD15B}" type="datetimeFigureOut">
               <a:rPr lang="zh-CN" altLang="en-US" smtClean="0"/>
-              <a:t>2020/8/6</a:t>
+              <a:t>2020/8/11</a:t>
             </a:fld>
             <a:endParaRPr lang="zh-CN" altLang="en-US"/>
           </a:p>
@@ -1835,7 +1837,7 @@
           <a:p>
             <a:fld id="{BB6AA20C-F034-4B89-BF6D-AE204F5DD15B}" type="datetimeFigureOut">
               <a:rPr lang="zh-CN" altLang="en-US" smtClean="0"/>
-              <a:t>2020/8/6</a:t>
+              <a:t>2020/8/11</a:t>
             </a:fld>
             <a:endParaRPr lang="zh-CN" altLang="en-US"/>
           </a:p>
@@ -1976,7 +1978,7 @@
           <a:p>
             <a:fld id="{BB6AA20C-F034-4B89-BF6D-AE204F5DD15B}" type="datetimeFigureOut">
               <a:rPr lang="zh-CN" altLang="en-US" smtClean="0"/>
-              <a:t>2020/8/6</a:t>
+              <a:t>2020/8/11</a:t>
             </a:fld>
             <a:endParaRPr lang="zh-CN" altLang="en-US"/>
           </a:p>
@@ -2089,7 +2091,7 @@
           <a:p>
             <a:fld id="{BB6AA20C-F034-4B89-BF6D-AE204F5DD15B}" type="datetimeFigureOut">
               <a:rPr lang="zh-CN" altLang="en-US" smtClean="0"/>
-              <a:t>2020/8/6</a:t>
+              <a:t>2020/8/11</a:t>
             </a:fld>
             <a:endParaRPr lang="zh-CN" altLang="en-US"/>
           </a:p>
@@ -2400,7 +2402,7 @@
           <a:p>
             <a:fld id="{BB6AA20C-F034-4B89-BF6D-AE204F5DD15B}" type="datetimeFigureOut">
               <a:rPr lang="zh-CN" altLang="en-US" smtClean="0"/>
-              <a:t>2020/8/6</a:t>
+              <a:t>2020/8/11</a:t>
             </a:fld>
             <a:endParaRPr lang="zh-CN" altLang="en-US"/>
           </a:p>
@@ -2688,7 +2690,7 @@
           <a:p>
             <a:fld id="{BB6AA20C-F034-4B89-BF6D-AE204F5DD15B}" type="datetimeFigureOut">
               <a:rPr lang="zh-CN" altLang="en-US" smtClean="0"/>
-              <a:t>2020/8/6</a:t>
+              <a:t>2020/8/11</a:t>
             </a:fld>
             <a:endParaRPr lang="zh-CN" altLang="en-US"/>
           </a:p>
@@ -2929,7 +2931,7 @@
           <a:p>
             <a:fld id="{BB6AA20C-F034-4B89-BF6D-AE204F5DD15B}" type="datetimeFigureOut">
               <a:rPr lang="zh-CN" altLang="en-US" smtClean="0"/>
-              <a:t>2020/8/6</a:t>
+              <a:t>2020/8/11</a:t>
             </a:fld>
             <a:endParaRPr lang="zh-CN" altLang="en-US"/>
           </a:p>
@@ -4271,6 +4273,2456 @@
     <p:extLst>
       <p:ext uri="{BB962C8B-B14F-4D97-AF65-F5344CB8AC3E}">
         <p14:creationId xmlns:p14="http://schemas.microsoft.com/office/powerpoint/2010/main" val="1668347087"/>
+      </p:ext>
+    </p:extLst>
+  </p:cSld>
+  <p:clrMapOvr>
+    <a:masterClrMapping/>
+  </p:clrMapOvr>
+</p:sld>
+</file>
+
+<file path=ppt/slides/slide10.xml><?xml version="1.0" encoding="utf-8"?>
+<p:sld xmlns:a="http://schemas.openxmlformats.org/drawingml/2006/main" xmlns:r="http://schemas.openxmlformats.org/officeDocument/2006/relationships" xmlns:p="http://schemas.openxmlformats.org/presentationml/2006/main">
+  <p:cSld>
+    <p:spTree>
+      <p:nvGrpSpPr>
+        <p:cNvPr id="1" name=""/>
+        <p:cNvGrpSpPr/>
+        <p:nvPr/>
+      </p:nvGrpSpPr>
+      <p:grpSpPr>
+        <a:xfrm>
+          <a:off x="0" y="0"/>
+          <a:ext cx="0" cy="0"/>
+          <a:chOff x="0" y="0"/>
+          <a:chExt cx="0" cy="0"/>
+        </a:xfrm>
+      </p:grpSpPr>
+      <p:sp>
+        <p:nvSpPr>
+          <p:cNvPr id="5" name="矩形 4">
+            <a:extLst>
+              <a:ext uri="{FF2B5EF4-FFF2-40B4-BE49-F238E27FC236}">
+                <a16:creationId xmlns:a16="http://schemas.microsoft.com/office/drawing/2014/main" id="{ABC0A999-24E3-47A8-ABC0-3438CCF8FE3B}"/>
+              </a:ext>
+            </a:extLst>
+          </p:cNvPr>
+          <p:cNvSpPr/>
+          <p:nvPr/>
+        </p:nvSpPr>
+        <p:spPr>
+          <a:xfrm>
+            <a:off x="997092" y="3444072"/>
+            <a:ext cx="1440000" cy="576000"/>
+          </a:xfrm>
+          <a:prstGeom prst="rect">
+            <a:avLst/>
+          </a:prstGeom>
+          <a:noFill/>
+          <a:ln w="19050" cap="flat" cmpd="sng" algn="ctr">
+            <a:solidFill>
+              <a:srgbClr val="202731">
+                <a:shade val="50000"/>
+              </a:srgbClr>
+            </a:solidFill>
+            <a:prstDash val="solid"/>
+          </a:ln>
+          <a:effectLst/>
+        </p:spPr>
+        <p:txBody>
+          <a:bodyPr rtlCol="0" anchor="ctr"/>
+          <a:lstStyle/>
+          <a:p>
+            <a:pPr marL="0" marR="0" lvl="0" indent="0" algn="ctr" defTabSz="914400" eaLnBrk="1" fontAlgn="auto" latinLnBrk="0" hangingPunct="1">
+              <a:lnSpc>
+                <a:spcPct val="100000"/>
+              </a:lnSpc>
+              <a:spcBef>
+                <a:spcPts val="0"/>
+              </a:spcBef>
+              <a:spcAft>
+                <a:spcPts val="0"/>
+              </a:spcAft>
+              <a:buClrTx/>
+              <a:buSzTx/>
+              <a:buFontTx/>
+              <a:buNone/>
+              <a:tabLst/>
+              <a:defRPr/>
+            </a:pPr>
+            <a:r>
+              <a:rPr lang="en-US" altLang="zh-CN" sz="1600" kern="0" dirty="0">
+                <a:solidFill>
+                  <a:prstClr val="black"/>
+                </a:solidFill>
+                <a:latin typeface="Times New Roman" panose="02020603050405020304" pitchFamily="18" charset="0"/>
+                <a:ea typeface="华文新魏" panose="02010800040101010101" pitchFamily="2" charset="-122"/>
+                <a:cs typeface="Times New Roman" panose="02020603050405020304" pitchFamily="18" charset="0"/>
+              </a:rPr>
+              <a:t>Original audio</a:t>
+            </a:r>
+            <a:endParaRPr kumimoji="0" lang="zh-CN" altLang="en-US" sz="1600" b="0" i="0" u="none" strike="noStrike" kern="0" cap="none" spc="0" normalizeH="0" baseline="0" noProof="0" dirty="0">
+              <a:ln>
+                <a:noFill/>
+              </a:ln>
+              <a:solidFill>
+                <a:prstClr val="black"/>
+              </a:solidFill>
+              <a:effectLst/>
+              <a:uLnTx/>
+              <a:uFillTx/>
+              <a:latin typeface="Times New Roman" panose="02020603050405020304" pitchFamily="18" charset="0"/>
+              <a:ea typeface="华文新魏" panose="02010800040101010101" pitchFamily="2" charset="-122"/>
+              <a:cs typeface="Times New Roman" panose="02020603050405020304" pitchFamily="18" charset="0"/>
+            </a:endParaRPr>
+          </a:p>
+        </p:txBody>
+      </p:sp>
+      <p:sp>
+        <p:nvSpPr>
+          <p:cNvPr id="18" name="矩形 17">
+            <a:extLst>
+              <a:ext uri="{FF2B5EF4-FFF2-40B4-BE49-F238E27FC236}">
+                <a16:creationId xmlns:a16="http://schemas.microsoft.com/office/drawing/2014/main" id="{9E70C10E-067B-432A-BE3A-898AAAC5B39B}"/>
+              </a:ext>
+            </a:extLst>
+          </p:cNvPr>
+          <p:cNvSpPr/>
+          <p:nvPr/>
+        </p:nvSpPr>
+        <p:spPr>
+          <a:xfrm>
+            <a:off x="4949443" y="2331999"/>
+            <a:ext cx="1800000" cy="576000"/>
+          </a:xfrm>
+          <a:prstGeom prst="rect">
+            <a:avLst/>
+          </a:prstGeom>
+          <a:solidFill>
+            <a:schemeClr val="bg2">
+              <a:lumMod val="90000"/>
+            </a:schemeClr>
+          </a:solidFill>
+          <a:ln w="19050" cap="flat" cmpd="sng" algn="ctr">
+            <a:solidFill>
+              <a:srgbClr val="202731">
+                <a:shade val="50000"/>
+              </a:srgbClr>
+            </a:solidFill>
+            <a:prstDash val="solid"/>
+          </a:ln>
+          <a:effectLst/>
+        </p:spPr>
+        <p:txBody>
+          <a:bodyPr rtlCol="0" anchor="ctr"/>
+          <a:lstStyle/>
+          <a:p>
+            <a:pPr lvl="0" algn="ctr">
+              <a:defRPr/>
+            </a:pPr>
+            <a:r>
+              <a:rPr lang="en-US" altLang="zh-CN" sz="1600" kern="0" dirty="0">
+                <a:solidFill>
+                  <a:prstClr val="black"/>
+                </a:solidFill>
+                <a:latin typeface="Times New Roman" panose="02020603050405020304" pitchFamily="18" charset="0"/>
+                <a:ea typeface="华文新魏" panose="02010800040101010101" pitchFamily="2" charset="-122"/>
+                <a:cs typeface="Times New Roman" panose="02020603050405020304" pitchFamily="18" charset="0"/>
+              </a:rPr>
+              <a:t>Sound change </a:t>
+            </a:r>
+          </a:p>
+          <a:p>
+            <a:pPr lvl="0" algn="ctr">
+              <a:defRPr/>
+            </a:pPr>
+            <a:r>
+              <a:rPr lang="en-US" altLang="zh-CN" sz="1600" kern="0" dirty="0">
+                <a:solidFill>
+                  <a:prstClr val="black"/>
+                </a:solidFill>
+                <a:latin typeface="Times New Roman" panose="02020603050405020304" pitchFamily="18" charset="0"/>
+                <a:ea typeface="华文新魏" panose="02010800040101010101" pitchFamily="2" charset="-122"/>
+                <a:cs typeface="Times New Roman" panose="02020603050405020304" pitchFamily="18" charset="0"/>
+              </a:rPr>
+              <a:t>model</a:t>
+            </a:r>
+            <a:endParaRPr kumimoji="0" lang="zh-CN" altLang="en-US" sz="1600" b="0" i="0" u="none" strike="noStrike" kern="0" cap="none" spc="0" normalizeH="0" baseline="0" noProof="0" dirty="0">
+              <a:ln>
+                <a:noFill/>
+              </a:ln>
+              <a:solidFill>
+                <a:prstClr val="black"/>
+              </a:solidFill>
+              <a:effectLst/>
+              <a:uLnTx/>
+              <a:uFillTx/>
+              <a:latin typeface="Times New Roman" panose="02020603050405020304" pitchFamily="18" charset="0"/>
+              <a:ea typeface="华文新魏" panose="02010800040101010101" pitchFamily="2" charset="-122"/>
+              <a:cs typeface="Times New Roman" panose="02020603050405020304" pitchFamily="18" charset="0"/>
+            </a:endParaRPr>
+          </a:p>
+        </p:txBody>
+      </p:sp>
+      <p:sp>
+        <p:nvSpPr>
+          <p:cNvPr id="33" name="矩形: 圆角 32">
+            <a:extLst>
+              <a:ext uri="{FF2B5EF4-FFF2-40B4-BE49-F238E27FC236}">
+                <a16:creationId xmlns:a16="http://schemas.microsoft.com/office/drawing/2014/main" id="{82CEC01C-E1A0-4C1C-9B12-2B512BF7C25B}"/>
+              </a:ext>
+            </a:extLst>
+          </p:cNvPr>
+          <p:cNvSpPr/>
+          <p:nvPr/>
+        </p:nvSpPr>
+        <p:spPr>
+          <a:xfrm>
+            <a:off x="4382839" y="3444072"/>
+            <a:ext cx="1332000" cy="576000"/>
+          </a:xfrm>
+          <a:prstGeom prst="roundRect">
+            <a:avLst/>
+          </a:prstGeom>
+          <a:solidFill>
+            <a:schemeClr val="bg2">
+              <a:lumMod val="90000"/>
+            </a:schemeClr>
+          </a:solidFill>
+          <a:ln w="19050">
+            <a:solidFill>
+              <a:schemeClr val="tx1"/>
+            </a:solidFill>
+          </a:ln>
+        </p:spPr>
+        <p:style>
+          <a:lnRef idx="2">
+            <a:schemeClr val="accent1">
+              <a:shade val="50000"/>
+            </a:schemeClr>
+          </a:lnRef>
+          <a:fillRef idx="1">
+            <a:schemeClr val="accent1"/>
+          </a:fillRef>
+          <a:effectRef idx="0">
+            <a:schemeClr val="accent1"/>
+          </a:effectRef>
+          <a:fontRef idx="minor">
+            <a:schemeClr val="lt1"/>
+          </a:fontRef>
+        </p:style>
+        <p:txBody>
+          <a:bodyPr rtlCol="0" anchor="ctr"/>
+          <a:lstStyle/>
+          <a:p>
+            <a:pPr algn="ctr"/>
+            <a:r>
+              <a:rPr lang="en-US" altLang="zh-CN" sz="1600" dirty="0">
+                <a:solidFill>
+                  <a:schemeClr val="tx1"/>
+                </a:solidFill>
+                <a:latin typeface="Times New Roman" panose="02020603050405020304" pitchFamily="18" charset="0"/>
+                <a:cs typeface="Times New Roman" panose="02020603050405020304" pitchFamily="18" charset="0"/>
+              </a:rPr>
+              <a:t>Time-scale</a:t>
+            </a:r>
+          </a:p>
+          <a:p>
+            <a:pPr algn="ctr"/>
+            <a:r>
+              <a:rPr lang="en-US" altLang="zh-CN" sz="1600" dirty="0">
+                <a:solidFill>
+                  <a:schemeClr val="tx1"/>
+                </a:solidFill>
+                <a:latin typeface="Times New Roman" panose="02020603050405020304" pitchFamily="18" charset="0"/>
+                <a:cs typeface="Times New Roman" panose="02020603050405020304" pitchFamily="18" charset="0"/>
+              </a:rPr>
+              <a:t>Modification</a:t>
+            </a:r>
+            <a:endParaRPr lang="zh-CN" altLang="en-US" sz="1600" dirty="0">
+              <a:solidFill>
+                <a:schemeClr val="tx1"/>
+              </a:solidFill>
+              <a:latin typeface="Times New Roman" panose="02020603050405020304" pitchFamily="18" charset="0"/>
+              <a:cs typeface="Times New Roman" panose="02020603050405020304" pitchFamily="18" charset="0"/>
+            </a:endParaRPr>
+          </a:p>
+        </p:txBody>
+      </p:sp>
+      <p:sp>
+        <p:nvSpPr>
+          <p:cNvPr id="34" name="矩形 33">
+            <a:extLst>
+              <a:ext uri="{FF2B5EF4-FFF2-40B4-BE49-F238E27FC236}">
+                <a16:creationId xmlns:a16="http://schemas.microsoft.com/office/drawing/2014/main" id="{DD2CD78A-E2C6-4843-BBAF-8FDE15617785}"/>
+              </a:ext>
+            </a:extLst>
+          </p:cNvPr>
+          <p:cNvSpPr/>
+          <p:nvPr/>
+        </p:nvSpPr>
+        <p:spPr>
+          <a:xfrm>
+            <a:off x="9062750" y="3444072"/>
+            <a:ext cx="1440000" cy="576000"/>
+          </a:xfrm>
+          <a:prstGeom prst="rect">
+            <a:avLst/>
+          </a:prstGeom>
+          <a:noFill/>
+          <a:ln w="19050" cap="flat" cmpd="sng" algn="ctr">
+            <a:solidFill>
+              <a:srgbClr val="202731">
+                <a:shade val="50000"/>
+              </a:srgbClr>
+            </a:solidFill>
+            <a:prstDash val="solid"/>
+          </a:ln>
+          <a:effectLst/>
+        </p:spPr>
+        <p:txBody>
+          <a:bodyPr rtlCol="0" anchor="ctr"/>
+          <a:lstStyle/>
+          <a:p>
+            <a:pPr marL="0" marR="0" lvl="0" indent="0" algn="ctr" defTabSz="914400" eaLnBrk="1" fontAlgn="auto" latinLnBrk="0" hangingPunct="1">
+              <a:lnSpc>
+                <a:spcPct val="100000"/>
+              </a:lnSpc>
+              <a:spcBef>
+                <a:spcPts val="0"/>
+              </a:spcBef>
+              <a:spcAft>
+                <a:spcPts val="0"/>
+              </a:spcAft>
+              <a:buClrTx/>
+              <a:buSzTx/>
+              <a:buFontTx/>
+              <a:buNone/>
+              <a:tabLst/>
+              <a:defRPr/>
+            </a:pPr>
+            <a:r>
+              <a:rPr lang="en-US" altLang="zh-CN" sz="1600" kern="0" dirty="0">
+                <a:solidFill>
+                  <a:prstClr val="black"/>
+                </a:solidFill>
+                <a:latin typeface="Times New Roman" panose="02020603050405020304" pitchFamily="18" charset="0"/>
+                <a:ea typeface="华文新魏" panose="02010800040101010101" pitchFamily="2" charset="-122"/>
+                <a:cs typeface="Times New Roman" panose="02020603050405020304" pitchFamily="18" charset="0"/>
+              </a:rPr>
+              <a:t>Targeted result</a:t>
+            </a:r>
+            <a:endParaRPr kumimoji="0" lang="zh-CN" altLang="en-US" sz="1600" b="0" i="0" u="none" strike="noStrike" kern="0" cap="none" spc="0" normalizeH="0" baseline="0" noProof="0" dirty="0">
+              <a:ln>
+                <a:noFill/>
+              </a:ln>
+              <a:solidFill>
+                <a:prstClr val="black"/>
+              </a:solidFill>
+              <a:effectLst/>
+              <a:uLnTx/>
+              <a:uFillTx/>
+              <a:latin typeface="Times New Roman" panose="02020603050405020304" pitchFamily="18" charset="0"/>
+              <a:ea typeface="华文新魏" panose="02010800040101010101" pitchFamily="2" charset="-122"/>
+              <a:cs typeface="Times New Roman" panose="02020603050405020304" pitchFamily="18" charset="0"/>
+            </a:endParaRPr>
+          </a:p>
+        </p:txBody>
+      </p:sp>
+      <p:sp>
+        <p:nvSpPr>
+          <p:cNvPr id="39" name="矩形: 圆角 38">
+            <a:extLst>
+              <a:ext uri="{FF2B5EF4-FFF2-40B4-BE49-F238E27FC236}">
+                <a16:creationId xmlns:a16="http://schemas.microsoft.com/office/drawing/2014/main" id="{76E86C9F-8333-4AB2-B0DE-8CC9D7966559}"/>
+              </a:ext>
+            </a:extLst>
+          </p:cNvPr>
+          <p:cNvSpPr/>
+          <p:nvPr/>
+        </p:nvSpPr>
+        <p:spPr>
+          <a:xfrm>
+            <a:off x="2643931" y="3279964"/>
+            <a:ext cx="6100020" cy="1087801"/>
+          </a:xfrm>
+          <a:prstGeom prst="roundRect">
+            <a:avLst/>
+          </a:prstGeom>
+          <a:noFill/>
+          <a:ln w="19050">
+            <a:solidFill>
+              <a:schemeClr val="tx1"/>
+            </a:solidFill>
+            <a:prstDash val="dash"/>
+          </a:ln>
+        </p:spPr>
+        <p:style>
+          <a:lnRef idx="2">
+            <a:schemeClr val="accent1">
+              <a:shade val="50000"/>
+            </a:schemeClr>
+          </a:lnRef>
+          <a:fillRef idx="1">
+            <a:schemeClr val="accent1"/>
+          </a:fillRef>
+          <a:effectRef idx="0">
+            <a:schemeClr val="accent1"/>
+          </a:effectRef>
+          <a:fontRef idx="minor">
+            <a:schemeClr val="lt1"/>
+          </a:fontRef>
+        </p:style>
+        <p:txBody>
+          <a:bodyPr rtlCol="0" anchor="ctr"/>
+          <a:lstStyle/>
+          <a:p>
+            <a:pPr algn="ctr"/>
+            <a:endParaRPr lang="zh-CN" altLang="en-US" dirty="0">
+              <a:solidFill>
+                <a:schemeClr val="tx1"/>
+              </a:solidFill>
+              <a:latin typeface="Times New Roman" panose="02020603050405020304" pitchFamily="18" charset="0"/>
+              <a:cs typeface="Times New Roman" panose="02020603050405020304" pitchFamily="18" charset="0"/>
+            </a:endParaRPr>
+          </a:p>
+        </p:txBody>
+      </p:sp>
+      <p:sp>
+        <p:nvSpPr>
+          <p:cNvPr id="40" name="矩形 39">
+            <a:extLst>
+              <a:ext uri="{FF2B5EF4-FFF2-40B4-BE49-F238E27FC236}">
+                <a16:creationId xmlns:a16="http://schemas.microsoft.com/office/drawing/2014/main" id="{A8E6650A-1B4E-4571-BD0E-F59CE3DA5EF5}"/>
+              </a:ext>
+            </a:extLst>
+          </p:cNvPr>
+          <p:cNvSpPr/>
+          <p:nvPr/>
+        </p:nvSpPr>
+        <p:spPr>
+          <a:xfrm>
+            <a:off x="4305684" y="4367767"/>
+            <a:ext cx="2595647" cy="369332"/>
+          </a:xfrm>
+          <a:prstGeom prst="rect">
+            <a:avLst/>
+          </a:prstGeom>
+        </p:spPr>
+        <p:txBody>
+          <a:bodyPr wrap="none">
+            <a:spAutoFit/>
+          </a:bodyPr>
+          <a:lstStyle/>
+          <a:p>
+            <a:pPr algn="ctr"/>
+            <a:r>
+              <a:rPr lang="en-US" altLang="zh-CN" dirty="0">
+                <a:latin typeface="Times New Roman" panose="02020603050405020304" pitchFamily="18" charset="0"/>
+                <a:cs typeface="Times New Roman" panose="02020603050405020304" pitchFamily="18" charset="0"/>
+              </a:rPr>
+              <a:t>GA-based AEs generation</a:t>
+            </a:r>
+            <a:endParaRPr lang="zh-CN" altLang="en-US" dirty="0">
+              <a:solidFill>
+                <a:schemeClr val="tx1"/>
+              </a:solidFill>
+              <a:latin typeface="Times New Roman" panose="02020603050405020304" pitchFamily="18" charset="0"/>
+              <a:cs typeface="Times New Roman" panose="02020603050405020304" pitchFamily="18" charset="0"/>
+            </a:endParaRPr>
+          </a:p>
+        </p:txBody>
+      </p:sp>
+      <p:cxnSp>
+        <p:nvCxnSpPr>
+          <p:cNvPr id="36" name="直接箭头连接符 35">
+            <a:extLst>
+              <a:ext uri="{FF2B5EF4-FFF2-40B4-BE49-F238E27FC236}">
+                <a16:creationId xmlns:a16="http://schemas.microsoft.com/office/drawing/2014/main" id="{122956BF-A7E8-4E8D-BA38-11490AAB9A66}"/>
+              </a:ext>
+            </a:extLst>
+          </p:cNvPr>
+          <p:cNvCxnSpPr>
+            <a:cxnSpLocks/>
+            <a:stCxn id="5" idx="3"/>
+            <a:endCxn id="61" idx="1"/>
+          </p:cNvCxnSpPr>
+          <p:nvPr/>
+        </p:nvCxnSpPr>
+        <p:spPr>
+          <a:xfrm>
+            <a:off x="2437092" y="3732072"/>
+            <a:ext cx="392720" cy="0"/>
+          </a:xfrm>
+          <a:prstGeom prst="straightConnector1">
+            <a:avLst/>
+          </a:prstGeom>
+          <a:ln w="19050">
+            <a:solidFill>
+              <a:schemeClr val="tx1"/>
+            </a:solidFill>
+            <a:tailEnd type="triangle"/>
+          </a:ln>
+        </p:spPr>
+        <p:style>
+          <a:lnRef idx="1">
+            <a:schemeClr val="accent1"/>
+          </a:lnRef>
+          <a:fillRef idx="0">
+            <a:schemeClr val="accent1"/>
+          </a:fillRef>
+          <a:effectRef idx="0">
+            <a:schemeClr val="accent1"/>
+          </a:effectRef>
+          <a:fontRef idx="minor">
+            <a:schemeClr val="tx1"/>
+          </a:fontRef>
+        </p:style>
+      </p:cxnSp>
+      <p:cxnSp>
+        <p:nvCxnSpPr>
+          <p:cNvPr id="54" name="直接箭头连接符 53">
+            <a:extLst>
+              <a:ext uri="{FF2B5EF4-FFF2-40B4-BE49-F238E27FC236}">
+                <a16:creationId xmlns:a16="http://schemas.microsoft.com/office/drawing/2014/main" id="{9244C9CC-5D61-42C5-8D47-8E1D723973B7}"/>
+              </a:ext>
+            </a:extLst>
+          </p:cNvPr>
+          <p:cNvCxnSpPr>
+            <a:cxnSpLocks/>
+            <a:stCxn id="52" idx="3"/>
+            <a:endCxn id="29" idx="1"/>
+          </p:cNvCxnSpPr>
+          <p:nvPr/>
+        </p:nvCxnSpPr>
+        <p:spPr>
+          <a:xfrm>
+            <a:off x="7231866" y="3732072"/>
+            <a:ext cx="523109" cy="0"/>
+          </a:xfrm>
+          <a:prstGeom prst="straightConnector1">
+            <a:avLst/>
+          </a:prstGeom>
+          <a:ln w="19050">
+            <a:solidFill>
+              <a:schemeClr val="tx1"/>
+            </a:solidFill>
+            <a:tailEnd type="triangle"/>
+          </a:ln>
+        </p:spPr>
+        <p:style>
+          <a:lnRef idx="1">
+            <a:schemeClr val="accent1"/>
+          </a:lnRef>
+          <a:fillRef idx="0">
+            <a:schemeClr val="accent1"/>
+          </a:fillRef>
+          <a:effectRef idx="0">
+            <a:schemeClr val="accent1"/>
+          </a:effectRef>
+          <a:fontRef idx="minor">
+            <a:schemeClr val="tx1"/>
+          </a:fontRef>
+        </p:style>
+      </p:cxnSp>
+      <p:sp>
+        <p:nvSpPr>
+          <p:cNvPr id="61" name="矩形: 圆角 60">
+            <a:extLst>
+              <a:ext uri="{FF2B5EF4-FFF2-40B4-BE49-F238E27FC236}">
+                <a16:creationId xmlns:a16="http://schemas.microsoft.com/office/drawing/2014/main" id="{A41F411C-C50D-4730-AE36-231FB8D257C3}"/>
+              </a:ext>
+            </a:extLst>
+          </p:cNvPr>
+          <p:cNvSpPr/>
+          <p:nvPr/>
+        </p:nvSpPr>
+        <p:spPr>
+          <a:xfrm>
+            <a:off x="2829812" y="3444072"/>
+            <a:ext cx="1332000" cy="576000"/>
+          </a:xfrm>
+          <a:prstGeom prst="roundRect">
+            <a:avLst/>
+          </a:prstGeom>
+          <a:solidFill>
+            <a:schemeClr val="bg2">
+              <a:lumMod val="90000"/>
+            </a:schemeClr>
+          </a:solidFill>
+          <a:ln w="19050">
+            <a:solidFill>
+              <a:schemeClr val="tx1"/>
+            </a:solidFill>
+          </a:ln>
+        </p:spPr>
+        <p:style>
+          <a:lnRef idx="2">
+            <a:schemeClr val="accent1">
+              <a:shade val="50000"/>
+            </a:schemeClr>
+          </a:lnRef>
+          <a:fillRef idx="1">
+            <a:schemeClr val="accent1"/>
+          </a:fillRef>
+          <a:effectRef idx="0">
+            <a:schemeClr val="accent1"/>
+          </a:effectRef>
+          <a:fontRef idx="minor">
+            <a:schemeClr val="lt1"/>
+          </a:fontRef>
+        </p:style>
+        <p:txBody>
+          <a:bodyPr rtlCol="0" anchor="ctr"/>
+          <a:lstStyle/>
+          <a:p>
+            <a:pPr algn="ctr"/>
+            <a:r>
+              <a:rPr lang="en-US" altLang="zh-CN" sz="1600" dirty="0">
+                <a:solidFill>
+                  <a:schemeClr val="tx1"/>
+                </a:solidFill>
+                <a:latin typeface="Times New Roman" panose="02020603050405020304" pitchFamily="18" charset="0"/>
+                <a:cs typeface="Times New Roman" panose="02020603050405020304" pitchFamily="18" charset="0"/>
+              </a:rPr>
+              <a:t>Segmentation</a:t>
+            </a:r>
+            <a:endParaRPr lang="zh-CN" altLang="en-US" sz="1600" dirty="0">
+              <a:solidFill>
+                <a:schemeClr val="tx1"/>
+              </a:solidFill>
+              <a:latin typeface="Times New Roman" panose="02020603050405020304" pitchFamily="18" charset="0"/>
+              <a:cs typeface="Times New Roman" panose="02020603050405020304" pitchFamily="18" charset="0"/>
+            </a:endParaRPr>
+          </a:p>
+        </p:txBody>
+      </p:sp>
+      <p:sp>
+        <p:nvSpPr>
+          <p:cNvPr id="52" name="矩形: 圆角 51">
+            <a:extLst>
+              <a:ext uri="{FF2B5EF4-FFF2-40B4-BE49-F238E27FC236}">
+                <a16:creationId xmlns:a16="http://schemas.microsoft.com/office/drawing/2014/main" id="{38F4CEE9-1B06-4AA3-93C4-71C3CDE2B919}"/>
+              </a:ext>
+            </a:extLst>
+          </p:cNvPr>
+          <p:cNvSpPr/>
+          <p:nvPr/>
+        </p:nvSpPr>
+        <p:spPr>
+          <a:xfrm>
+            <a:off x="5935866" y="3444072"/>
+            <a:ext cx="1296000" cy="576000"/>
+          </a:xfrm>
+          <a:prstGeom prst="roundRect">
+            <a:avLst/>
+          </a:prstGeom>
+          <a:solidFill>
+            <a:schemeClr val="bg2">
+              <a:lumMod val="90000"/>
+            </a:schemeClr>
+          </a:solidFill>
+          <a:ln w="19050">
+            <a:solidFill>
+              <a:schemeClr val="tx1"/>
+            </a:solidFill>
+          </a:ln>
+        </p:spPr>
+        <p:style>
+          <a:lnRef idx="2">
+            <a:schemeClr val="accent1">
+              <a:shade val="50000"/>
+            </a:schemeClr>
+          </a:lnRef>
+          <a:fillRef idx="1">
+            <a:schemeClr val="accent1"/>
+          </a:fillRef>
+          <a:effectRef idx="0">
+            <a:schemeClr val="accent1"/>
+          </a:effectRef>
+          <a:fontRef idx="minor">
+            <a:schemeClr val="lt1"/>
+          </a:fontRef>
+        </p:style>
+        <p:txBody>
+          <a:bodyPr rtlCol="0" anchor="ctr"/>
+          <a:lstStyle/>
+          <a:p>
+            <a:pPr algn="ctr"/>
+            <a:r>
+              <a:rPr lang="en-US" altLang="zh-CN" sz="1600" dirty="0">
+                <a:solidFill>
+                  <a:schemeClr val="tx1"/>
+                </a:solidFill>
+                <a:latin typeface="Times New Roman" panose="02020603050405020304" pitchFamily="18" charset="0"/>
+                <a:cs typeface="Times New Roman" panose="02020603050405020304" pitchFamily="18" charset="0"/>
+              </a:rPr>
+              <a:t>GA Search</a:t>
+            </a:r>
+            <a:endParaRPr lang="zh-CN" altLang="en-US" sz="1600" dirty="0">
+              <a:solidFill>
+                <a:schemeClr val="tx1"/>
+              </a:solidFill>
+              <a:latin typeface="Times New Roman" panose="02020603050405020304" pitchFamily="18" charset="0"/>
+              <a:cs typeface="Times New Roman" panose="02020603050405020304" pitchFamily="18" charset="0"/>
+            </a:endParaRPr>
+          </a:p>
+        </p:txBody>
+      </p:sp>
+      <p:cxnSp>
+        <p:nvCxnSpPr>
+          <p:cNvPr id="70" name="连接符: 肘形 69">
+            <a:extLst>
+              <a:ext uri="{FF2B5EF4-FFF2-40B4-BE49-F238E27FC236}">
+                <a16:creationId xmlns:a16="http://schemas.microsoft.com/office/drawing/2014/main" id="{785E31FC-2F22-4110-A1D5-8A624B9A545F}"/>
+              </a:ext>
+            </a:extLst>
+          </p:cNvPr>
+          <p:cNvCxnSpPr>
+            <a:cxnSpLocks/>
+            <a:stCxn id="29" idx="2"/>
+            <a:endCxn id="33" idx="2"/>
+          </p:cNvCxnSpPr>
+          <p:nvPr/>
+        </p:nvCxnSpPr>
+        <p:spPr>
+          <a:xfrm rot="5400000">
+            <a:off x="6599907" y="2469004"/>
+            <a:ext cx="12700" cy="3102136"/>
+          </a:xfrm>
+          <a:prstGeom prst="bentConnector3">
+            <a:avLst>
+              <a:gd name="adj1" fmla="val 1800000"/>
+            </a:avLst>
+          </a:prstGeom>
+          <a:ln w="19050">
+            <a:solidFill>
+              <a:schemeClr val="tx1"/>
+            </a:solidFill>
+            <a:tailEnd type="triangle"/>
+          </a:ln>
+        </p:spPr>
+        <p:style>
+          <a:lnRef idx="1">
+            <a:schemeClr val="accent1"/>
+          </a:lnRef>
+          <a:fillRef idx="0">
+            <a:schemeClr val="accent1"/>
+          </a:fillRef>
+          <a:effectRef idx="0">
+            <a:schemeClr val="accent1"/>
+          </a:effectRef>
+          <a:fontRef idx="minor">
+            <a:schemeClr val="tx1"/>
+          </a:fontRef>
+        </p:style>
+      </p:cxnSp>
+      <p:cxnSp>
+        <p:nvCxnSpPr>
+          <p:cNvPr id="73" name="直接箭头连接符 72">
+            <a:extLst>
+              <a:ext uri="{FF2B5EF4-FFF2-40B4-BE49-F238E27FC236}">
+                <a16:creationId xmlns:a16="http://schemas.microsoft.com/office/drawing/2014/main" id="{8020153C-D856-4823-A3EB-9F9569827490}"/>
+              </a:ext>
+            </a:extLst>
+          </p:cNvPr>
+          <p:cNvCxnSpPr>
+            <a:cxnSpLocks/>
+            <a:stCxn id="61" idx="3"/>
+            <a:endCxn id="33" idx="1"/>
+          </p:cNvCxnSpPr>
+          <p:nvPr/>
+        </p:nvCxnSpPr>
+        <p:spPr>
+          <a:xfrm>
+            <a:off x="4161812" y="3732072"/>
+            <a:ext cx="221027" cy="0"/>
+          </a:xfrm>
+          <a:prstGeom prst="straightConnector1">
+            <a:avLst/>
+          </a:prstGeom>
+          <a:ln w="19050">
+            <a:solidFill>
+              <a:schemeClr val="tx1"/>
+            </a:solidFill>
+            <a:tailEnd type="triangle"/>
+          </a:ln>
+        </p:spPr>
+        <p:style>
+          <a:lnRef idx="1">
+            <a:schemeClr val="accent1"/>
+          </a:lnRef>
+          <a:fillRef idx="0">
+            <a:schemeClr val="accent1"/>
+          </a:fillRef>
+          <a:effectRef idx="0">
+            <a:schemeClr val="accent1"/>
+          </a:effectRef>
+          <a:fontRef idx="minor">
+            <a:schemeClr val="tx1"/>
+          </a:fontRef>
+        </p:style>
+      </p:cxnSp>
+      <p:cxnSp>
+        <p:nvCxnSpPr>
+          <p:cNvPr id="77" name="直接箭头连接符 76">
+            <a:extLst>
+              <a:ext uri="{FF2B5EF4-FFF2-40B4-BE49-F238E27FC236}">
+                <a16:creationId xmlns:a16="http://schemas.microsoft.com/office/drawing/2014/main" id="{1C109E4B-1142-41C5-8BD6-993425AC863C}"/>
+              </a:ext>
+            </a:extLst>
+          </p:cNvPr>
+          <p:cNvCxnSpPr>
+            <a:cxnSpLocks/>
+            <a:stCxn id="33" idx="3"/>
+            <a:endCxn id="52" idx="1"/>
+          </p:cNvCxnSpPr>
+          <p:nvPr/>
+        </p:nvCxnSpPr>
+        <p:spPr>
+          <a:xfrm>
+            <a:off x="5714839" y="3732072"/>
+            <a:ext cx="221027" cy="0"/>
+          </a:xfrm>
+          <a:prstGeom prst="straightConnector1">
+            <a:avLst/>
+          </a:prstGeom>
+          <a:ln w="19050">
+            <a:solidFill>
+              <a:schemeClr val="tx1"/>
+            </a:solidFill>
+            <a:tailEnd type="triangle"/>
+          </a:ln>
+        </p:spPr>
+        <p:style>
+          <a:lnRef idx="1">
+            <a:schemeClr val="accent1"/>
+          </a:lnRef>
+          <a:fillRef idx="0">
+            <a:schemeClr val="accent1"/>
+          </a:fillRef>
+          <a:effectRef idx="0">
+            <a:schemeClr val="accent1"/>
+          </a:effectRef>
+          <a:fontRef idx="minor">
+            <a:schemeClr val="tx1"/>
+          </a:fontRef>
+        </p:style>
+      </p:cxnSp>
+      <p:sp>
+        <p:nvSpPr>
+          <p:cNvPr id="99" name="文本框 98">
+            <a:extLst>
+              <a:ext uri="{FF2B5EF4-FFF2-40B4-BE49-F238E27FC236}">
+                <a16:creationId xmlns:a16="http://schemas.microsoft.com/office/drawing/2014/main" id="{92D90D8F-53C7-4FC2-9C05-5E94592178BF}"/>
+              </a:ext>
+            </a:extLst>
+          </p:cNvPr>
+          <p:cNvSpPr txBox="1"/>
+          <p:nvPr/>
+        </p:nvSpPr>
+        <p:spPr>
+          <a:xfrm>
+            <a:off x="8743951" y="3427061"/>
+            <a:ext cx="314510" cy="307777"/>
+          </a:xfrm>
+          <a:prstGeom prst="rect">
+            <a:avLst/>
+          </a:prstGeom>
+          <a:noFill/>
+        </p:spPr>
+        <p:txBody>
+          <a:bodyPr wrap="none" rtlCol="0">
+            <a:spAutoFit/>
+          </a:bodyPr>
+          <a:lstStyle/>
+          <a:p>
+            <a:r>
+              <a:rPr lang="en-US" altLang="zh-CN" sz="1400" dirty="0">
+                <a:latin typeface="Times New Roman" panose="02020603050405020304" pitchFamily="18" charset="0"/>
+                <a:cs typeface="Times New Roman" panose="02020603050405020304" pitchFamily="18" charset="0"/>
+              </a:rPr>
+              <a:t>Y</a:t>
+            </a:r>
+            <a:endParaRPr lang="zh-CN" altLang="en-US" sz="1400" dirty="0">
+              <a:latin typeface="Times New Roman" panose="02020603050405020304" pitchFamily="18" charset="0"/>
+              <a:cs typeface="Times New Roman" panose="02020603050405020304" pitchFamily="18" charset="0"/>
+            </a:endParaRPr>
+          </a:p>
+        </p:txBody>
+      </p:sp>
+      <p:sp>
+        <p:nvSpPr>
+          <p:cNvPr id="100" name="文本框 99">
+            <a:extLst>
+              <a:ext uri="{FF2B5EF4-FFF2-40B4-BE49-F238E27FC236}">
+                <a16:creationId xmlns:a16="http://schemas.microsoft.com/office/drawing/2014/main" id="{23CDEB1E-7093-4990-8E51-4C9F262073F8}"/>
+              </a:ext>
+            </a:extLst>
+          </p:cNvPr>
+          <p:cNvSpPr txBox="1"/>
+          <p:nvPr/>
+        </p:nvSpPr>
+        <p:spPr>
+          <a:xfrm>
+            <a:off x="6461419" y="3984083"/>
+            <a:ext cx="314510" cy="307777"/>
+          </a:xfrm>
+          <a:prstGeom prst="rect">
+            <a:avLst/>
+          </a:prstGeom>
+          <a:noFill/>
+        </p:spPr>
+        <p:txBody>
+          <a:bodyPr wrap="none" rtlCol="0">
+            <a:spAutoFit/>
+          </a:bodyPr>
+          <a:lstStyle/>
+          <a:p>
+            <a:r>
+              <a:rPr lang="en-US" altLang="zh-CN" sz="1400" dirty="0">
+                <a:latin typeface="Times New Roman" panose="02020603050405020304" pitchFamily="18" charset="0"/>
+                <a:cs typeface="Times New Roman" panose="02020603050405020304" pitchFamily="18" charset="0"/>
+              </a:rPr>
+              <a:t>N</a:t>
+            </a:r>
+            <a:endParaRPr lang="zh-CN" altLang="en-US" sz="1400" dirty="0">
+              <a:latin typeface="Times New Roman" panose="02020603050405020304" pitchFamily="18" charset="0"/>
+              <a:cs typeface="Times New Roman" panose="02020603050405020304" pitchFamily="18" charset="0"/>
+            </a:endParaRPr>
+          </a:p>
+        </p:txBody>
+      </p:sp>
+      <p:sp>
+        <p:nvSpPr>
+          <p:cNvPr id="29" name="矩形: 圆角 28">
+            <a:extLst>
+              <a:ext uri="{FF2B5EF4-FFF2-40B4-BE49-F238E27FC236}">
+                <a16:creationId xmlns:a16="http://schemas.microsoft.com/office/drawing/2014/main" id="{3A7BE8C5-7A87-40E0-8705-9D3BA6146F17}"/>
+              </a:ext>
+            </a:extLst>
+          </p:cNvPr>
+          <p:cNvSpPr/>
+          <p:nvPr/>
+        </p:nvSpPr>
+        <p:spPr>
+          <a:xfrm>
+            <a:off x="7754975" y="3444072"/>
+            <a:ext cx="792000" cy="576000"/>
+          </a:xfrm>
+          <a:prstGeom prst="roundRect">
+            <a:avLst>
+              <a:gd name="adj" fmla="val 0"/>
+            </a:avLst>
+          </a:prstGeom>
+          <a:solidFill>
+            <a:schemeClr val="bg1"/>
+          </a:solidFill>
+          <a:ln w="19050">
+            <a:solidFill>
+              <a:schemeClr val="tx1"/>
+            </a:solidFill>
+          </a:ln>
+        </p:spPr>
+        <p:style>
+          <a:lnRef idx="2">
+            <a:schemeClr val="accent1">
+              <a:shade val="50000"/>
+            </a:schemeClr>
+          </a:lnRef>
+          <a:fillRef idx="1">
+            <a:schemeClr val="accent1"/>
+          </a:fillRef>
+          <a:effectRef idx="0">
+            <a:schemeClr val="accent1"/>
+          </a:effectRef>
+          <a:fontRef idx="minor">
+            <a:schemeClr val="lt1"/>
+          </a:fontRef>
+        </p:style>
+        <p:txBody>
+          <a:bodyPr rtlCol="0" anchor="ctr"/>
+          <a:lstStyle/>
+          <a:p>
+            <a:pPr algn="ctr"/>
+            <a:r>
+              <a:rPr lang="en-US" altLang="zh-CN" sz="1600" dirty="0">
+                <a:solidFill>
+                  <a:schemeClr val="tx1"/>
+                </a:solidFill>
+                <a:latin typeface="Times New Roman" panose="02020603050405020304" pitchFamily="18" charset="0"/>
+                <a:cs typeface="Times New Roman" panose="02020603050405020304" pitchFamily="18" charset="0"/>
+              </a:rPr>
+              <a:t>ASR</a:t>
+            </a:r>
+            <a:endParaRPr lang="zh-CN" altLang="en-US" sz="1600" dirty="0">
+              <a:solidFill>
+                <a:schemeClr val="tx1"/>
+              </a:solidFill>
+              <a:latin typeface="Times New Roman" panose="02020603050405020304" pitchFamily="18" charset="0"/>
+              <a:cs typeface="Times New Roman" panose="02020603050405020304" pitchFamily="18" charset="0"/>
+            </a:endParaRPr>
+          </a:p>
+        </p:txBody>
+      </p:sp>
+      <p:cxnSp>
+        <p:nvCxnSpPr>
+          <p:cNvPr id="16" name="直接箭头连接符 15">
+            <a:extLst>
+              <a:ext uri="{FF2B5EF4-FFF2-40B4-BE49-F238E27FC236}">
+                <a16:creationId xmlns:a16="http://schemas.microsoft.com/office/drawing/2014/main" id="{13E4C8BB-F541-457F-9DAE-332C4682191E}"/>
+              </a:ext>
+            </a:extLst>
+          </p:cNvPr>
+          <p:cNvCxnSpPr>
+            <a:stCxn id="29" idx="3"/>
+            <a:endCxn id="34" idx="1"/>
+          </p:cNvCxnSpPr>
+          <p:nvPr/>
+        </p:nvCxnSpPr>
+        <p:spPr>
+          <a:xfrm>
+            <a:off x="8546975" y="3732072"/>
+            <a:ext cx="515775" cy="0"/>
+          </a:xfrm>
+          <a:prstGeom prst="straightConnector1">
+            <a:avLst/>
+          </a:prstGeom>
+          <a:ln w="19050">
+            <a:solidFill>
+              <a:schemeClr val="tx1"/>
+            </a:solidFill>
+            <a:tailEnd type="triangle"/>
+          </a:ln>
+        </p:spPr>
+        <p:style>
+          <a:lnRef idx="1">
+            <a:schemeClr val="accent1"/>
+          </a:lnRef>
+          <a:fillRef idx="0">
+            <a:schemeClr val="accent1"/>
+          </a:fillRef>
+          <a:effectRef idx="0">
+            <a:schemeClr val="accent1"/>
+          </a:effectRef>
+          <a:fontRef idx="minor">
+            <a:schemeClr val="tx1"/>
+          </a:fontRef>
+        </p:style>
+      </p:cxnSp>
+      <p:sp>
+        <p:nvSpPr>
+          <p:cNvPr id="85" name="文本框 84">
+            <a:extLst>
+              <a:ext uri="{FF2B5EF4-FFF2-40B4-BE49-F238E27FC236}">
+                <a16:creationId xmlns:a16="http://schemas.microsoft.com/office/drawing/2014/main" id="{F89BC152-BDB1-4E3C-85C2-193226CBEEFE}"/>
+              </a:ext>
+            </a:extLst>
+          </p:cNvPr>
+          <p:cNvSpPr txBox="1"/>
+          <p:nvPr/>
+        </p:nvSpPr>
+        <p:spPr>
+          <a:xfrm>
+            <a:off x="7246398" y="3327250"/>
+            <a:ext cx="494045" cy="376834"/>
+          </a:xfrm>
+          <a:prstGeom prst="rect">
+            <a:avLst/>
+          </a:prstGeom>
+          <a:noFill/>
+        </p:spPr>
+        <p:txBody>
+          <a:bodyPr wrap="none" rtlCol="0">
+            <a:spAutoFit/>
+          </a:bodyPr>
+          <a:lstStyle/>
+          <a:p>
+            <a:pPr algn="ctr">
+              <a:lnSpc>
+                <a:spcPct val="150000"/>
+              </a:lnSpc>
+            </a:pPr>
+            <a:r>
+              <a:rPr lang="en-US" altLang="zh-CN" sz="1400" dirty="0">
+                <a:latin typeface="Times New Roman" panose="02020603050405020304" pitchFamily="18" charset="0"/>
+                <a:cs typeface="Times New Roman" panose="02020603050405020304" pitchFamily="18" charset="0"/>
+              </a:rPr>
+              <a:t>AEs</a:t>
+            </a:r>
+            <a:endParaRPr lang="zh-CN" altLang="en-US" sz="1400" dirty="0">
+              <a:latin typeface="Times New Roman" panose="02020603050405020304" pitchFamily="18" charset="0"/>
+              <a:cs typeface="Times New Roman" panose="02020603050405020304" pitchFamily="18" charset="0"/>
+            </a:endParaRPr>
+          </a:p>
+        </p:txBody>
+      </p:sp>
+      <p:sp>
+        <p:nvSpPr>
+          <p:cNvPr id="32" name="矩形 31">
+            <a:extLst>
+              <a:ext uri="{FF2B5EF4-FFF2-40B4-BE49-F238E27FC236}">
+                <a16:creationId xmlns:a16="http://schemas.microsoft.com/office/drawing/2014/main" id="{7019F16C-1611-4B2C-A601-9ECF7A3CDE99}"/>
+              </a:ext>
+            </a:extLst>
+          </p:cNvPr>
+          <p:cNvSpPr/>
+          <p:nvPr/>
+        </p:nvSpPr>
+        <p:spPr>
+          <a:xfrm>
+            <a:off x="2376235" y="1755998"/>
+            <a:ext cx="1440000" cy="432000"/>
+          </a:xfrm>
+          <a:prstGeom prst="rect">
+            <a:avLst/>
+          </a:prstGeom>
+          <a:noFill/>
+          <a:ln w="19050" cap="flat" cmpd="sng" algn="ctr">
+            <a:solidFill>
+              <a:srgbClr val="202731">
+                <a:shade val="50000"/>
+              </a:srgbClr>
+            </a:solidFill>
+            <a:prstDash val="solid"/>
+          </a:ln>
+          <a:effectLst/>
+        </p:spPr>
+        <p:txBody>
+          <a:bodyPr rtlCol="0" anchor="ctr"/>
+          <a:lstStyle/>
+          <a:p>
+            <a:pPr marL="0" marR="0" lvl="0" indent="0" algn="ctr" defTabSz="914400" eaLnBrk="1" fontAlgn="auto" latinLnBrk="0" hangingPunct="1">
+              <a:lnSpc>
+                <a:spcPct val="100000"/>
+              </a:lnSpc>
+              <a:spcBef>
+                <a:spcPts val="0"/>
+              </a:spcBef>
+              <a:spcAft>
+                <a:spcPts val="0"/>
+              </a:spcAft>
+              <a:buClrTx/>
+              <a:buSzTx/>
+              <a:buFontTx/>
+              <a:buNone/>
+              <a:tabLst/>
+              <a:defRPr/>
+            </a:pPr>
+            <a:r>
+              <a:rPr lang="en-US" altLang="zh-CN" sz="1600" kern="0" dirty="0">
+                <a:solidFill>
+                  <a:prstClr val="black"/>
+                </a:solidFill>
+                <a:latin typeface="Times New Roman" panose="02020603050405020304" pitchFamily="18" charset="0"/>
+                <a:ea typeface="华文新魏" panose="02010800040101010101" pitchFamily="2" charset="-122"/>
+                <a:cs typeface="Times New Roman" panose="02020603050405020304" pitchFamily="18" charset="0"/>
+              </a:rPr>
+              <a:t>Targeted text</a:t>
+            </a:r>
+            <a:endParaRPr kumimoji="0" lang="zh-CN" altLang="en-US" sz="1600" b="0" i="0" u="none" strike="noStrike" kern="0" cap="none" spc="0" normalizeH="0" baseline="0" noProof="0" dirty="0">
+              <a:ln>
+                <a:noFill/>
+              </a:ln>
+              <a:solidFill>
+                <a:prstClr val="black"/>
+              </a:solidFill>
+              <a:effectLst/>
+              <a:uLnTx/>
+              <a:uFillTx/>
+              <a:latin typeface="Times New Roman" panose="02020603050405020304" pitchFamily="18" charset="0"/>
+              <a:ea typeface="华文新魏" panose="02010800040101010101" pitchFamily="2" charset="-122"/>
+              <a:cs typeface="Times New Roman" panose="02020603050405020304" pitchFamily="18" charset="0"/>
+            </a:endParaRPr>
+          </a:p>
+        </p:txBody>
+      </p:sp>
+      <p:cxnSp>
+        <p:nvCxnSpPr>
+          <p:cNvPr id="9" name="直接箭头连接符 8">
+            <a:extLst>
+              <a:ext uri="{FF2B5EF4-FFF2-40B4-BE49-F238E27FC236}">
+                <a16:creationId xmlns:a16="http://schemas.microsoft.com/office/drawing/2014/main" id="{0525AFBB-CDC3-4C1A-BE84-770285B1D6F9}"/>
+              </a:ext>
+            </a:extLst>
+          </p:cNvPr>
+          <p:cNvCxnSpPr>
+            <a:cxnSpLocks/>
+          </p:cNvCxnSpPr>
+          <p:nvPr/>
+        </p:nvCxnSpPr>
+        <p:spPr>
+          <a:xfrm>
+            <a:off x="3816235" y="2763999"/>
+            <a:ext cx="1133208" cy="0"/>
+          </a:xfrm>
+          <a:prstGeom prst="straightConnector1">
+            <a:avLst/>
+          </a:prstGeom>
+          <a:ln w="19050">
+            <a:solidFill>
+              <a:schemeClr val="tx1"/>
+            </a:solidFill>
+            <a:tailEnd type="triangle"/>
+          </a:ln>
+        </p:spPr>
+        <p:style>
+          <a:lnRef idx="1">
+            <a:schemeClr val="accent1"/>
+          </a:lnRef>
+          <a:fillRef idx="0">
+            <a:schemeClr val="accent1"/>
+          </a:fillRef>
+          <a:effectRef idx="0">
+            <a:schemeClr val="accent1"/>
+          </a:effectRef>
+          <a:fontRef idx="minor">
+            <a:schemeClr val="tx1"/>
+          </a:fontRef>
+        </p:style>
+      </p:cxnSp>
+      <p:cxnSp>
+        <p:nvCxnSpPr>
+          <p:cNvPr id="41" name="直接箭头连接符 40">
+            <a:extLst>
+              <a:ext uri="{FF2B5EF4-FFF2-40B4-BE49-F238E27FC236}">
+                <a16:creationId xmlns:a16="http://schemas.microsoft.com/office/drawing/2014/main" id="{7993708B-D1A2-4484-874D-53B98EBC537E}"/>
+              </a:ext>
+            </a:extLst>
+          </p:cNvPr>
+          <p:cNvCxnSpPr>
+            <a:cxnSpLocks/>
+          </p:cNvCxnSpPr>
+          <p:nvPr/>
+        </p:nvCxnSpPr>
+        <p:spPr>
+          <a:xfrm>
+            <a:off x="3816235" y="2015444"/>
+            <a:ext cx="1133208" cy="0"/>
+          </a:xfrm>
+          <a:prstGeom prst="straightConnector1">
+            <a:avLst/>
+          </a:prstGeom>
+          <a:ln w="19050">
+            <a:solidFill>
+              <a:schemeClr val="tx1"/>
+            </a:solidFill>
+            <a:tailEnd type="triangle"/>
+          </a:ln>
+        </p:spPr>
+        <p:style>
+          <a:lnRef idx="1">
+            <a:schemeClr val="accent1"/>
+          </a:lnRef>
+          <a:fillRef idx="0">
+            <a:schemeClr val="accent1"/>
+          </a:fillRef>
+          <a:effectRef idx="0">
+            <a:schemeClr val="accent1"/>
+          </a:effectRef>
+          <a:fontRef idx="minor">
+            <a:schemeClr val="tx1"/>
+          </a:fontRef>
+        </p:style>
+      </p:cxnSp>
+      <p:sp>
+        <p:nvSpPr>
+          <p:cNvPr id="37" name="矩形 36">
+            <a:extLst>
+              <a:ext uri="{FF2B5EF4-FFF2-40B4-BE49-F238E27FC236}">
+                <a16:creationId xmlns:a16="http://schemas.microsoft.com/office/drawing/2014/main" id="{31EC3205-B83E-4D5B-BC8C-E4CF1A966DDF}"/>
+              </a:ext>
+            </a:extLst>
+          </p:cNvPr>
+          <p:cNvSpPr/>
+          <p:nvPr/>
+        </p:nvSpPr>
+        <p:spPr>
+          <a:xfrm>
+            <a:off x="2376235" y="2331999"/>
+            <a:ext cx="1440000" cy="432000"/>
+          </a:xfrm>
+          <a:prstGeom prst="rect">
+            <a:avLst/>
+          </a:prstGeom>
+          <a:noFill/>
+          <a:ln w="19050" cap="flat" cmpd="sng" algn="ctr">
+            <a:solidFill>
+              <a:srgbClr val="202731">
+                <a:shade val="50000"/>
+              </a:srgbClr>
+            </a:solidFill>
+            <a:prstDash val="solid"/>
+          </a:ln>
+          <a:effectLst/>
+        </p:spPr>
+        <p:txBody>
+          <a:bodyPr rtlCol="0" anchor="ctr"/>
+          <a:lstStyle/>
+          <a:p>
+            <a:pPr marL="0" marR="0" lvl="0" indent="0" algn="ctr" defTabSz="914400" eaLnBrk="1" fontAlgn="auto" latinLnBrk="0" hangingPunct="1">
+              <a:lnSpc>
+                <a:spcPct val="100000"/>
+              </a:lnSpc>
+              <a:spcBef>
+                <a:spcPts val="0"/>
+              </a:spcBef>
+              <a:spcAft>
+                <a:spcPts val="0"/>
+              </a:spcAft>
+              <a:buClrTx/>
+              <a:buSzTx/>
+              <a:buFontTx/>
+              <a:buNone/>
+              <a:tabLst/>
+              <a:defRPr/>
+            </a:pPr>
+            <a:r>
+              <a:rPr lang="en-US" altLang="zh-CN" sz="1600" kern="0" dirty="0">
+                <a:solidFill>
+                  <a:prstClr val="black"/>
+                </a:solidFill>
+                <a:latin typeface="Times New Roman" panose="02020603050405020304" pitchFamily="18" charset="0"/>
+                <a:ea typeface="华文新魏" panose="02010800040101010101" pitchFamily="2" charset="-122"/>
+                <a:cs typeface="Times New Roman" panose="02020603050405020304" pitchFamily="18" charset="0"/>
+              </a:rPr>
+              <a:t>Original text</a:t>
+            </a:r>
+            <a:endParaRPr kumimoji="0" lang="zh-CN" altLang="en-US" sz="1600" b="0" i="0" u="none" strike="noStrike" kern="0" cap="none" spc="0" normalizeH="0" baseline="0" noProof="0" dirty="0">
+              <a:ln>
+                <a:noFill/>
+              </a:ln>
+              <a:solidFill>
+                <a:prstClr val="black"/>
+              </a:solidFill>
+              <a:effectLst/>
+              <a:uLnTx/>
+              <a:uFillTx/>
+              <a:latin typeface="Times New Roman" panose="02020603050405020304" pitchFamily="18" charset="0"/>
+              <a:ea typeface="华文新魏" panose="02010800040101010101" pitchFamily="2" charset="-122"/>
+              <a:cs typeface="Times New Roman" panose="02020603050405020304" pitchFamily="18" charset="0"/>
+            </a:endParaRPr>
+          </a:p>
+        </p:txBody>
+      </p:sp>
+      <p:cxnSp>
+        <p:nvCxnSpPr>
+          <p:cNvPr id="38" name="直接箭头连接符 37">
+            <a:extLst>
+              <a:ext uri="{FF2B5EF4-FFF2-40B4-BE49-F238E27FC236}">
+                <a16:creationId xmlns:a16="http://schemas.microsoft.com/office/drawing/2014/main" id="{F1114005-8C01-44D7-8EC5-FE5A080D4F2A}"/>
+              </a:ext>
+            </a:extLst>
+          </p:cNvPr>
+          <p:cNvCxnSpPr>
+            <a:cxnSpLocks/>
+          </p:cNvCxnSpPr>
+          <p:nvPr/>
+        </p:nvCxnSpPr>
+        <p:spPr>
+          <a:xfrm flipH="1">
+            <a:off x="5824316" y="2897548"/>
+            <a:ext cx="1036" cy="366466"/>
+          </a:xfrm>
+          <a:prstGeom prst="straightConnector1">
+            <a:avLst/>
+          </a:prstGeom>
+          <a:ln w="19050">
+            <a:solidFill>
+              <a:schemeClr val="tx1"/>
+            </a:solidFill>
+            <a:tailEnd type="triangle"/>
+          </a:ln>
+        </p:spPr>
+        <p:style>
+          <a:lnRef idx="1">
+            <a:schemeClr val="accent1"/>
+          </a:lnRef>
+          <a:fillRef idx="0">
+            <a:schemeClr val="accent1"/>
+          </a:fillRef>
+          <a:effectRef idx="0">
+            <a:schemeClr val="accent1"/>
+          </a:effectRef>
+          <a:fontRef idx="minor">
+            <a:schemeClr val="tx1"/>
+          </a:fontRef>
+        </p:style>
+      </p:cxnSp>
+    </p:spTree>
+    <p:extLst>
+      <p:ext uri="{BB962C8B-B14F-4D97-AF65-F5344CB8AC3E}">
+        <p14:creationId xmlns:p14="http://schemas.microsoft.com/office/powerpoint/2010/main" val="1292939670"/>
+      </p:ext>
+    </p:extLst>
+  </p:cSld>
+  <p:clrMapOvr>
+    <a:masterClrMapping/>
+  </p:clrMapOvr>
+</p:sld>
+</file>
+
+<file path=ppt/slides/slide11.xml><?xml version="1.0" encoding="utf-8"?>
+<p:sld xmlns:a="http://schemas.openxmlformats.org/drawingml/2006/main" xmlns:r="http://schemas.openxmlformats.org/officeDocument/2006/relationships" xmlns:p="http://schemas.openxmlformats.org/presentationml/2006/main">
+  <p:cSld>
+    <p:spTree>
+      <p:nvGrpSpPr>
+        <p:cNvPr id="1" name=""/>
+        <p:cNvGrpSpPr/>
+        <p:nvPr/>
+      </p:nvGrpSpPr>
+      <p:grpSpPr>
+        <a:xfrm>
+          <a:off x="0" y="0"/>
+          <a:ext cx="0" cy="0"/>
+          <a:chOff x="0" y="0"/>
+          <a:chExt cx="0" cy="0"/>
+        </a:xfrm>
+      </p:grpSpPr>
+      <p:sp>
+        <p:nvSpPr>
+          <p:cNvPr id="5" name="矩形 4">
+            <a:extLst>
+              <a:ext uri="{FF2B5EF4-FFF2-40B4-BE49-F238E27FC236}">
+                <a16:creationId xmlns:a16="http://schemas.microsoft.com/office/drawing/2014/main" id="{ABC0A999-24E3-47A8-ABC0-3438CCF8FE3B}"/>
+              </a:ext>
+            </a:extLst>
+          </p:cNvPr>
+          <p:cNvSpPr/>
+          <p:nvPr/>
+        </p:nvSpPr>
+        <p:spPr>
+          <a:xfrm>
+            <a:off x="1311931" y="3444072"/>
+            <a:ext cx="1188000" cy="612000"/>
+          </a:xfrm>
+          <a:prstGeom prst="rect">
+            <a:avLst/>
+          </a:prstGeom>
+          <a:noFill/>
+          <a:ln w="19050" cap="flat" cmpd="sng" algn="ctr">
+            <a:solidFill>
+              <a:srgbClr val="202731">
+                <a:shade val="50000"/>
+              </a:srgbClr>
+            </a:solidFill>
+            <a:prstDash val="solid"/>
+          </a:ln>
+          <a:effectLst/>
+        </p:spPr>
+        <p:txBody>
+          <a:bodyPr rtlCol="0" anchor="ctr"/>
+          <a:lstStyle/>
+          <a:p>
+            <a:pPr marL="0" marR="0" lvl="0" indent="0" algn="ctr" defTabSz="914400" eaLnBrk="1" fontAlgn="auto" latinLnBrk="0" hangingPunct="1">
+              <a:lnSpc>
+                <a:spcPct val="100000"/>
+              </a:lnSpc>
+              <a:spcBef>
+                <a:spcPts val="0"/>
+              </a:spcBef>
+              <a:spcAft>
+                <a:spcPts val="0"/>
+              </a:spcAft>
+              <a:buClrTx/>
+              <a:buSzTx/>
+              <a:buFontTx/>
+              <a:buNone/>
+              <a:tabLst/>
+              <a:defRPr/>
+            </a:pPr>
+            <a:r>
+              <a:rPr lang="en-US" altLang="zh-CN" sz="1600" kern="0" dirty="0">
+                <a:solidFill>
+                  <a:prstClr val="black"/>
+                </a:solidFill>
+                <a:latin typeface="Times New Roman" panose="02020603050405020304" pitchFamily="18" charset="0"/>
+                <a:ea typeface="华文新魏" panose="02010800040101010101" pitchFamily="2" charset="-122"/>
+                <a:cs typeface="Times New Roman" panose="02020603050405020304" pitchFamily="18" charset="0"/>
+              </a:rPr>
+              <a:t>Original audio</a:t>
+            </a:r>
+            <a:endParaRPr kumimoji="0" lang="zh-CN" altLang="en-US" sz="1600" b="0" i="0" u="none" strike="noStrike" kern="0" cap="none" spc="0" normalizeH="0" baseline="0" noProof="0" dirty="0">
+              <a:ln>
+                <a:noFill/>
+              </a:ln>
+              <a:solidFill>
+                <a:prstClr val="black"/>
+              </a:solidFill>
+              <a:effectLst/>
+              <a:uLnTx/>
+              <a:uFillTx/>
+              <a:latin typeface="Times New Roman" panose="02020603050405020304" pitchFamily="18" charset="0"/>
+              <a:ea typeface="华文新魏" panose="02010800040101010101" pitchFamily="2" charset="-122"/>
+              <a:cs typeface="Times New Roman" panose="02020603050405020304" pitchFamily="18" charset="0"/>
+            </a:endParaRPr>
+          </a:p>
+        </p:txBody>
+      </p:sp>
+      <p:sp>
+        <p:nvSpPr>
+          <p:cNvPr id="18" name="矩形 17">
+            <a:extLst>
+              <a:ext uri="{FF2B5EF4-FFF2-40B4-BE49-F238E27FC236}">
+                <a16:creationId xmlns:a16="http://schemas.microsoft.com/office/drawing/2014/main" id="{9E70C10E-067B-432A-BE3A-898AAAC5B39B}"/>
+              </a:ext>
+            </a:extLst>
+          </p:cNvPr>
+          <p:cNvSpPr/>
+          <p:nvPr/>
+        </p:nvSpPr>
+        <p:spPr>
+          <a:xfrm>
+            <a:off x="4694926" y="2438526"/>
+            <a:ext cx="2520000" cy="612000"/>
+          </a:xfrm>
+          <a:prstGeom prst="rect">
+            <a:avLst/>
+          </a:prstGeom>
+          <a:solidFill>
+            <a:schemeClr val="bg2">
+              <a:lumMod val="90000"/>
+            </a:schemeClr>
+          </a:solidFill>
+          <a:ln w="19050" cap="flat" cmpd="sng" algn="ctr">
+            <a:solidFill>
+              <a:srgbClr val="202731">
+                <a:shade val="50000"/>
+              </a:srgbClr>
+            </a:solidFill>
+            <a:prstDash val="solid"/>
+          </a:ln>
+          <a:effectLst/>
+        </p:spPr>
+        <p:txBody>
+          <a:bodyPr rtlCol="0" anchor="ctr"/>
+          <a:lstStyle/>
+          <a:p>
+            <a:pPr lvl="0" algn="ctr">
+              <a:defRPr/>
+            </a:pPr>
+            <a:r>
+              <a:rPr lang="en-US" altLang="zh-CN" sz="1600" kern="0" dirty="0">
+                <a:solidFill>
+                  <a:prstClr val="black"/>
+                </a:solidFill>
+                <a:latin typeface="Times New Roman" panose="02020603050405020304" pitchFamily="18" charset="0"/>
+                <a:ea typeface="华文新魏" panose="02010800040101010101" pitchFamily="2" charset="-122"/>
+                <a:cs typeface="Times New Roman" panose="02020603050405020304" pitchFamily="18" charset="0"/>
+              </a:rPr>
+              <a:t>Sound change model</a:t>
+            </a:r>
+            <a:endParaRPr kumimoji="0" lang="zh-CN" altLang="en-US" sz="1600" b="0" i="0" u="none" strike="noStrike" kern="0" cap="none" spc="0" normalizeH="0" baseline="0" noProof="0" dirty="0">
+              <a:ln>
+                <a:noFill/>
+              </a:ln>
+              <a:solidFill>
+                <a:prstClr val="black"/>
+              </a:solidFill>
+              <a:effectLst/>
+              <a:uLnTx/>
+              <a:uFillTx/>
+              <a:latin typeface="Times New Roman" panose="02020603050405020304" pitchFamily="18" charset="0"/>
+              <a:ea typeface="华文新魏" panose="02010800040101010101" pitchFamily="2" charset="-122"/>
+              <a:cs typeface="Times New Roman" panose="02020603050405020304" pitchFamily="18" charset="0"/>
+            </a:endParaRPr>
+          </a:p>
+        </p:txBody>
+      </p:sp>
+      <p:sp>
+        <p:nvSpPr>
+          <p:cNvPr id="33" name="矩形: 圆角 32">
+            <a:extLst>
+              <a:ext uri="{FF2B5EF4-FFF2-40B4-BE49-F238E27FC236}">
+                <a16:creationId xmlns:a16="http://schemas.microsoft.com/office/drawing/2014/main" id="{82CEC01C-E1A0-4C1C-9B12-2B512BF7C25B}"/>
+              </a:ext>
+            </a:extLst>
+          </p:cNvPr>
+          <p:cNvSpPr/>
+          <p:nvPr/>
+        </p:nvSpPr>
+        <p:spPr>
+          <a:xfrm>
+            <a:off x="4382839" y="3444072"/>
+            <a:ext cx="1332000" cy="612000"/>
+          </a:xfrm>
+          <a:prstGeom prst="roundRect">
+            <a:avLst/>
+          </a:prstGeom>
+          <a:solidFill>
+            <a:schemeClr val="bg2">
+              <a:lumMod val="90000"/>
+            </a:schemeClr>
+          </a:solidFill>
+          <a:ln w="19050">
+            <a:solidFill>
+              <a:schemeClr val="tx1"/>
+            </a:solidFill>
+          </a:ln>
+        </p:spPr>
+        <p:style>
+          <a:lnRef idx="2">
+            <a:schemeClr val="accent1">
+              <a:shade val="50000"/>
+            </a:schemeClr>
+          </a:lnRef>
+          <a:fillRef idx="1">
+            <a:schemeClr val="accent1"/>
+          </a:fillRef>
+          <a:effectRef idx="0">
+            <a:schemeClr val="accent1"/>
+          </a:effectRef>
+          <a:fontRef idx="minor">
+            <a:schemeClr val="lt1"/>
+          </a:fontRef>
+        </p:style>
+        <p:txBody>
+          <a:bodyPr rtlCol="0" anchor="ctr"/>
+          <a:lstStyle/>
+          <a:p>
+            <a:pPr algn="ctr"/>
+            <a:r>
+              <a:rPr lang="en-US" altLang="zh-CN" sz="1600" dirty="0">
+                <a:solidFill>
+                  <a:schemeClr val="tx1"/>
+                </a:solidFill>
+                <a:latin typeface="Times New Roman" panose="02020603050405020304" pitchFamily="18" charset="0"/>
+                <a:cs typeface="Times New Roman" panose="02020603050405020304" pitchFamily="18" charset="0"/>
+              </a:rPr>
+              <a:t>Time-scale</a:t>
+            </a:r>
+          </a:p>
+          <a:p>
+            <a:pPr algn="ctr"/>
+            <a:r>
+              <a:rPr lang="en-US" altLang="zh-CN" sz="1600" dirty="0">
+                <a:solidFill>
+                  <a:schemeClr val="tx1"/>
+                </a:solidFill>
+                <a:latin typeface="Times New Roman" panose="02020603050405020304" pitchFamily="18" charset="0"/>
+                <a:cs typeface="Times New Roman" panose="02020603050405020304" pitchFamily="18" charset="0"/>
+              </a:rPr>
+              <a:t>modification</a:t>
+            </a:r>
+            <a:endParaRPr lang="zh-CN" altLang="en-US" sz="1600" dirty="0">
+              <a:solidFill>
+                <a:schemeClr val="tx1"/>
+              </a:solidFill>
+              <a:latin typeface="Times New Roman" panose="02020603050405020304" pitchFamily="18" charset="0"/>
+              <a:cs typeface="Times New Roman" panose="02020603050405020304" pitchFamily="18" charset="0"/>
+            </a:endParaRPr>
+          </a:p>
+        </p:txBody>
+      </p:sp>
+      <p:sp>
+        <p:nvSpPr>
+          <p:cNvPr id="34" name="矩形 33">
+            <a:extLst>
+              <a:ext uri="{FF2B5EF4-FFF2-40B4-BE49-F238E27FC236}">
+                <a16:creationId xmlns:a16="http://schemas.microsoft.com/office/drawing/2014/main" id="{DD2CD78A-E2C6-4843-BBAF-8FDE15617785}"/>
+              </a:ext>
+            </a:extLst>
+          </p:cNvPr>
+          <p:cNvSpPr/>
+          <p:nvPr/>
+        </p:nvSpPr>
+        <p:spPr>
+          <a:xfrm>
+            <a:off x="9591206" y="3444072"/>
+            <a:ext cx="1188000" cy="612000"/>
+          </a:xfrm>
+          <a:prstGeom prst="rect">
+            <a:avLst/>
+          </a:prstGeom>
+          <a:noFill/>
+          <a:ln w="19050" cap="flat" cmpd="sng" algn="ctr">
+            <a:solidFill>
+              <a:srgbClr val="202731">
+                <a:shade val="50000"/>
+              </a:srgbClr>
+            </a:solidFill>
+            <a:prstDash val="solid"/>
+          </a:ln>
+          <a:effectLst/>
+        </p:spPr>
+        <p:txBody>
+          <a:bodyPr rtlCol="0" anchor="ctr"/>
+          <a:lstStyle/>
+          <a:p>
+            <a:pPr lvl="0" algn="ctr">
+              <a:defRPr/>
+            </a:pPr>
+            <a:r>
+              <a:rPr lang="en-US" altLang="zh-CN" sz="1600" kern="0" dirty="0">
+                <a:solidFill>
+                  <a:prstClr val="black"/>
+                </a:solidFill>
+                <a:latin typeface="Times New Roman" panose="02020603050405020304" pitchFamily="18" charset="0"/>
+                <a:ea typeface="华文新魏" panose="02010800040101010101" pitchFamily="2" charset="-122"/>
+                <a:cs typeface="Times New Roman" panose="02020603050405020304" pitchFamily="18" charset="0"/>
+              </a:rPr>
+              <a:t>Adversarial</a:t>
+            </a:r>
+          </a:p>
+          <a:p>
+            <a:pPr lvl="0" algn="ctr">
+              <a:defRPr/>
+            </a:pPr>
+            <a:r>
+              <a:rPr lang="en-US" altLang="zh-CN" sz="1600" kern="0" dirty="0">
+                <a:solidFill>
+                  <a:prstClr val="black"/>
+                </a:solidFill>
+                <a:latin typeface="Times New Roman" panose="02020603050405020304" pitchFamily="18" charset="0"/>
+                <a:ea typeface="华文新魏" panose="02010800040101010101" pitchFamily="2" charset="-122"/>
+                <a:cs typeface="Times New Roman" panose="02020603050405020304" pitchFamily="18" charset="0"/>
+              </a:rPr>
+              <a:t>audio</a:t>
+            </a:r>
+            <a:endParaRPr kumimoji="0" lang="zh-CN" altLang="en-US" sz="1600" b="0" i="0" u="none" strike="noStrike" kern="0" cap="none" spc="0" normalizeH="0" baseline="0" noProof="0" dirty="0">
+              <a:ln>
+                <a:noFill/>
+              </a:ln>
+              <a:solidFill>
+                <a:prstClr val="black"/>
+              </a:solidFill>
+              <a:effectLst/>
+              <a:uLnTx/>
+              <a:uFillTx/>
+              <a:latin typeface="Times New Roman" panose="02020603050405020304" pitchFamily="18" charset="0"/>
+              <a:ea typeface="华文新魏" panose="02010800040101010101" pitchFamily="2" charset="-122"/>
+              <a:cs typeface="Times New Roman" panose="02020603050405020304" pitchFamily="18" charset="0"/>
+            </a:endParaRPr>
+          </a:p>
+        </p:txBody>
+      </p:sp>
+      <p:sp>
+        <p:nvSpPr>
+          <p:cNvPr id="39" name="矩形: 圆角 38">
+            <a:extLst>
+              <a:ext uri="{FF2B5EF4-FFF2-40B4-BE49-F238E27FC236}">
+                <a16:creationId xmlns:a16="http://schemas.microsoft.com/office/drawing/2014/main" id="{76E86C9F-8333-4AB2-B0DE-8CC9D7966559}"/>
+              </a:ext>
+            </a:extLst>
+          </p:cNvPr>
+          <p:cNvSpPr/>
+          <p:nvPr/>
+        </p:nvSpPr>
+        <p:spPr>
+          <a:xfrm>
+            <a:off x="2643931" y="3279962"/>
+            <a:ext cx="6621990" cy="1224000"/>
+          </a:xfrm>
+          <a:prstGeom prst="roundRect">
+            <a:avLst/>
+          </a:prstGeom>
+          <a:noFill/>
+          <a:ln w="19050">
+            <a:solidFill>
+              <a:schemeClr val="tx1"/>
+            </a:solidFill>
+            <a:prstDash val="dash"/>
+          </a:ln>
+        </p:spPr>
+        <p:style>
+          <a:lnRef idx="2">
+            <a:schemeClr val="accent1">
+              <a:shade val="50000"/>
+            </a:schemeClr>
+          </a:lnRef>
+          <a:fillRef idx="1">
+            <a:schemeClr val="accent1"/>
+          </a:fillRef>
+          <a:effectRef idx="0">
+            <a:schemeClr val="accent1"/>
+          </a:effectRef>
+          <a:fontRef idx="minor">
+            <a:schemeClr val="lt1"/>
+          </a:fontRef>
+        </p:style>
+        <p:txBody>
+          <a:bodyPr rtlCol="0" anchor="ctr"/>
+          <a:lstStyle/>
+          <a:p>
+            <a:pPr algn="ctr"/>
+            <a:endParaRPr lang="zh-CN" altLang="en-US" dirty="0">
+              <a:solidFill>
+                <a:schemeClr val="tx1"/>
+              </a:solidFill>
+              <a:latin typeface="Times New Roman" panose="02020603050405020304" pitchFamily="18" charset="0"/>
+              <a:cs typeface="Times New Roman" panose="02020603050405020304" pitchFamily="18" charset="0"/>
+            </a:endParaRPr>
+          </a:p>
+        </p:txBody>
+      </p:sp>
+      <p:sp>
+        <p:nvSpPr>
+          <p:cNvPr id="40" name="矩形 39">
+            <a:extLst>
+              <a:ext uri="{FF2B5EF4-FFF2-40B4-BE49-F238E27FC236}">
+                <a16:creationId xmlns:a16="http://schemas.microsoft.com/office/drawing/2014/main" id="{A8E6650A-1B4E-4571-BD0E-F59CE3DA5EF5}"/>
+              </a:ext>
+            </a:extLst>
+          </p:cNvPr>
+          <p:cNvSpPr/>
+          <p:nvPr/>
+        </p:nvSpPr>
+        <p:spPr>
+          <a:xfrm>
+            <a:off x="4657103" y="4460701"/>
+            <a:ext cx="2595647" cy="369332"/>
+          </a:xfrm>
+          <a:prstGeom prst="rect">
+            <a:avLst/>
+          </a:prstGeom>
+        </p:spPr>
+        <p:txBody>
+          <a:bodyPr wrap="none">
+            <a:spAutoFit/>
+          </a:bodyPr>
+          <a:lstStyle/>
+          <a:p>
+            <a:pPr algn="ctr"/>
+            <a:r>
+              <a:rPr lang="en-US" altLang="zh-CN" dirty="0">
+                <a:latin typeface="Times New Roman" panose="02020603050405020304" pitchFamily="18" charset="0"/>
+                <a:cs typeface="Times New Roman" panose="02020603050405020304" pitchFamily="18" charset="0"/>
+              </a:rPr>
+              <a:t>GA-based AE generation</a:t>
+            </a:r>
+            <a:endParaRPr lang="zh-CN" altLang="en-US" dirty="0">
+              <a:solidFill>
+                <a:schemeClr val="tx1"/>
+              </a:solidFill>
+              <a:latin typeface="Times New Roman" panose="02020603050405020304" pitchFamily="18" charset="0"/>
+              <a:cs typeface="Times New Roman" panose="02020603050405020304" pitchFamily="18" charset="0"/>
+            </a:endParaRPr>
+          </a:p>
+        </p:txBody>
+      </p:sp>
+      <p:cxnSp>
+        <p:nvCxnSpPr>
+          <p:cNvPr id="36" name="直接箭头连接符 35">
+            <a:extLst>
+              <a:ext uri="{FF2B5EF4-FFF2-40B4-BE49-F238E27FC236}">
+                <a16:creationId xmlns:a16="http://schemas.microsoft.com/office/drawing/2014/main" id="{122956BF-A7E8-4E8D-BA38-11490AAB9A66}"/>
+              </a:ext>
+            </a:extLst>
+          </p:cNvPr>
+          <p:cNvCxnSpPr>
+            <a:cxnSpLocks/>
+            <a:stCxn id="5" idx="3"/>
+            <a:endCxn id="61" idx="1"/>
+          </p:cNvCxnSpPr>
+          <p:nvPr/>
+        </p:nvCxnSpPr>
+        <p:spPr>
+          <a:xfrm>
+            <a:off x="2499931" y="3750072"/>
+            <a:ext cx="329881" cy="0"/>
+          </a:xfrm>
+          <a:prstGeom prst="straightConnector1">
+            <a:avLst/>
+          </a:prstGeom>
+          <a:ln w="19050">
+            <a:solidFill>
+              <a:schemeClr val="tx1"/>
+            </a:solidFill>
+            <a:tailEnd type="triangle"/>
+          </a:ln>
+        </p:spPr>
+        <p:style>
+          <a:lnRef idx="1">
+            <a:schemeClr val="accent1"/>
+          </a:lnRef>
+          <a:fillRef idx="0">
+            <a:schemeClr val="accent1"/>
+          </a:fillRef>
+          <a:effectRef idx="0">
+            <a:schemeClr val="accent1"/>
+          </a:effectRef>
+          <a:fontRef idx="minor">
+            <a:schemeClr val="tx1"/>
+          </a:fontRef>
+        </p:style>
+      </p:cxnSp>
+      <p:sp>
+        <p:nvSpPr>
+          <p:cNvPr id="61" name="矩形: 圆角 60">
+            <a:extLst>
+              <a:ext uri="{FF2B5EF4-FFF2-40B4-BE49-F238E27FC236}">
+                <a16:creationId xmlns:a16="http://schemas.microsoft.com/office/drawing/2014/main" id="{A41F411C-C50D-4730-AE36-231FB8D257C3}"/>
+              </a:ext>
+            </a:extLst>
+          </p:cNvPr>
+          <p:cNvSpPr/>
+          <p:nvPr/>
+        </p:nvSpPr>
+        <p:spPr>
+          <a:xfrm>
+            <a:off x="2829812" y="3444072"/>
+            <a:ext cx="1332000" cy="612000"/>
+          </a:xfrm>
+          <a:prstGeom prst="roundRect">
+            <a:avLst/>
+          </a:prstGeom>
+          <a:solidFill>
+            <a:schemeClr val="bg2">
+              <a:lumMod val="90000"/>
+            </a:schemeClr>
+          </a:solidFill>
+          <a:ln w="19050">
+            <a:solidFill>
+              <a:schemeClr val="tx1"/>
+            </a:solidFill>
+          </a:ln>
+        </p:spPr>
+        <p:style>
+          <a:lnRef idx="2">
+            <a:schemeClr val="accent1">
+              <a:shade val="50000"/>
+            </a:schemeClr>
+          </a:lnRef>
+          <a:fillRef idx="1">
+            <a:schemeClr val="accent1"/>
+          </a:fillRef>
+          <a:effectRef idx="0">
+            <a:schemeClr val="accent1"/>
+          </a:effectRef>
+          <a:fontRef idx="minor">
+            <a:schemeClr val="lt1"/>
+          </a:fontRef>
+        </p:style>
+        <p:txBody>
+          <a:bodyPr rtlCol="0" anchor="ctr"/>
+          <a:lstStyle/>
+          <a:p>
+            <a:pPr algn="ctr"/>
+            <a:r>
+              <a:rPr lang="en-US" altLang="zh-CN" sz="1600" dirty="0">
+                <a:solidFill>
+                  <a:schemeClr val="tx1"/>
+                </a:solidFill>
+                <a:latin typeface="Times New Roman" panose="02020603050405020304" pitchFamily="18" charset="0"/>
+                <a:cs typeface="Times New Roman" panose="02020603050405020304" pitchFamily="18" charset="0"/>
+              </a:rPr>
+              <a:t>Slicing</a:t>
+            </a:r>
+            <a:endParaRPr lang="zh-CN" altLang="en-US" sz="1600" dirty="0">
+              <a:solidFill>
+                <a:schemeClr val="tx1"/>
+              </a:solidFill>
+              <a:latin typeface="Times New Roman" panose="02020603050405020304" pitchFamily="18" charset="0"/>
+              <a:cs typeface="Times New Roman" panose="02020603050405020304" pitchFamily="18" charset="0"/>
+            </a:endParaRPr>
+          </a:p>
+        </p:txBody>
+      </p:sp>
+      <p:sp>
+        <p:nvSpPr>
+          <p:cNvPr id="52" name="矩形: 圆角 51">
+            <a:extLst>
+              <a:ext uri="{FF2B5EF4-FFF2-40B4-BE49-F238E27FC236}">
+                <a16:creationId xmlns:a16="http://schemas.microsoft.com/office/drawing/2014/main" id="{38F4CEE9-1B06-4AA3-93C4-71C3CDE2B919}"/>
+              </a:ext>
+            </a:extLst>
+          </p:cNvPr>
+          <p:cNvSpPr/>
+          <p:nvPr/>
+        </p:nvSpPr>
+        <p:spPr>
+          <a:xfrm>
+            <a:off x="5935866" y="3444072"/>
+            <a:ext cx="1332000" cy="612000"/>
+          </a:xfrm>
+          <a:prstGeom prst="roundRect">
+            <a:avLst/>
+          </a:prstGeom>
+          <a:solidFill>
+            <a:schemeClr val="bg2">
+              <a:lumMod val="90000"/>
+            </a:schemeClr>
+          </a:solidFill>
+          <a:ln w="19050">
+            <a:solidFill>
+              <a:schemeClr val="tx1"/>
+            </a:solidFill>
+          </a:ln>
+        </p:spPr>
+        <p:style>
+          <a:lnRef idx="2">
+            <a:schemeClr val="accent1">
+              <a:shade val="50000"/>
+            </a:schemeClr>
+          </a:lnRef>
+          <a:fillRef idx="1">
+            <a:schemeClr val="accent1"/>
+          </a:fillRef>
+          <a:effectRef idx="0">
+            <a:schemeClr val="accent1"/>
+          </a:effectRef>
+          <a:fontRef idx="minor">
+            <a:schemeClr val="lt1"/>
+          </a:fontRef>
+        </p:style>
+        <p:txBody>
+          <a:bodyPr rtlCol="0" anchor="ctr"/>
+          <a:lstStyle/>
+          <a:p>
+            <a:pPr algn="ctr"/>
+            <a:r>
+              <a:rPr lang="en-US" altLang="zh-CN" sz="1600">
+                <a:solidFill>
+                  <a:schemeClr val="tx1"/>
+                </a:solidFill>
+                <a:latin typeface="Times New Roman" panose="02020603050405020304" pitchFamily="18" charset="0"/>
+                <a:cs typeface="Times New Roman" panose="02020603050405020304" pitchFamily="18" charset="0"/>
+              </a:rPr>
+              <a:t>GA-based search</a:t>
+            </a:r>
+            <a:endParaRPr lang="zh-CN" altLang="en-US" sz="1600" dirty="0">
+              <a:solidFill>
+                <a:schemeClr val="tx1"/>
+              </a:solidFill>
+              <a:latin typeface="Times New Roman" panose="02020603050405020304" pitchFamily="18" charset="0"/>
+              <a:cs typeface="Times New Roman" panose="02020603050405020304" pitchFamily="18" charset="0"/>
+            </a:endParaRPr>
+          </a:p>
+        </p:txBody>
+      </p:sp>
+      <p:cxnSp>
+        <p:nvCxnSpPr>
+          <p:cNvPr id="70" name="连接符: 肘形 69">
+            <a:extLst>
+              <a:ext uri="{FF2B5EF4-FFF2-40B4-BE49-F238E27FC236}">
+                <a16:creationId xmlns:a16="http://schemas.microsoft.com/office/drawing/2014/main" id="{785E31FC-2F22-4110-A1D5-8A624B9A545F}"/>
+              </a:ext>
+            </a:extLst>
+          </p:cNvPr>
+          <p:cNvCxnSpPr>
+            <a:cxnSpLocks/>
+            <a:stCxn id="10" idx="2"/>
+            <a:endCxn id="33" idx="2"/>
+          </p:cNvCxnSpPr>
+          <p:nvPr/>
+        </p:nvCxnSpPr>
+        <p:spPr>
+          <a:xfrm rot="5400000" flipH="1">
+            <a:off x="6664150" y="2440762"/>
+            <a:ext cx="53275" cy="3283897"/>
+          </a:xfrm>
+          <a:prstGeom prst="bentConnector3">
+            <a:avLst>
+              <a:gd name="adj1" fmla="val -429094"/>
+            </a:avLst>
+          </a:prstGeom>
+          <a:ln w="19050">
+            <a:solidFill>
+              <a:schemeClr val="tx1"/>
+            </a:solidFill>
+            <a:tailEnd type="triangle"/>
+          </a:ln>
+        </p:spPr>
+        <p:style>
+          <a:lnRef idx="1">
+            <a:schemeClr val="accent1"/>
+          </a:lnRef>
+          <a:fillRef idx="0">
+            <a:schemeClr val="accent1"/>
+          </a:fillRef>
+          <a:effectRef idx="0">
+            <a:schemeClr val="accent1"/>
+          </a:effectRef>
+          <a:fontRef idx="minor">
+            <a:schemeClr val="tx1"/>
+          </a:fontRef>
+        </p:style>
+      </p:cxnSp>
+      <p:cxnSp>
+        <p:nvCxnSpPr>
+          <p:cNvPr id="73" name="直接箭头连接符 72">
+            <a:extLst>
+              <a:ext uri="{FF2B5EF4-FFF2-40B4-BE49-F238E27FC236}">
+                <a16:creationId xmlns:a16="http://schemas.microsoft.com/office/drawing/2014/main" id="{8020153C-D856-4823-A3EB-9F9569827490}"/>
+              </a:ext>
+            </a:extLst>
+          </p:cNvPr>
+          <p:cNvCxnSpPr>
+            <a:cxnSpLocks/>
+            <a:stCxn id="61" idx="3"/>
+            <a:endCxn id="33" idx="1"/>
+          </p:cNvCxnSpPr>
+          <p:nvPr/>
+        </p:nvCxnSpPr>
+        <p:spPr>
+          <a:xfrm>
+            <a:off x="4161812" y="3750072"/>
+            <a:ext cx="221027" cy="0"/>
+          </a:xfrm>
+          <a:prstGeom prst="straightConnector1">
+            <a:avLst/>
+          </a:prstGeom>
+          <a:ln w="19050">
+            <a:solidFill>
+              <a:schemeClr val="tx1"/>
+            </a:solidFill>
+            <a:tailEnd type="triangle"/>
+          </a:ln>
+        </p:spPr>
+        <p:style>
+          <a:lnRef idx="1">
+            <a:schemeClr val="accent1"/>
+          </a:lnRef>
+          <a:fillRef idx="0">
+            <a:schemeClr val="accent1"/>
+          </a:fillRef>
+          <a:effectRef idx="0">
+            <a:schemeClr val="accent1"/>
+          </a:effectRef>
+          <a:fontRef idx="minor">
+            <a:schemeClr val="tx1"/>
+          </a:fontRef>
+        </p:style>
+      </p:cxnSp>
+      <p:cxnSp>
+        <p:nvCxnSpPr>
+          <p:cNvPr id="77" name="直接箭头连接符 76">
+            <a:extLst>
+              <a:ext uri="{FF2B5EF4-FFF2-40B4-BE49-F238E27FC236}">
+                <a16:creationId xmlns:a16="http://schemas.microsoft.com/office/drawing/2014/main" id="{1C109E4B-1142-41C5-8BD6-993425AC863C}"/>
+              </a:ext>
+            </a:extLst>
+          </p:cNvPr>
+          <p:cNvCxnSpPr>
+            <a:cxnSpLocks/>
+            <a:stCxn id="33" idx="3"/>
+            <a:endCxn id="52" idx="1"/>
+          </p:cNvCxnSpPr>
+          <p:nvPr/>
+        </p:nvCxnSpPr>
+        <p:spPr>
+          <a:xfrm>
+            <a:off x="5714839" y="3750072"/>
+            <a:ext cx="221027" cy="0"/>
+          </a:xfrm>
+          <a:prstGeom prst="straightConnector1">
+            <a:avLst/>
+          </a:prstGeom>
+          <a:ln w="19050">
+            <a:solidFill>
+              <a:schemeClr val="tx1"/>
+            </a:solidFill>
+            <a:tailEnd type="triangle"/>
+          </a:ln>
+        </p:spPr>
+        <p:style>
+          <a:lnRef idx="1">
+            <a:schemeClr val="accent1"/>
+          </a:lnRef>
+          <a:fillRef idx="0">
+            <a:schemeClr val="accent1"/>
+          </a:fillRef>
+          <a:effectRef idx="0">
+            <a:schemeClr val="accent1"/>
+          </a:effectRef>
+          <a:fontRef idx="minor">
+            <a:schemeClr val="tx1"/>
+          </a:fontRef>
+        </p:style>
+      </p:cxnSp>
+      <p:sp>
+        <p:nvSpPr>
+          <p:cNvPr id="99" name="文本框 98">
+            <a:extLst>
+              <a:ext uri="{FF2B5EF4-FFF2-40B4-BE49-F238E27FC236}">
+                <a16:creationId xmlns:a16="http://schemas.microsoft.com/office/drawing/2014/main" id="{92D90D8F-53C7-4FC2-9C05-5E94592178BF}"/>
+              </a:ext>
+            </a:extLst>
+          </p:cNvPr>
+          <p:cNvSpPr txBox="1"/>
+          <p:nvPr/>
+        </p:nvSpPr>
+        <p:spPr>
+          <a:xfrm>
+            <a:off x="9265921" y="3446858"/>
+            <a:ext cx="314510" cy="307777"/>
+          </a:xfrm>
+          <a:prstGeom prst="rect">
+            <a:avLst/>
+          </a:prstGeom>
+          <a:noFill/>
+        </p:spPr>
+        <p:txBody>
+          <a:bodyPr wrap="none" rtlCol="0">
+            <a:spAutoFit/>
+          </a:bodyPr>
+          <a:lstStyle/>
+          <a:p>
+            <a:r>
+              <a:rPr lang="en-US" altLang="zh-CN" sz="1400" dirty="0">
+                <a:latin typeface="Times New Roman" panose="02020603050405020304" pitchFamily="18" charset="0"/>
+                <a:cs typeface="Times New Roman" panose="02020603050405020304" pitchFamily="18" charset="0"/>
+              </a:rPr>
+              <a:t>Y</a:t>
+            </a:r>
+            <a:endParaRPr lang="zh-CN" altLang="en-US" sz="1400" dirty="0">
+              <a:latin typeface="Times New Roman" panose="02020603050405020304" pitchFamily="18" charset="0"/>
+              <a:cs typeface="Times New Roman" panose="02020603050405020304" pitchFamily="18" charset="0"/>
+            </a:endParaRPr>
+          </a:p>
+        </p:txBody>
+      </p:sp>
+      <p:sp>
+        <p:nvSpPr>
+          <p:cNvPr id="100" name="文本框 99">
+            <a:extLst>
+              <a:ext uri="{FF2B5EF4-FFF2-40B4-BE49-F238E27FC236}">
+                <a16:creationId xmlns:a16="http://schemas.microsoft.com/office/drawing/2014/main" id="{23CDEB1E-7093-4990-8E51-4C9F262073F8}"/>
+              </a:ext>
+            </a:extLst>
+          </p:cNvPr>
+          <p:cNvSpPr txBox="1"/>
+          <p:nvPr/>
+        </p:nvSpPr>
+        <p:spPr>
+          <a:xfrm>
+            <a:off x="6533532" y="4056072"/>
+            <a:ext cx="314510" cy="307777"/>
+          </a:xfrm>
+          <a:prstGeom prst="rect">
+            <a:avLst/>
+          </a:prstGeom>
+          <a:noFill/>
+        </p:spPr>
+        <p:txBody>
+          <a:bodyPr wrap="none" rtlCol="0">
+            <a:spAutoFit/>
+          </a:bodyPr>
+          <a:lstStyle/>
+          <a:p>
+            <a:r>
+              <a:rPr lang="en-US" altLang="zh-CN" sz="1400" dirty="0">
+                <a:latin typeface="Times New Roman" panose="02020603050405020304" pitchFamily="18" charset="0"/>
+                <a:cs typeface="Times New Roman" panose="02020603050405020304" pitchFamily="18" charset="0"/>
+              </a:rPr>
+              <a:t>N</a:t>
+            </a:r>
+            <a:endParaRPr lang="zh-CN" altLang="en-US" sz="1400" dirty="0">
+              <a:latin typeface="Times New Roman" panose="02020603050405020304" pitchFamily="18" charset="0"/>
+              <a:cs typeface="Times New Roman" panose="02020603050405020304" pitchFamily="18" charset="0"/>
+            </a:endParaRPr>
+          </a:p>
+        </p:txBody>
+      </p:sp>
+      <p:cxnSp>
+        <p:nvCxnSpPr>
+          <p:cNvPr id="16" name="直接箭头连接符 15">
+            <a:extLst>
+              <a:ext uri="{FF2B5EF4-FFF2-40B4-BE49-F238E27FC236}">
+                <a16:creationId xmlns:a16="http://schemas.microsoft.com/office/drawing/2014/main" id="{13E4C8BB-F541-457F-9DAE-332C4682191E}"/>
+              </a:ext>
+            </a:extLst>
+          </p:cNvPr>
+          <p:cNvCxnSpPr>
+            <a:cxnSpLocks/>
+            <a:stCxn id="10" idx="3"/>
+            <a:endCxn id="34" idx="1"/>
+          </p:cNvCxnSpPr>
+          <p:nvPr/>
+        </p:nvCxnSpPr>
+        <p:spPr>
+          <a:xfrm>
+            <a:off x="9164427" y="3750072"/>
+            <a:ext cx="426779" cy="0"/>
+          </a:xfrm>
+          <a:prstGeom prst="straightConnector1">
+            <a:avLst/>
+          </a:prstGeom>
+          <a:ln w="19050">
+            <a:solidFill>
+              <a:schemeClr val="tx1"/>
+            </a:solidFill>
+            <a:tailEnd type="triangle"/>
+          </a:ln>
+        </p:spPr>
+        <p:style>
+          <a:lnRef idx="1">
+            <a:schemeClr val="accent1"/>
+          </a:lnRef>
+          <a:fillRef idx="0">
+            <a:schemeClr val="accent1"/>
+          </a:fillRef>
+          <a:effectRef idx="0">
+            <a:schemeClr val="accent1"/>
+          </a:effectRef>
+          <a:fontRef idx="minor">
+            <a:schemeClr val="tx1"/>
+          </a:fontRef>
+        </p:style>
+      </p:cxnSp>
+      <p:cxnSp>
+        <p:nvCxnSpPr>
+          <p:cNvPr id="38" name="直接箭头连接符 37">
+            <a:extLst>
+              <a:ext uri="{FF2B5EF4-FFF2-40B4-BE49-F238E27FC236}">
+                <a16:creationId xmlns:a16="http://schemas.microsoft.com/office/drawing/2014/main" id="{F1114005-8C01-44D7-8EC5-FE5A080D4F2A}"/>
+              </a:ext>
+            </a:extLst>
+          </p:cNvPr>
+          <p:cNvCxnSpPr>
+            <a:cxnSpLocks/>
+          </p:cNvCxnSpPr>
+          <p:nvPr/>
+        </p:nvCxnSpPr>
+        <p:spPr>
+          <a:xfrm flipH="1">
+            <a:off x="5954926" y="3050526"/>
+            <a:ext cx="0" cy="229438"/>
+          </a:xfrm>
+          <a:prstGeom prst="straightConnector1">
+            <a:avLst/>
+          </a:prstGeom>
+          <a:ln w="19050">
+            <a:solidFill>
+              <a:schemeClr val="tx1"/>
+            </a:solidFill>
+            <a:tailEnd type="triangle"/>
+          </a:ln>
+        </p:spPr>
+        <p:style>
+          <a:lnRef idx="1">
+            <a:schemeClr val="accent1"/>
+          </a:lnRef>
+          <a:fillRef idx="0">
+            <a:schemeClr val="accent1"/>
+          </a:fillRef>
+          <a:effectRef idx="0">
+            <a:schemeClr val="accent1"/>
+          </a:effectRef>
+          <a:fontRef idx="minor">
+            <a:schemeClr val="tx1"/>
+          </a:fontRef>
+        </p:style>
+      </p:cxnSp>
+      <p:sp>
+        <p:nvSpPr>
+          <p:cNvPr id="10" name="菱形 9">
+            <a:extLst>
+              <a:ext uri="{FF2B5EF4-FFF2-40B4-BE49-F238E27FC236}">
+                <a16:creationId xmlns:a16="http://schemas.microsoft.com/office/drawing/2014/main" id="{1A63CE19-F1CC-495E-9E0C-1B967AAC523F}"/>
+              </a:ext>
+            </a:extLst>
+          </p:cNvPr>
+          <p:cNvSpPr/>
+          <p:nvPr/>
+        </p:nvSpPr>
+        <p:spPr>
+          <a:xfrm>
+            <a:off x="7501045" y="3390796"/>
+            <a:ext cx="1663382" cy="718551"/>
+          </a:xfrm>
+          <a:prstGeom prst="diamond">
+            <a:avLst/>
+          </a:prstGeom>
+          <a:noFill/>
+          <a:ln w="19050">
+            <a:solidFill>
+              <a:schemeClr val="tx1"/>
+            </a:solidFill>
+          </a:ln>
+        </p:spPr>
+        <p:style>
+          <a:lnRef idx="2">
+            <a:schemeClr val="accent1">
+              <a:shade val="50000"/>
+            </a:schemeClr>
+          </a:lnRef>
+          <a:fillRef idx="1">
+            <a:schemeClr val="accent1"/>
+          </a:fillRef>
+          <a:effectRef idx="0">
+            <a:schemeClr val="accent1"/>
+          </a:effectRef>
+          <a:fontRef idx="minor">
+            <a:schemeClr val="lt1"/>
+          </a:fontRef>
+        </p:style>
+        <p:txBody>
+          <a:bodyPr rtlCol="0" anchor="ctr"/>
+          <a:lstStyle/>
+          <a:p>
+            <a:pPr algn="ctr"/>
+            <a:r>
+              <a:rPr lang="en-US" altLang="zh-CN" sz="1400" dirty="0">
+                <a:solidFill>
+                  <a:schemeClr val="tx1"/>
+                </a:solidFill>
+                <a:latin typeface="Times New Roman" panose="02020603050405020304" pitchFamily="18" charset="0"/>
+                <a:cs typeface="Times New Roman" panose="02020603050405020304" pitchFamily="18" charset="0"/>
+              </a:rPr>
+              <a:t>Targeted words?</a:t>
+            </a:r>
+            <a:endParaRPr lang="zh-CN" altLang="en-US" sz="1400" dirty="0">
+              <a:solidFill>
+                <a:schemeClr val="tx1"/>
+              </a:solidFill>
+              <a:latin typeface="Times New Roman" panose="02020603050405020304" pitchFamily="18" charset="0"/>
+              <a:cs typeface="Times New Roman" panose="02020603050405020304" pitchFamily="18" charset="0"/>
+            </a:endParaRPr>
+          </a:p>
+        </p:txBody>
+      </p:sp>
+      <p:cxnSp>
+        <p:nvCxnSpPr>
+          <p:cNvPr id="35" name="直接箭头连接符 34">
+            <a:extLst>
+              <a:ext uri="{FF2B5EF4-FFF2-40B4-BE49-F238E27FC236}">
+                <a16:creationId xmlns:a16="http://schemas.microsoft.com/office/drawing/2014/main" id="{47DBB265-8EB7-4733-8E60-A7BAF8858B24}"/>
+              </a:ext>
+            </a:extLst>
+          </p:cNvPr>
+          <p:cNvCxnSpPr>
+            <a:cxnSpLocks/>
+            <a:stCxn id="52" idx="3"/>
+            <a:endCxn id="10" idx="1"/>
+          </p:cNvCxnSpPr>
+          <p:nvPr/>
+        </p:nvCxnSpPr>
+        <p:spPr>
+          <a:xfrm>
+            <a:off x="7267866" y="3750072"/>
+            <a:ext cx="233179" cy="0"/>
+          </a:xfrm>
+          <a:prstGeom prst="straightConnector1">
+            <a:avLst/>
+          </a:prstGeom>
+          <a:ln w="19050">
+            <a:solidFill>
+              <a:schemeClr val="tx1"/>
+            </a:solidFill>
+            <a:tailEnd type="triangle"/>
+          </a:ln>
+        </p:spPr>
+        <p:style>
+          <a:lnRef idx="1">
+            <a:schemeClr val="accent1"/>
+          </a:lnRef>
+          <a:fillRef idx="0">
+            <a:schemeClr val="accent1"/>
+          </a:fillRef>
+          <a:effectRef idx="0">
+            <a:schemeClr val="accent1"/>
+          </a:effectRef>
+          <a:fontRef idx="minor">
+            <a:schemeClr val="tx1"/>
+          </a:fontRef>
+        </p:style>
+      </p:cxnSp>
+    </p:spTree>
+    <p:extLst>
+      <p:ext uri="{BB962C8B-B14F-4D97-AF65-F5344CB8AC3E}">
+        <p14:creationId xmlns:p14="http://schemas.microsoft.com/office/powerpoint/2010/main" val="752478699"/>
       </p:ext>
     </p:extLst>
   </p:cSld>
